--- a/160811 - ADP Report - Final Presentation.pptx
+++ b/160811 - ADP Report - Final Presentation.pptx
@@ -13,7 +13,7 @@
     <p:sldMasterId id="2147483747" r:id="rId9"/>
   </p:sldMasterIdLst>
   <p:notesMasterIdLst>
-    <p:notesMasterId r:id="rId23"/>
+    <p:notesMasterId r:id="rId25"/>
   </p:notesMasterIdLst>
   <p:sldIdLst>
     <p:sldId id="327" r:id="rId10"/>
@@ -23,17 +23,19 @@
     <p:sldId id="315" r:id="rId14"/>
     <p:sldId id="309" r:id="rId15"/>
     <p:sldId id="331" r:id="rId16"/>
-    <p:sldId id="334" r:id="rId17"/>
-    <p:sldId id="335" r:id="rId18"/>
-    <p:sldId id="336" r:id="rId19"/>
-    <p:sldId id="333" r:id="rId20"/>
-    <p:sldId id="332" r:id="rId21"/>
-    <p:sldId id="296" r:id="rId22"/>
+    <p:sldId id="337" r:id="rId17"/>
+    <p:sldId id="334" r:id="rId18"/>
+    <p:sldId id="335" r:id="rId19"/>
+    <p:sldId id="336" r:id="rId20"/>
+    <p:sldId id="338" r:id="rId21"/>
+    <p:sldId id="339" r:id="rId22"/>
+    <p:sldId id="333" r:id="rId23"/>
+    <p:sldId id="296" r:id="rId24"/>
   </p:sldIdLst>
   <p:sldSz cx="9144000" cy="6858000" type="screen4x3"/>
   <p:notesSz cx="7315200" cy="9601200"/>
   <p:custDataLst>
-    <p:tags r:id="rId24"/>
+    <p:tags r:id="rId26"/>
   </p:custDataLst>
   <p:defaultTextStyle>
     <a:defPPr>
@@ -132,7 +134,7 @@
   </p:defaultTextStyle>
   <p:extLst>
     <p:ext uri="{EFAFB233-063F-42B5-8137-9DF3F51BA10A}">
-      <p15:sldGuideLst xmlns:p15="http://schemas.microsoft.com/office/powerpoint/2012/main" xmlns="">
+      <p15:sldGuideLst xmlns="" xmlns:p15="http://schemas.microsoft.com/office/powerpoint/2012/main">
         <p15:guide id="1" orient="horz" pos="2160">
           <p15:clr>
             <a:srgbClr val="A4A3A4"/>
@@ -231,7 +233,7 @@
           <a:p>
             <a:fld id="{3F2D3D98-3078-437B-BC98-4EC73BB7A3A2}" type="datetimeFigureOut">
               <a:rPr lang="en-US" smtClean="0"/>
-              <a:t>8/6/2016</a:t>
+              <a:t>8/7/2016</a:t>
             </a:fld>
             <a:endParaRPr lang="en-US"/>
           </a:p>
@@ -17089,7 +17091,7 @@
             </p:custDataLst>
             <p:extLst>
               <p:ext uri="{D42A27DB-BD31-4B8C-83A1-F6EECF244321}">
-                <p14:modId xmlns:p14="http://schemas.microsoft.com/office/powerpoint/2010/main" val="4053843694"/>
+                <p14:modId xmlns:p14="http://schemas.microsoft.com/office/powerpoint/2010/main" val="828937306"/>
               </p:ext>
             </p:extLst>
           </p:nvPr>
@@ -17102,7 +17104,7 @@
           <a:graphicData uri="http://schemas.openxmlformats.org/presentationml/2006/ole">
             <mc:AlternateContent xmlns:mc="http://schemas.openxmlformats.org/markup-compatibility/2006">
               <mc:Choice xmlns:v="urn:schemas-microsoft-com:vml" Requires="v">
-                <p:oleObj spid="_x0000_s1101" name="think-cell Slide" r:id="rId13" imgW="360" imgH="360" progId="TCLayout.ActiveDocument.1">
+                <p:oleObj spid="_x0000_s1107" name="think-cell Slide" r:id="rId13" imgW="360" imgH="360" progId="TCLayout.ActiveDocument.1">
                   <p:embed/>
                 </p:oleObj>
               </mc:Choice>
@@ -18058,7 +18060,7 @@
           <a:graphicData uri="http://schemas.openxmlformats.org/presentationml/2006/ole">
             <mc:AlternateContent xmlns:mc="http://schemas.openxmlformats.org/markup-compatibility/2006">
               <mc:Choice xmlns:v="urn:schemas-microsoft-com:vml" Requires="v">
-                <p:oleObj spid="_x0000_s3145" name="think-cell Slide" r:id="rId13" imgW="360" imgH="360" progId="TCLayout.ActiveDocument.1">
+                <p:oleObj spid="_x0000_s3150" name="think-cell Slide" r:id="rId13" imgW="360" imgH="360" progId="TCLayout.ActiveDocument.1">
                   <p:embed/>
                 </p:oleObj>
               </mc:Choice>
@@ -18412,7 +18414,7 @@
           <a:graphicData uri="http://schemas.openxmlformats.org/presentationml/2006/ole">
             <mc:AlternateContent xmlns:mc="http://schemas.openxmlformats.org/markup-compatibility/2006">
               <mc:Choice xmlns:v="urn:schemas-microsoft-com:vml" Requires="v">
-                <p:oleObj spid="_x0000_s6216" name="think-cell Slide" r:id="rId11" imgW="360" imgH="360" progId="TCLayout.ActiveDocument.1">
+                <p:oleObj spid="_x0000_s6221" name="think-cell Slide" r:id="rId11" imgW="360" imgH="360" progId="TCLayout.ActiveDocument.1">
                   <p:embed/>
                 </p:oleObj>
               </mc:Choice>
@@ -18764,7 +18766,7 @@
           <a:graphicData uri="http://schemas.openxmlformats.org/presentationml/2006/ole">
             <mc:AlternateContent xmlns:mc="http://schemas.openxmlformats.org/markup-compatibility/2006">
               <mc:Choice xmlns:v="urn:schemas-microsoft-com:vml" Requires="v">
-                <p:oleObj spid="_x0000_s12355" name="think-cell Slide" r:id="rId12" imgW="360" imgH="360" progId="TCLayout.ActiveDocument.1">
+                <p:oleObj spid="_x0000_s12360" name="think-cell Slide" r:id="rId12" imgW="360" imgH="360" progId="TCLayout.ActiveDocument.1">
                   <p:embed/>
                 </p:oleObj>
               </mc:Choice>
@@ -19117,7 +19119,7 @@
           <a:graphicData uri="http://schemas.openxmlformats.org/presentationml/2006/ole">
             <mc:AlternateContent xmlns:mc="http://schemas.openxmlformats.org/markup-compatibility/2006">
               <mc:Choice xmlns:v="urn:schemas-microsoft-com:vml" Requires="v">
-                <p:oleObj spid="_x0000_s13379" name="think-cell Slide" r:id="rId9" imgW="270" imgH="270" progId="TCLayout.ActiveDocument.1">
+                <p:oleObj spid="_x0000_s13384" name="think-cell Slide" r:id="rId9" imgW="270" imgH="270" progId="TCLayout.ActiveDocument.1">
                   <p:embed/>
                 </p:oleObj>
               </mc:Choice>
@@ -19706,7 +19708,7 @@
           <a:graphicData uri="http://schemas.openxmlformats.org/presentationml/2006/ole">
             <mc:AlternateContent xmlns:mc="http://schemas.openxmlformats.org/markup-compatibility/2006">
               <mc:Choice xmlns:v="urn:schemas-microsoft-com:vml" Requires="v">
-                <p:oleObj spid="_x0000_s19524" name="think-cell Slide" r:id="rId12" imgW="360" imgH="360" progId="TCLayout.ActiveDocument.1">
+                <p:oleObj spid="_x0000_s19529" name="think-cell Slide" r:id="rId12" imgW="360" imgH="360" progId="TCLayout.ActiveDocument.1">
                   <p:embed/>
                 </p:oleObj>
               </mc:Choice>
@@ -20059,7 +20061,7 @@
           <a:graphicData uri="http://schemas.openxmlformats.org/presentationml/2006/ole">
             <mc:AlternateContent xmlns:mc="http://schemas.openxmlformats.org/markup-compatibility/2006">
               <mc:Choice xmlns:v="urn:schemas-microsoft-com:vml" Requires="v">
-                <p:oleObj spid="_x0000_s21570" name="think-cell Slide" r:id="rId12" imgW="360" imgH="360" progId="TCLayout.ActiveDocument.1">
+                <p:oleObj spid="_x0000_s21575" name="think-cell Slide" r:id="rId12" imgW="360" imgH="360" progId="TCLayout.ActiveDocument.1">
                   <p:embed/>
                 </p:oleObj>
               </mc:Choice>
@@ -20412,7 +20414,7 @@
           <a:graphicData uri="http://schemas.openxmlformats.org/presentationml/2006/ole">
             <mc:AlternateContent xmlns:mc="http://schemas.openxmlformats.org/markup-compatibility/2006">
               <mc:Choice xmlns:v="urn:schemas-microsoft-com:vml" Requires="v">
-                <p:oleObj spid="_x0000_s22594" name="think-cell Slide" r:id="rId12" imgW="360" imgH="360" progId="TCLayout.ActiveDocument.1">
+                <p:oleObj spid="_x0000_s22599" name="think-cell Slide" r:id="rId12" imgW="360" imgH="360" progId="TCLayout.ActiveDocument.1">
                   <p:embed/>
                 </p:oleObj>
               </mc:Choice>
@@ -20762,7 +20764,6 @@
               <a:rPr lang="en-US" sz="1400" dirty="0"/>
               <a:t>Final Presentations (Week 14)</a:t>
             </a:r>
-            <a:endParaRPr lang="en-US" sz="1400" dirty="0"/>
           </a:p>
           <a:p>
             <a:r>
@@ -20867,17 +20868,15 @@
           </a:p>
           <a:p>
             <a:r>
-              <a:rPr lang="en-US" sz="1400" b="0" dirty="0"/>
+              <a:rPr lang="en-US" sz="1400" dirty="0"/>
               <a:t>12 points - Is the explanatory text clear?</a:t>
             </a:r>
-            <a:endParaRPr lang="en-US" sz="1400" dirty="0"/>
-          </a:p>
-          <a:p>
-            <a:r>
-              <a:rPr lang="en-US" sz="1400" b="0" dirty="0"/>
+          </a:p>
+          <a:p>
+            <a:r>
+              <a:rPr lang="en-US" sz="1400" dirty="0"/>
               <a:t>12 points - Did you show substantial iteration?</a:t>
             </a:r>
-            <a:endParaRPr lang="en-US" sz="1400" dirty="0"/>
           </a:p>
           <a:p>
             <a:r>
@@ -20968,6 +20967,1835 @@
         </p:nvSpPr>
         <p:spPr>
           <a:xfrm>
+            <a:off x="336013" y="152400"/>
+            <a:ext cx="8229600" cy="761278"/>
+          </a:xfrm>
+        </p:spPr>
+        <p:txBody>
+          <a:bodyPr/>
+          <a:lstStyle/>
+          <a:p>
+            <a:r>
+              <a:rPr lang="en-US" b="1" dirty="0" smtClean="0"/>
+              <a:t>Testing uncovered a number of potential </a:t>
+            </a:r>
+            <a:br>
+              <a:rPr lang="en-US" b="1" dirty="0" smtClean="0"/>
+            </a:br>
+            <a:r>
+              <a:rPr lang="en-US" b="1" dirty="0" smtClean="0"/>
+              <a:t>changes to improve the user experience</a:t>
+            </a:r>
+            <a:endParaRPr lang="en-US" b="1" dirty="0"/>
+          </a:p>
+        </p:txBody>
+      </p:sp>
+      <p:sp>
+        <p:nvSpPr>
+          <p:cNvPr id="4" name="Rectangle 3"/>
+          <p:cNvSpPr/>
+          <p:nvPr/>
+        </p:nvSpPr>
+        <p:spPr>
+          <a:xfrm>
+            <a:off x="7467600" y="76200"/>
+            <a:ext cx="1594104" cy="304800"/>
+          </a:xfrm>
+          <a:prstGeom prst="rect">
+            <a:avLst/>
+          </a:prstGeom>
+          <a:solidFill>
+            <a:schemeClr val="accent2"/>
+          </a:solidFill>
+          <a:ln>
+            <a:noFill/>
+          </a:ln>
+          <a:effectLst>
+            <a:outerShdw blurRad="50800" dist="38100" dir="2700000" algn="tl" rotWithShape="0">
+              <a:prstClr val="black">
+                <a:alpha val="40000"/>
+              </a:prstClr>
+            </a:outerShdw>
+          </a:effectLst>
+        </p:spPr>
+        <p:style>
+          <a:lnRef idx="2">
+            <a:schemeClr val="accent1">
+              <a:shade val="50000"/>
+            </a:schemeClr>
+          </a:lnRef>
+          <a:fillRef idx="1">
+            <a:schemeClr val="accent1"/>
+          </a:fillRef>
+          <a:effectRef idx="0">
+            <a:schemeClr val="accent1"/>
+          </a:effectRef>
+          <a:fontRef idx="minor">
+            <a:schemeClr val="lt1"/>
+          </a:fontRef>
+        </p:style>
+        <p:txBody>
+          <a:bodyPr rtlCol="0" anchor="ctr"/>
+          <a:lstStyle/>
+          <a:p>
+            <a:pPr marL="285750"/>
+            <a:r>
+              <a:rPr lang="en-US" sz="1200" b="1" dirty="0"/>
+              <a:t>  </a:t>
+            </a:r>
+            <a:r>
+              <a:rPr lang="en-US" sz="1200" b="1" dirty="0" smtClean="0"/>
+              <a:t>UX Testing</a:t>
+            </a:r>
+            <a:endParaRPr lang="en-US" sz="1200" b="1" dirty="0"/>
+          </a:p>
+        </p:txBody>
+      </p:sp>
+      <p:pic>
+        <p:nvPicPr>
+          <p:cNvPr id="6" name="Picture 18" descr=" abstract user icon 1 by Treer"/>
+          <p:cNvPicPr>
+            <a:picLocks noChangeAspect="1" noChangeArrowheads="1"/>
+          </p:cNvPicPr>
+          <p:nvPr/>
+        </p:nvPicPr>
+        <p:blipFill>
+          <a:blip r:embed="rId2" cstate="print">
+            <a:extLst>
+              <a:ext uri="{28A0092B-C50C-407E-A947-70E740481C1C}">
+                <a14:useLocalDpi xmlns:a14="http://schemas.microsoft.com/office/drawing/2010/main" val="0"/>
+              </a:ext>
+            </a:extLst>
+          </a:blip>
+          <a:srcRect/>
+          <a:stretch>
+            <a:fillRect/>
+          </a:stretch>
+        </p:blipFill>
+        <p:spPr bwMode="auto">
+          <a:xfrm>
+            <a:off x="7570806" y="121920"/>
+            <a:ext cx="213024" cy="213024"/>
+          </a:xfrm>
+          <a:prstGeom prst="rect">
+            <a:avLst/>
+          </a:prstGeom>
+          <a:noFill/>
+          <a:extLst>
+            <a:ext uri="{909E8E84-426E-40DD-AFC4-6F175D3DCCD1}">
+              <a14:hiddenFill xmlns:a14="http://schemas.microsoft.com/office/drawing/2010/main">
+                <a:solidFill>
+                  <a:srgbClr val="FFFFFF"/>
+                </a:solidFill>
+              </a14:hiddenFill>
+            </a:ext>
+          </a:extLst>
+        </p:spPr>
+      </p:pic>
+      <p:graphicFrame>
+        <p:nvGraphicFramePr>
+          <p:cNvPr id="8" name="Table 7"/>
+          <p:cNvGraphicFramePr>
+            <a:graphicFrameLocks noGrp="1"/>
+          </p:cNvGraphicFramePr>
+          <p:nvPr>
+            <p:extLst>
+              <p:ext uri="{D42A27DB-BD31-4B8C-83A1-F6EECF244321}">
+                <p14:modId xmlns:p14="http://schemas.microsoft.com/office/powerpoint/2010/main" val="915966529"/>
+              </p:ext>
+            </p:extLst>
+          </p:nvPr>
+        </p:nvGraphicFramePr>
+        <p:xfrm>
+          <a:off x="381000" y="1143000"/>
+          <a:ext cx="8305800" cy="5334000"/>
+        </p:xfrm>
+        <a:graphic>
+          <a:graphicData uri="http://schemas.openxmlformats.org/drawingml/2006/table">
+            <a:tbl>
+              <a:tblPr firstRow="1" bandRow="1">
+                <a:tableStyleId>{5C22544A-7EE6-4342-B048-85BDC9FD1C3A}</a:tableStyleId>
+              </a:tblPr>
+              <a:tblGrid>
+                <a:gridCol w="1143000"/>
+                <a:gridCol w="3048000"/>
+                <a:gridCol w="914400"/>
+                <a:gridCol w="3200400"/>
+              </a:tblGrid>
+              <a:tr h="304800">
+                <a:tc>
+                  <a:txBody>
+                    <a:bodyPr/>
+                    <a:lstStyle/>
+                    <a:p>
+                      <a:pPr algn="ctr"/>
+                      <a:r>
+                        <a:rPr lang="en-US" sz="1200" dirty="0" smtClean="0">
+                          <a:solidFill>
+                            <a:schemeClr val="tx1"/>
+                          </a:solidFill>
+                        </a:rPr>
+                        <a:t>Tool</a:t>
+                      </a:r>
+                      <a:endParaRPr lang="en-US" sz="1200" dirty="0">
+                        <a:solidFill>
+                          <a:schemeClr val="tx1"/>
+                        </a:solidFill>
+                      </a:endParaRPr>
+                    </a:p>
+                  </a:txBody>
+                  <a:tcPr anchor="ctr">
+                    <a:lnB w="28575" cap="flat" cmpd="sng" algn="ctr">
+                      <a:solidFill>
+                        <a:schemeClr val="accent1"/>
+                      </a:solidFill>
+                      <a:prstDash val="solid"/>
+                      <a:round/>
+                      <a:headEnd type="none" w="med" len="med"/>
+                      <a:tailEnd type="none" w="med" len="med"/>
+                    </a:lnB>
+                    <a:noFill/>
+                  </a:tcPr>
+                </a:tc>
+                <a:tc>
+                  <a:txBody>
+                    <a:bodyPr/>
+                    <a:lstStyle/>
+                    <a:p>
+                      <a:pPr algn="ctr"/>
+                      <a:r>
+                        <a:rPr lang="en-US" sz="1200" dirty="0" smtClean="0">
+                          <a:solidFill>
+                            <a:schemeClr val="tx1"/>
+                          </a:solidFill>
+                        </a:rPr>
+                        <a:t>Observation / Learning</a:t>
+                      </a:r>
+                      <a:endParaRPr lang="en-US" sz="1200" dirty="0">
+                        <a:solidFill>
+                          <a:schemeClr val="tx1"/>
+                        </a:solidFill>
+                      </a:endParaRPr>
+                    </a:p>
+                  </a:txBody>
+                  <a:tcPr anchor="ctr">
+                    <a:lnR w="12700" cmpd="sng">
+                      <a:noFill/>
+                    </a:lnR>
+                    <a:lnB w="28575" cap="flat" cmpd="sng" algn="ctr">
+                      <a:solidFill>
+                        <a:schemeClr val="accent1"/>
+                      </a:solidFill>
+                      <a:prstDash val="solid"/>
+                      <a:round/>
+                      <a:headEnd type="none" w="med" len="med"/>
+                      <a:tailEnd type="none" w="med" len="med"/>
+                    </a:lnB>
+                    <a:noFill/>
+                  </a:tcPr>
+                </a:tc>
+                <a:tc>
+                  <a:txBody>
+                    <a:bodyPr/>
+                    <a:lstStyle/>
+                    <a:p>
+                      <a:pPr algn="ctr"/>
+                      <a:endParaRPr lang="en-US" sz="1200" dirty="0">
+                        <a:solidFill>
+                          <a:schemeClr val="tx1"/>
+                        </a:solidFill>
+                      </a:endParaRPr>
+                    </a:p>
+                  </a:txBody>
+                  <a:tcPr anchor="ctr">
+                    <a:lnL w="12700" cmpd="sng">
+                      <a:noFill/>
+                    </a:lnL>
+                    <a:lnR w="12700" cmpd="sng">
+                      <a:noFill/>
+                    </a:lnR>
+                    <a:lnT w="12700" cmpd="sng">
+                      <a:noFill/>
+                    </a:lnT>
+                    <a:lnB w="28575" cap="flat" cmpd="sng" algn="ctr">
+                      <a:noFill/>
+                      <a:prstDash val="solid"/>
+                      <a:round/>
+                      <a:headEnd type="none" w="med" len="med"/>
+                      <a:tailEnd type="none" w="med" len="med"/>
+                    </a:lnB>
+                    <a:lnTlToBr w="12700" cmpd="sng">
+                      <a:noFill/>
+                      <a:prstDash val="solid"/>
+                    </a:lnTlToBr>
+                    <a:lnBlToTr w="12700" cmpd="sng">
+                      <a:noFill/>
+                      <a:prstDash val="solid"/>
+                    </a:lnBlToTr>
+                    <a:noFill/>
+                  </a:tcPr>
+                </a:tc>
+                <a:tc>
+                  <a:txBody>
+                    <a:bodyPr/>
+                    <a:lstStyle/>
+                    <a:p>
+                      <a:pPr algn="ctr"/>
+                      <a:r>
+                        <a:rPr lang="en-US" sz="1200" dirty="0" smtClean="0">
+                          <a:solidFill>
+                            <a:schemeClr val="tx1"/>
+                          </a:solidFill>
+                        </a:rPr>
+                        <a:t>Changes</a:t>
+                      </a:r>
+                      <a:endParaRPr lang="en-US" sz="1200" dirty="0">
+                        <a:solidFill>
+                          <a:schemeClr val="tx1"/>
+                        </a:solidFill>
+                      </a:endParaRPr>
+                    </a:p>
+                  </a:txBody>
+                  <a:tcPr anchor="ctr">
+                    <a:lnL w="12700" cmpd="sng">
+                      <a:noFill/>
+                    </a:lnL>
+                    <a:lnB w="28575" cap="flat" cmpd="sng" algn="ctr">
+                      <a:solidFill>
+                        <a:schemeClr val="accent1"/>
+                      </a:solidFill>
+                      <a:prstDash val="solid"/>
+                      <a:round/>
+                      <a:headEnd type="none" w="med" len="med"/>
+                      <a:tailEnd type="none" w="med" len="med"/>
+                    </a:lnB>
+                    <a:noFill/>
+                  </a:tcPr>
+                </a:tc>
+              </a:tr>
+              <a:tr h="0">
+                <a:tc>
+                  <a:txBody>
+                    <a:bodyPr/>
+                    <a:lstStyle/>
+                    <a:p>
+                      <a:endParaRPr lang="en-US" sz="400" dirty="0">
+                        <a:solidFill>
+                          <a:schemeClr val="tx1"/>
+                        </a:solidFill>
+                      </a:endParaRPr>
+                    </a:p>
+                  </a:txBody>
+                  <a:tcPr>
+                    <a:lnT w="28575" cap="flat" cmpd="sng" algn="ctr">
+                      <a:solidFill>
+                        <a:schemeClr val="accent1"/>
+                      </a:solidFill>
+                      <a:prstDash val="solid"/>
+                      <a:round/>
+                      <a:headEnd type="none" w="med" len="med"/>
+                      <a:tailEnd type="none" w="med" len="med"/>
+                    </a:lnT>
+                    <a:lnB w="12700" cap="flat" cmpd="sng" algn="ctr">
+                      <a:noFill/>
+                      <a:prstDash val="solid"/>
+                      <a:round/>
+                      <a:headEnd type="none" w="med" len="med"/>
+                      <a:tailEnd type="none" w="med" len="med"/>
+                    </a:lnB>
+                    <a:noFill/>
+                  </a:tcPr>
+                </a:tc>
+                <a:tc>
+                  <a:txBody>
+                    <a:bodyPr/>
+                    <a:lstStyle/>
+                    <a:p>
+                      <a:endParaRPr lang="en-US" sz="400" dirty="0">
+                        <a:solidFill>
+                          <a:schemeClr val="tx1"/>
+                        </a:solidFill>
+                      </a:endParaRPr>
+                    </a:p>
+                  </a:txBody>
+                  <a:tcPr>
+                    <a:lnR w="12700" cmpd="sng">
+                      <a:noFill/>
+                    </a:lnR>
+                    <a:lnT w="28575" cap="flat" cmpd="sng" algn="ctr">
+                      <a:solidFill>
+                        <a:schemeClr val="accent1"/>
+                      </a:solidFill>
+                      <a:prstDash val="solid"/>
+                      <a:round/>
+                      <a:headEnd type="none" w="med" len="med"/>
+                      <a:tailEnd type="none" w="med" len="med"/>
+                    </a:lnT>
+                    <a:lnB w="12700" cap="flat" cmpd="sng" algn="ctr">
+                      <a:noFill/>
+                      <a:prstDash val="solid"/>
+                      <a:round/>
+                      <a:headEnd type="none" w="med" len="med"/>
+                      <a:tailEnd type="none" w="med" len="med"/>
+                    </a:lnB>
+                    <a:noFill/>
+                  </a:tcPr>
+                </a:tc>
+                <a:tc>
+                  <a:txBody>
+                    <a:bodyPr/>
+                    <a:lstStyle/>
+                    <a:p>
+                      <a:endParaRPr lang="en-US" sz="400" b="0" dirty="0">
+                        <a:solidFill>
+                          <a:schemeClr val="tx1"/>
+                        </a:solidFill>
+                      </a:endParaRPr>
+                    </a:p>
+                  </a:txBody>
+                  <a:tcPr>
+                    <a:lnL w="12700" cmpd="sng">
+                      <a:noFill/>
+                    </a:lnL>
+                    <a:lnR w="12700" cmpd="sng">
+                      <a:noFill/>
+                    </a:lnR>
+                    <a:lnT w="28575" cap="flat" cmpd="sng" algn="ctr">
+                      <a:noFill/>
+                      <a:prstDash val="solid"/>
+                      <a:round/>
+                      <a:headEnd type="none" w="med" len="med"/>
+                      <a:tailEnd type="none" w="med" len="med"/>
+                    </a:lnT>
+                    <a:lnB w="12700" cap="flat" cmpd="sng" algn="ctr">
+                      <a:noFill/>
+                      <a:prstDash val="solid"/>
+                      <a:round/>
+                      <a:headEnd type="none" w="med" len="med"/>
+                      <a:tailEnd type="none" w="med" len="med"/>
+                    </a:lnB>
+                    <a:lnTlToBr w="12700" cmpd="sng">
+                      <a:noFill/>
+                      <a:prstDash val="solid"/>
+                    </a:lnTlToBr>
+                    <a:lnBlToTr w="12700" cmpd="sng">
+                      <a:noFill/>
+                      <a:prstDash val="solid"/>
+                    </a:lnBlToTr>
+                    <a:noFill/>
+                  </a:tcPr>
+                </a:tc>
+                <a:tc>
+                  <a:txBody>
+                    <a:bodyPr/>
+                    <a:lstStyle/>
+                    <a:p>
+                      <a:endParaRPr lang="en-US" sz="400" b="0" dirty="0">
+                        <a:solidFill>
+                          <a:schemeClr val="tx1"/>
+                        </a:solidFill>
+                      </a:endParaRPr>
+                    </a:p>
+                  </a:txBody>
+                  <a:tcPr>
+                    <a:lnL w="12700" cmpd="sng">
+                      <a:noFill/>
+                    </a:lnL>
+                    <a:lnT w="28575" cap="flat" cmpd="sng" algn="ctr">
+                      <a:solidFill>
+                        <a:schemeClr val="accent1"/>
+                      </a:solidFill>
+                      <a:prstDash val="solid"/>
+                      <a:round/>
+                      <a:headEnd type="none" w="med" len="med"/>
+                      <a:tailEnd type="none" w="med" len="med"/>
+                    </a:lnT>
+                    <a:lnB w="12700" cap="flat" cmpd="sng" algn="ctr">
+                      <a:noFill/>
+                      <a:prstDash val="solid"/>
+                      <a:round/>
+                      <a:headEnd type="none" w="med" len="med"/>
+                      <a:tailEnd type="none" w="med" len="med"/>
+                    </a:lnB>
+                    <a:noFill/>
+                  </a:tcPr>
+                </a:tc>
+              </a:tr>
+              <a:tr h="867881">
+                <a:tc rowSpan="3">
+                  <a:txBody>
+                    <a:bodyPr/>
+                    <a:lstStyle/>
+                    <a:p>
+                      <a:r>
+                        <a:rPr lang="en-US" sz="1200" b="1" dirty="0" smtClean="0">
+                          <a:solidFill>
+                            <a:schemeClr val="bg2"/>
+                          </a:solidFill>
+                        </a:rPr>
+                        <a:t>Jobs</a:t>
+                      </a:r>
+                      <a:r>
+                        <a:rPr lang="en-US" sz="1200" b="1" baseline="0" dirty="0" smtClean="0">
+                          <a:solidFill>
+                            <a:schemeClr val="bg2"/>
+                          </a:solidFill>
+                        </a:rPr>
+                        <a:t> Explorer</a:t>
+                      </a:r>
+                      <a:endParaRPr lang="en-US" sz="1200" b="1" dirty="0">
+                        <a:solidFill>
+                          <a:schemeClr val="bg2"/>
+                        </a:solidFill>
+                      </a:endParaRPr>
+                    </a:p>
+                  </a:txBody>
+                  <a:tcPr anchor="ctr">
+                    <a:lnT w="12700" cap="flat" cmpd="sng" algn="ctr">
+                      <a:noFill/>
+                      <a:prstDash val="solid"/>
+                      <a:round/>
+                      <a:headEnd type="none" w="med" len="med"/>
+                      <a:tailEnd type="none" w="med" len="med"/>
+                    </a:lnT>
+                    <a:lnB w="28575" cap="flat" cmpd="sng" algn="ctr">
+                      <a:solidFill>
+                        <a:schemeClr val="bg1"/>
+                      </a:solidFill>
+                      <a:prstDash val="solid"/>
+                      <a:round/>
+                      <a:headEnd type="none" w="med" len="med"/>
+                      <a:tailEnd type="none" w="med" len="med"/>
+                    </a:lnB>
+                    <a:solidFill>
+                      <a:schemeClr val="accent3"/>
+                    </a:solidFill>
+                  </a:tcPr>
+                </a:tc>
+                <a:tc>
+                  <a:txBody>
+                    <a:bodyPr/>
+                    <a:lstStyle/>
+                    <a:p>
+                      <a:r>
+                        <a:rPr lang="en-US" sz="1200" dirty="0" smtClean="0">
+                          <a:solidFill>
+                            <a:schemeClr val="tx1"/>
+                          </a:solidFill>
+                        </a:rPr>
+                        <a:t>Lesson #1</a:t>
+                      </a:r>
+                      <a:endParaRPr lang="en-US" sz="1200" dirty="0">
+                        <a:solidFill>
+                          <a:schemeClr val="tx1"/>
+                        </a:solidFill>
+                      </a:endParaRPr>
+                    </a:p>
+                  </a:txBody>
+                  <a:tcPr>
+                    <a:lnR w="12700" cmpd="sng">
+                      <a:noFill/>
+                    </a:lnR>
+                    <a:lnT w="12700" cap="flat" cmpd="sng" algn="ctr">
+                      <a:noFill/>
+                      <a:prstDash val="solid"/>
+                      <a:round/>
+                      <a:headEnd type="none" w="med" len="med"/>
+                      <a:tailEnd type="none" w="med" len="med"/>
+                    </a:lnT>
+                    <a:lnB w="12700" cap="flat" cmpd="sng" algn="ctr">
+                      <a:solidFill>
+                        <a:schemeClr val="bg2">
+                          <a:lumMod val="85000"/>
+                        </a:schemeClr>
+                      </a:solidFill>
+                      <a:prstDash val="dash"/>
+                      <a:round/>
+                      <a:headEnd type="none" w="med" len="med"/>
+                      <a:tailEnd type="none" w="med" len="med"/>
+                    </a:lnB>
+                    <a:noFill/>
+                  </a:tcPr>
+                </a:tc>
+                <a:tc>
+                  <a:txBody>
+                    <a:bodyPr/>
+                    <a:lstStyle/>
+                    <a:p>
+                      <a:pPr marL="228600" indent="-228600">
+                        <a:buFont typeface="Arial" panose="020B0604020202020204" pitchFamily="34" charset="0"/>
+                        <a:buChar char="•"/>
+                      </a:pPr>
+                      <a:endParaRPr lang="en-US" sz="1200" baseline="0" dirty="0" smtClean="0">
+                        <a:solidFill>
+                          <a:schemeClr val="tx1"/>
+                        </a:solidFill>
+                      </a:endParaRPr>
+                    </a:p>
+                  </a:txBody>
+                  <a:tcPr>
+                    <a:lnL w="12700" cmpd="sng">
+                      <a:noFill/>
+                    </a:lnL>
+                    <a:lnR w="12700" cmpd="sng">
+                      <a:noFill/>
+                    </a:lnR>
+                    <a:lnT w="12700" cap="flat" cmpd="sng" algn="ctr">
+                      <a:noFill/>
+                      <a:prstDash val="solid"/>
+                      <a:round/>
+                      <a:headEnd type="none" w="med" len="med"/>
+                      <a:tailEnd type="none" w="med" len="med"/>
+                    </a:lnT>
+                    <a:lnB w="12700" cap="flat" cmpd="sng" algn="ctr">
+                      <a:noFill/>
+                      <a:prstDash val="dash"/>
+                      <a:round/>
+                      <a:headEnd type="none" w="med" len="med"/>
+                      <a:tailEnd type="none" w="med" len="med"/>
+                    </a:lnB>
+                    <a:lnTlToBr w="12700" cmpd="sng">
+                      <a:noFill/>
+                      <a:prstDash val="solid"/>
+                    </a:lnTlToBr>
+                    <a:lnBlToTr w="12700" cmpd="sng">
+                      <a:noFill/>
+                      <a:prstDash val="solid"/>
+                    </a:lnBlToTr>
+                    <a:noFill/>
+                  </a:tcPr>
+                </a:tc>
+                <a:tc>
+                  <a:txBody>
+                    <a:bodyPr/>
+                    <a:lstStyle/>
+                    <a:p>
+                      <a:pPr marL="228600" indent="-228600">
+                        <a:buFont typeface="Arial" panose="020B0604020202020204" pitchFamily="34" charset="0"/>
+                        <a:buChar char="•"/>
+                      </a:pPr>
+                      <a:r>
+                        <a:rPr lang="en-US" sz="1200" baseline="0" dirty="0" smtClean="0">
+                          <a:solidFill>
+                            <a:schemeClr val="tx1"/>
+                          </a:solidFill>
+                        </a:rPr>
+                        <a:t>Add commentary</a:t>
+                      </a:r>
+                    </a:p>
+                    <a:p>
+                      <a:pPr marL="228600" indent="-228600">
+                        <a:buFont typeface="Arial" panose="020B0604020202020204" pitchFamily="34" charset="0"/>
+                        <a:buChar char="•"/>
+                      </a:pPr>
+                      <a:r>
+                        <a:rPr lang="en-US" sz="1200" baseline="0" dirty="0" smtClean="0">
+                          <a:solidFill>
+                            <a:schemeClr val="tx1"/>
+                          </a:solidFill>
+                        </a:rPr>
+                        <a:t>Add Commentary</a:t>
+                      </a:r>
+                    </a:p>
+                  </a:txBody>
+                  <a:tcPr>
+                    <a:lnL w="12700" cmpd="sng">
+                      <a:noFill/>
+                    </a:lnL>
+                    <a:lnT w="12700" cap="flat" cmpd="sng" algn="ctr">
+                      <a:noFill/>
+                      <a:prstDash val="solid"/>
+                      <a:round/>
+                      <a:headEnd type="none" w="med" len="med"/>
+                      <a:tailEnd type="none" w="med" len="med"/>
+                    </a:lnT>
+                    <a:lnB w="12700" cap="flat" cmpd="sng" algn="ctr">
+                      <a:solidFill>
+                        <a:schemeClr val="bg2">
+                          <a:lumMod val="85000"/>
+                        </a:schemeClr>
+                      </a:solidFill>
+                      <a:prstDash val="dash"/>
+                      <a:round/>
+                      <a:headEnd type="none" w="med" len="med"/>
+                      <a:tailEnd type="none" w="med" len="med"/>
+                    </a:lnB>
+                    <a:noFill/>
+                  </a:tcPr>
+                </a:tc>
+              </a:tr>
+              <a:tr h="808185">
+                <a:tc vMerge="1">
+                  <a:txBody>
+                    <a:bodyPr/>
+                    <a:lstStyle/>
+                    <a:p>
+                      <a:endParaRPr lang="en-US" sz="1200" dirty="0">
+                        <a:solidFill>
+                          <a:schemeClr val="tx1"/>
+                        </a:solidFill>
+                      </a:endParaRPr>
+                    </a:p>
+                  </a:txBody>
+                  <a:tcPr>
+                    <a:lnT w="12700" cap="flat" cmpd="sng" algn="ctr">
+                      <a:solidFill>
+                        <a:schemeClr val="bg2">
+                          <a:lumMod val="85000"/>
+                        </a:schemeClr>
+                      </a:solidFill>
+                      <a:prstDash val="dash"/>
+                      <a:round/>
+                      <a:headEnd type="none" w="med" len="med"/>
+                      <a:tailEnd type="none" w="med" len="med"/>
+                    </a:lnT>
+                    <a:lnB w="12700" cap="flat" cmpd="sng" algn="ctr">
+                      <a:solidFill>
+                        <a:schemeClr val="bg2">
+                          <a:lumMod val="85000"/>
+                        </a:schemeClr>
+                      </a:solidFill>
+                      <a:prstDash val="dash"/>
+                      <a:round/>
+                      <a:headEnd type="none" w="med" len="med"/>
+                      <a:tailEnd type="none" w="med" len="med"/>
+                    </a:lnB>
+                    <a:solidFill>
+                      <a:schemeClr val="accent3">
+                        <a:lumMod val="20000"/>
+                        <a:lumOff val="80000"/>
+                      </a:schemeClr>
+                    </a:solidFill>
+                  </a:tcPr>
+                </a:tc>
+                <a:tc>
+                  <a:txBody>
+                    <a:bodyPr/>
+                    <a:lstStyle/>
+                    <a:p>
+                      <a:r>
+                        <a:rPr lang="en-US" sz="1200" dirty="0" smtClean="0">
+                          <a:solidFill>
+                            <a:schemeClr val="tx1"/>
+                          </a:solidFill>
+                        </a:rPr>
+                        <a:t>Lesson #2</a:t>
+                      </a:r>
+                      <a:endParaRPr lang="en-US" sz="1200" dirty="0">
+                        <a:solidFill>
+                          <a:schemeClr val="tx1"/>
+                        </a:solidFill>
+                      </a:endParaRPr>
+                    </a:p>
+                  </a:txBody>
+                  <a:tcPr>
+                    <a:lnR w="12700" cmpd="sng">
+                      <a:noFill/>
+                    </a:lnR>
+                    <a:lnT w="12700" cap="flat" cmpd="sng" algn="ctr">
+                      <a:solidFill>
+                        <a:schemeClr val="bg2">
+                          <a:lumMod val="85000"/>
+                        </a:schemeClr>
+                      </a:solidFill>
+                      <a:prstDash val="dash"/>
+                      <a:round/>
+                      <a:headEnd type="none" w="med" len="med"/>
+                      <a:tailEnd type="none" w="med" len="med"/>
+                    </a:lnT>
+                    <a:lnB w="12700" cap="flat" cmpd="sng" algn="ctr">
+                      <a:solidFill>
+                        <a:schemeClr val="bg2">
+                          <a:lumMod val="85000"/>
+                        </a:schemeClr>
+                      </a:solidFill>
+                      <a:prstDash val="dash"/>
+                      <a:round/>
+                      <a:headEnd type="none" w="med" len="med"/>
+                      <a:tailEnd type="none" w="med" len="med"/>
+                    </a:lnB>
+                    <a:noFill/>
+                  </a:tcPr>
+                </a:tc>
+                <a:tc>
+                  <a:txBody>
+                    <a:bodyPr/>
+                    <a:lstStyle/>
+                    <a:p>
+                      <a:pPr marL="228600" indent="-228600">
+                        <a:buFont typeface="Arial" panose="020B0604020202020204" pitchFamily="34" charset="0"/>
+                        <a:buChar char="•"/>
+                      </a:pPr>
+                      <a:endParaRPr lang="en-US" sz="1200" baseline="0" dirty="0" smtClean="0">
+                        <a:solidFill>
+                          <a:schemeClr val="tx1"/>
+                        </a:solidFill>
+                      </a:endParaRPr>
+                    </a:p>
+                  </a:txBody>
+                  <a:tcPr>
+                    <a:lnL w="12700" cmpd="sng">
+                      <a:noFill/>
+                    </a:lnL>
+                    <a:lnR w="12700" cmpd="sng">
+                      <a:noFill/>
+                    </a:lnR>
+                    <a:lnT w="12700" cap="flat" cmpd="sng" algn="ctr">
+                      <a:noFill/>
+                      <a:prstDash val="dash"/>
+                      <a:round/>
+                      <a:headEnd type="none" w="med" len="med"/>
+                      <a:tailEnd type="none" w="med" len="med"/>
+                    </a:lnT>
+                    <a:lnB w="12700" cap="flat" cmpd="sng" algn="ctr">
+                      <a:noFill/>
+                      <a:prstDash val="dash"/>
+                      <a:round/>
+                      <a:headEnd type="none" w="med" len="med"/>
+                      <a:tailEnd type="none" w="med" len="med"/>
+                    </a:lnB>
+                    <a:lnTlToBr w="12700" cmpd="sng">
+                      <a:noFill/>
+                      <a:prstDash val="solid"/>
+                    </a:lnTlToBr>
+                    <a:lnBlToTr w="12700" cmpd="sng">
+                      <a:noFill/>
+                      <a:prstDash val="solid"/>
+                    </a:lnBlToTr>
+                    <a:noFill/>
+                  </a:tcPr>
+                </a:tc>
+                <a:tc>
+                  <a:txBody>
+                    <a:bodyPr/>
+                    <a:lstStyle/>
+                    <a:p>
+                      <a:pPr marL="228600" indent="-228600">
+                        <a:buFont typeface="Arial" panose="020B0604020202020204" pitchFamily="34" charset="0"/>
+                        <a:buChar char="•"/>
+                      </a:pPr>
+                      <a:r>
+                        <a:rPr lang="en-US" sz="1200" baseline="0" dirty="0" smtClean="0">
+                          <a:solidFill>
+                            <a:schemeClr val="tx1"/>
+                          </a:solidFill>
+                        </a:rPr>
+                        <a:t>Add commentary</a:t>
+                      </a:r>
+                    </a:p>
+                    <a:p>
+                      <a:pPr marL="228600" indent="-228600">
+                        <a:buFont typeface="Arial" panose="020B0604020202020204" pitchFamily="34" charset="0"/>
+                        <a:buChar char="•"/>
+                      </a:pPr>
+                      <a:r>
+                        <a:rPr lang="en-US" sz="1200" baseline="0" dirty="0" smtClean="0">
+                          <a:solidFill>
+                            <a:schemeClr val="tx1"/>
+                          </a:solidFill>
+                        </a:rPr>
+                        <a:t>Add Commentary</a:t>
+                      </a:r>
+                    </a:p>
+                  </a:txBody>
+                  <a:tcPr>
+                    <a:lnL w="12700" cmpd="sng">
+                      <a:noFill/>
+                    </a:lnL>
+                    <a:lnT w="12700" cap="flat" cmpd="sng" algn="ctr">
+                      <a:solidFill>
+                        <a:schemeClr val="bg2">
+                          <a:lumMod val="85000"/>
+                        </a:schemeClr>
+                      </a:solidFill>
+                      <a:prstDash val="dash"/>
+                      <a:round/>
+                      <a:headEnd type="none" w="med" len="med"/>
+                      <a:tailEnd type="none" w="med" len="med"/>
+                    </a:lnT>
+                    <a:lnB w="12700" cap="flat" cmpd="sng" algn="ctr">
+                      <a:solidFill>
+                        <a:schemeClr val="bg2">
+                          <a:lumMod val="85000"/>
+                        </a:schemeClr>
+                      </a:solidFill>
+                      <a:prstDash val="dash"/>
+                      <a:round/>
+                      <a:headEnd type="none" w="med" len="med"/>
+                      <a:tailEnd type="none" w="med" len="med"/>
+                    </a:lnB>
+                    <a:noFill/>
+                  </a:tcPr>
+                </a:tc>
+              </a:tr>
+              <a:tr h="844922">
+                <a:tc vMerge="1">
+                  <a:txBody>
+                    <a:bodyPr/>
+                    <a:lstStyle/>
+                    <a:p>
+                      <a:endParaRPr lang="en-US" sz="1200" b="1" dirty="0">
+                        <a:solidFill>
+                          <a:schemeClr val="bg2"/>
+                        </a:solidFill>
+                      </a:endParaRPr>
+                    </a:p>
+                  </a:txBody>
+                  <a:tcPr anchor="ctr">
+                    <a:lnT w="12700" cap="flat" cmpd="sng" algn="ctr">
+                      <a:solidFill>
+                        <a:schemeClr val="bg2">
+                          <a:lumMod val="85000"/>
+                        </a:schemeClr>
+                      </a:solidFill>
+                      <a:prstDash val="dash"/>
+                      <a:round/>
+                      <a:headEnd type="none" w="med" len="med"/>
+                      <a:tailEnd type="none" w="med" len="med"/>
+                    </a:lnT>
+                    <a:lnB w="12700" cap="flat" cmpd="sng" algn="ctr">
+                      <a:solidFill>
+                        <a:schemeClr val="bg2">
+                          <a:lumMod val="85000"/>
+                        </a:schemeClr>
+                      </a:solidFill>
+                      <a:prstDash val="dash"/>
+                      <a:round/>
+                      <a:headEnd type="none" w="med" len="med"/>
+                      <a:tailEnd type="none" w="med" len="med"/>
+                    </a:lnB>
+                    <a:solidFill>
+                      <a:schemeClr val="accent3"/>
+                    </a:solidFill>
+                  </a:tcPr>
+                </a:tc>
+                <a:tc>
+                  <a:txBody>
+                    <a:bodyPr/>
+                    <a:lstStyle/>
+                    <a:p>
+                      <a:r>
+                        <a:rPr lang="en-US" sz="1200" dirty="0" smtClean="0">
+                          <a:solidFill>
+                            <a:schemeClr val="tx1"/>
+                          </a:solidFill>
+                        </a:rPr>
+                        <a:t>Lesson #2</a:t>
+                      </a:r>
+                      <a:endParaRPr lang="en-US" sz="1200" dirty="0">
+                        <a:solidFill>
+                          <a:schemeClr val="tx1"/>
+                        </a:solidFill>
+                      </a:endParaRPr>
+                    </a:p>
+                  </a:txBody>
+                  <a:tcPr>
+                    <a:lnR w="12700" cmpd="sng">
+                      <a:noFill/>
+                    </a:lnR>
+                    <a:lnT w="12700" cap="flat" cmpd="sng" algn="ctr">
+                      <a:solidFill>
+                        <a:schemeClr val="bg2">
+                          <a:lumMod val="85000"/>
+                        </a:schemeClr>
+                      </a:solidFill>
+                      <a:prstDash val="dash"/>
+                      <a:round/>
+                      <a:headEnd type="none" w="med" len="med"/>
+                      <a:tailEnd type="none" w="med" len="med"/>
+                    </a:lnT>
+                    <a:lnB w="12700" cap="flat" cmpd="sng" algn="ctr">
+                      <a:solidFill>
+                        <a:schemeClr val="bg2">
+                          <a:lumMod val="85000"/>
+                        </a:schemeClr>
+                      </a:solidFill>
+                      <a:prstDash val="dash"/>
+                      <a:round/>
+                      <a:headEnd type="none" w="med" len="med"/>
+                      <a:tailEnd type="none" w="med" len="med"/>
+                    </a:lnB>
+                    <a:noFill/>
+                  </a:tcPr>
+                </a:tc>
+                <a:tc>
+                  <a:txBody>
+                    <a:bodyPr/>
+                    <a:lstStyle/>
+                    <a:p>
+                      <a:pPr marL="228600" indent="-228600">
+                        <a:buFont typeface="Arial" panose="020B0604020202020204" pitchFamily="34" charset="0"/>
+                        <a:buChar char="•"/>
+                      </a:pPr>
+                      <a:endParaRPr lang="en-US" sz="1200" baseline="0" dirty="0" smtClean="0">
+                        <a:solidFill>
+                          <a:schemeClr val="tx1"/>
+                        </a:solidFill>
+                      </a:endParaRPr>
+                    </a:p>
+                  </a:txBody>
+                  <a:tcPr>
+                    <a:lnL w="12700" cmpd="sng">
+                      <a:noFill/>
+                    </a:lnL>
+                    <a:lnR w="12700" cmpd="sng">
+                      <a:noFill/>
+                    </a:lnR>
+                    <a:lnT w="12700" cap="flat" cmpd="sng" algn="ctr">
+                      <a:noFill/>
+                      <a:prstDash val="dash"/>
+                      <a:round/>
+                      <a:headEnd type="none" w="med" len="med"/>
+                      <a:tailEnd type="none" w="med" len="med"/>
+                    </a:lnT>
+                    <a:lnB w="12700" cap="flat" cmpd="sng" algn="ctr">
+                      <a:solidFill>
+                        <a:schemeClr val="bg2">
+                          <a:lumMod val="85000"/>
+                        </a:schemeClr>
+                      </a:solidFill>
+                      <a:prstDash val="dash"/>
+                      <a:round/>
+                      <a:headEnd type="none" w="med" len="med"/>
+                      <a:tailEnd type="none" w="med" len="med"/>
+                    </a:lnB>
+                    <a:lnTlToBr w="12700" cmpd="sng">
+                      <a:noFill/>
+                      <a:prstDash val="solid"/>
+                    </a:lnTlToBr>
+                    <a:lnBlToTr w="12700" cmpd="sng">
+                      <a:noFill/>
+                      <a:prstDash val="solid"/>
+                    </a:lnBlToTr>
+                    <a:noFill/>
+                  </a:tcPr>
+                </a:tc>
+                <a:tc>
+                  <a:txBody>
+                    <a:bodyPr/>
+                    <a:lstStyle/>
+                    <a:p>
+                      <a:pPr marL="228600" indent="-228600">
+                        <a:buFont typeface="Arial" panose="020B0604020202020204" pitchFamily="34" charset="0"/>
+                        <a:buChar char="•"/>
+                      </a:pPr>
+                      <a:r>
+                        <a:rPr lang="en-US" sz="1200" baseline="0" dirty="0" smtClean="0">
+                          <a:solidFill>
+                            <a:schemeClr val="tx1"/>
+                          </a:solidFill>
+                        </a:rPr>
+                        <a:t>Add commentary</a:t>
+                      </a:r>
+                    </a:p>
+                    <a:p>
+                      <a:pPr marL="228600" indent="-228600">
+                        <a:buFont typeface="Arial" panose="020B0604020202020204" pitchFamily="34" charset="0"/>
+                        <a:buChar char="•"/>
+                      </a:pPr>
+                      <a:r>
+                        <a:rPr lang="en-US" sz="1200" baseline="0" dirty="0" smtClean="0">
+                          <a:solidFill>
+                            <a:schemeClr val="tx1"/>
+                          </a:solidFill>
+                        </a:rPr>
+                        <a:t>Add Commentary</a:t>
+                      </a:r>
+                    </a:p>
+                  </a:txBody>
+                  <a:tcPr>
+                    <a:lnL w="12700" cmpd="sng">
+                      <a:noFill/>
+                    </a:lnL>
+                    <a:lnT w="12700" cap="flat" cmpd="sng" algn="ctr">
+                      <a:solidFill>
+                        <a:schemeClr val="bg2">
+                          <a:lumMod val="85000"/>
+                        </a:schemeClr>
+                      </a:solidFill>
+                      <a:prstDash val="dash"/>
+                      <a:round/>
+                      <a:headEnd type="none" w="med" len="med"/>
+                      <a:tailEnd type="none" w="med" len="med"/>
+                    </a:lnT>
+                    <a:lnB w="12700" cap="flat" cmpd="sng" algn="ctr">
+                      <a:solidFill>
+                        <a:schemeClr val="bg2">
+                          <a:lumMod val="85000"/>
+                        </a:schemeClr>
+                      </a:solidFill>
+                      <a:prstDash val="dash"/>
+                      <a:round/>
+                      <a:headEnd type="none" w="med" len="med"/>
+                      <a:tailEnd type="none" w="med" len="med"/>
+                    </a:lnB>
+                    <a:noFill/>
+                  </a:tcPr>
+                </a:tc>
+              </a:tr>
+              <a:tr h="918393">
+                <a:tc rowSpan="3">
+                  <a:txBody>
+                    <a:bodyPr/>
+                    <a:lstStyle/>
+                    <a:p>
+                      <a:r>
+                        <a:rPr lang="en-US" sz="1200" b="1" dirty="0" smtClean="0">
+                          <a:solidFill>
+                            <a:schemeClr val="bg2"/>
+                          </a:solidFill>
+                        </a:rPr>
+                        <a:t>BLS Comparison</a:t>
+                      </a:r>
+                      <a:endParaRPr lang="en-US" sz="1200" b="1" dirty="0">
+                        <a:solidFill>
+                          <a:schemeClr val="bg2"/>
+                        </a:solidFill>
+                      </a:endParaRPr>
+                    </a:p>
+                  </a:txBody>
+                  <a:tcPr anchor="ctr">
+                    <a:lnT w="28575" cap="flat" cmpd="sng" algn="ctr">
+                      <a:solidFill>
+                        <a:schemeClr val="bg1"/>
+                      </a:solidFill>
+                      <a:prstDash val="solid"/>
+                      <a:round/>
+                      <a:headEnd type="none" w="med" len="med"/>
+                      <a:tailEnd type="none" w="med" len="med"/>
+                    </a:lnT>
+                    <a:solidFill>
+                      <a:schemeClr val="accent1"/>
+                    </a:solidFill>
+                  </a:tcPr>
+                </a:tc>
+                <a:tc>
+                  <a:txBody>
+                    <a:bodyPr/>
+                    <a:lstStyle/>
+                    <a:p>
+                      <a:r>
+                        <a:rPr lang="en-US" sz="1200" dirty="0" smtClean="0">
+                          <a:solidFill>
+                            <a:schemeClr val="tx1"/>
+                          </a:solidFill>
+                        </a:rPr>
+                        <a:t>Lesson #1</a:t>
+                      </a:r>
+                      <a:endParaRPr lang="en-US" sz="1200" dirty="0">
+                        <a:solidFill>
+                          <a:schemeClr val="tx1"/>
+                        </a:solidFill>
+                      </a:endParaRPr>
+                    </a:p>
+                  </a:txBody>
+                  <a:tcPr>
+                    <a:lnR w="12700" cmpd="sng">
+                      <a:noFill/>
+                    </a:lnR>
+                    <a:lnT w="12700" cap="flat" cmpd="sng" algn="ctr">
+                      <a:solidFill>
+                        <a:schemeClr val="bg2">
+                          <a:lumMod val="85000"/>
+                        </a:schemeClr>
+                      </a:solidFill>
+                      <a:prstDash val="dash"/>
+                      <a:round/>
+                      <a:headEnd type="none" w="med" len="med"/>
+                      <a:tailEnd type="none" w="med" len="med"/>
+                    </a:lnT>
+                    <a:lnB w="12700" cap="flat" cmpd="sng" algn="ctr">
+                      <a:solidFill>
+                        <a:schemeClr val="bg2">
+                          <a:lumMod val="85000"/>
+                        </a:schemeClr>
+                      </a:solidFill>
+                      <a:prstDash val="dash"/>
+                      <a:round/>
+                      <a:headEnd type="none" w="med" len="med"/>
+                      <a:tailEnd type="none" w="med" len="med"/>
+                    </a:lnB>
+                    <a:noFill/>
+                  </a:tcPr>
+                </a:tc>
+                <a:tc>
+                  <a:txBody>
+                    <a:bodyPr/>
+                    <a:lstStyle/>
+                    <a:p>
+                      <a:pPr marL="228600" indent="-228600">
+                        <a:buFont typeface="Arial" panose="020B0604020202020204" pitchFamily="34" charset="0"/>
+                        <a:buChar char="•"/>
+                      </a:pPr>
+                      <a:endParaRPr lang="en-US" sz="1200" baseline="0" dirty="0" smtClean="0">
+                        <a:solidFill>
+                          <a:schemeClr val="tx1"/>
+                        </a:solidFill>
+                      </a:endParaRPr>
+                    </a:p>
+                  </a:txBody>
+                  <a:tcPr>
+                    <a:lnL w="12700" cmpd="sng">
+                      <a:noFill/>
+                    </a:lnL>
+                    <a:lnR w="12700" cmpd="sng">
+                      <a:noFill/>
+                    </a:lnR>
+                    <a:lnT w="12700" cap="flat" cmpd="sng" algn="ctr">
+                      <a:solidFill>
+                        <a:schemeClr val="bg2">
+                          <a:lumMod val="85000"/>
+                        </a:schemeClr>
+                      </a:solidFill>
+                      <a:prstDash val="dash"/>
+                      <a:round/>
+                      <a:headEnd type="none" w="med" len="med"/>
+                      <a:tailEnd type="none" w="med" len="med"/>
+                    </a:lnT>
+                    <a:lnB w="12700" cap="flat" cmpd="sng" algn="ctr">
+                      <a:noFill/>
+                      <a:prstDash val="dash"/>
+                      <a:round/>
+                      <a:headEnd type="none" w="med" len="med"/>
+                      <a:tailEnd type="none" w="med" len="med"/>
+                    </a:lnB>
+                    <a:lnTlToBr w="12700" cmpd="sng">
+                      <a:noFill/>
+                      <a:prstDash val="solid"/>
+                    </a:lnTlToBr>
+                    <a:lnBlToTr w="12700" cmpd="sng">
+                      <a:noFill/>
+                      <a:prstDash val="solid"/>
+                    </a:lnBlToTr>
+                    <a:noFill/>
+                  </a:tcPr>
+                </a:tc>
+                <a:tc>
+                  <a:txBody>
+                    <a:bodyPr/>
+                    <a:lstStyle/>
+                    <a:p>
+                      <a:pPr marL="228600" indent="-228600">
+                        <a:buFont typeface="Arial" panose="020B0604020202020204" pitchFamily="34" charset="0"/>
+                        <a:buChar char="•"/>
+                      </a:pPr>
+                      <a:r>
+                        <a:rPr lang="en-US" sz="1200" baseline="0" dirty="0" smtClean="0">
+                          <a:solidFill>
+                            <a:schemeClr val="tx1"/>
+                          </a:solidFill>
+                        </a:rPr>
+                        <a:t>Add commentary</a:t>
+                      </a:r>
+                    </a:p>
+                    <a:p>
+                      <a:pPr marL="228600" indent="-228600">
+                        <a:buFont typeface="Arial" panose="020B0604020202020204" pitchFamily="34" charset="0"/>
+                        <a:buChar char="•"/>
+                      </a:pPr>
+                      <a:r>
+                        <a:rPr lang="en-US" sz="1200" baseline="0" dirty="0" smtClean="0">
+                          <a:solidFill>
+                            <a:schemeClr val="tx1"/>
+                          </a:solidFill>
+                        </a:rPr>
+                        <a:t>Add Commentary</a:t>
+                      </a:r>
+                    </a:p>
+                  </a:txBody>
+                  <a:tcPr>
+                    <a:lnL w="12700" cmpd="sng">
+                      <a:noFill/>
+                    </a:lnL>
+                    <a:lnT w="12700" cap="flat" cmpd="sng" algn="ctr">
+                      <a:solidFill>
+                        <a:schemeClr val="bg2">
+                          <a:lumMod val="85000"/>
+                        </a:schemeClr>
+                      </a:solidFill>
+                      <a:prstDash val="dash"/>
+                      <a:round/>
+                      <a:headEnd type="none" w="med" len="med"/>
+                      <a:tailEnd type="none" w="med" len="med"/>
+                    </a:lnT>
+                    <a:lnB w="12700" cap="flat" cmpd="sng" algn="ctr">
+                      <a:solidFill>
+                        <a:schemeClr val="bg2">
+                          <a:lumMod val="85000"/>
+                        </a:schemeClr>
+                      </a:solidFill>
+                      <a:prstDash val="dash"/>
+                      <a:round/>
+                      <a:headEnd type="none" w="med" len="med"/>
+                      <a:tailEnd type="none" w="med" len="med"/>
+                    </a:lnB>
+                    <a:noFill/>
+                  </a:tcPr>
+                </a:tc>
+              </a:tr>
+              <a:tr h="619915">
+                <a:tc vMerge="1">
+                  <a:txBody>
+                    <a:bodyPr/>
+                    <a:lstStyle/>
+                    <a:p>
+                      <a:endParaRPr lang="en-US" sz="1200" dirty="0">
+                        <a:solidFill>
+                          <a:schemeClr val="tx1"/>
+                        </a:solidFill>
+                      </a:endParaRPr>
+                    </a:p>
+                  </a:txBody>
+                  <a:tcPr>
+                    <a:lnT w="12700" cap="flat" cmpd="sng" algn="ctr">
+                      <a:solidFill>
+                        <a:schemeClr val="bg2">
+                          <a:lumMod val="85000"/>
+                        </a:schemeClr>
+                      </a:solidFill>
+                      <a:prstDash val="dash"/>
+                      <a:round/>
+                      <a:headEnd type="none" w="med" len="med"/>
+                      <a:tailEnd type="none" w="med" len="med"/>
+                    </a:lnT>
+                    <a:lnB w="12700" cap="flat" cmpd="sng" algn="ctr">
+                      <a:solidFill>
+                        <a:schemeClr val="bg2">
+                          <a:lumMod val="85000"/>
+                        </a:schemeClr>
+                      </a:solidFill>
+                      <a:prstDash val="dash"/>
+                      <a:round/>
+                      <a:headEnd type="none" w="med" len="med"/>
+                      <a:tailEnd type="none" w="med" len="med"/>
+                    </a:lnB>
+                    <a:noFill/>
+                  </a:tcPr>
+                </a:tc>
+                <a:tc>
+                  <a:txBody>
+                    <a:bodyPr/>
+                    <a:lstStyle/>
+                    <a:p>
+                      <a:r>
+                        <a:rPr lang="en-US" sz="1200" dirty="0" smtClean="0">
+                          <a:solidFill>
+                            <a:schemeClr val="tx1"/>
+                          </a:solidFill>
+                        </a:rPr>
+                        <a:t>Lesson #2</a:t>
+                      </a:r>
+                      <a:endParaRPr lang="en-US" sz="1200" dirty="0">
+                        <a:solidFill>
+                          <a:schemeClr val="tx1"/>
+                        </a:solidFill>
+                      </a:endParaRPr>
+                    </a:p>
+                  </a:txBody>
+                  <a:tcPr>
+                    <a:lnR w="12700" cmpd="sng">
+                      <a:noFill/>
+                    </a:lnR>
+                    <a:lnT w="12700" cap="flat" cmpd="sng" algn="ctr">
+                      <a:solidFill>
+                        <a:schemeClr val="bg2">
+                          <a:lumMod val="85000"/>
+                        </a:schemeClr>
+                      </a:solidFill>
+                      <a:prstDash val="dash"/>
+                      <a:round/>
+                      <a:headEnd type="none" w="med" len="med"/>
+                      <a:tailEnd type="none" w="med" len="med"/>
+                    </a:lnT>
+                    <a:lnB w="12700" cap="flat" cmpd="sng" algn="ctr">
+                      <a:solidFill>
+                        <a:schemeClr val="bg2">
+                          <a:lumMod val="85000"/>
+                        </a:schemeClr>
+                      </a:solidFill>
+                      <a:prstDash val="dash"/>
+                      <a:round/>
+                      <a:headEnd type="none" w="med" len="med"/>
+                      <a:tailEnd type="none" w="med" len="med"/>
+                    </a:lnB>
+                    <a:noFill/>
+                  </a:tcPr>
+                </a:tc>
+                <a:tc>
+                  <a:txBody>
+                    <a:bodyPr/>
+                    <a:lstStyle/>
+                    <a:p>
+                      <a:pPr marL="228600" indent="-228600">
+                        <a:buFont typeface="Arial" panose="020B0604020202020204" pitchFamily="34" charset="0"/>
+                        <a:buChar char="•"/>
+                      </a:pPr>
+                      <a:endParaRPr lang="en-US" sz="1200" baseline="0" dirty="0" smtClean="0">
+                        <a:solidFill>
+                          <a:schemeClr val="tx1"/>
+                        </a:solidFill>
+                      </a:endParaRPr>
+                    </a:p>
+                  </a:txBody>
+                  <a:tcPr>
+                    <a:lnL w="12700" cmpd="sng">
+                      <a:noFill/>
+                    </a:lnL>
+                    <a:lnR w="12700" cmpd="sng">
+                      <a:noFill/>
+                    </a:lnR>
+                    <a:lnT w="12700" cap="flat" cmpd="sng" algn="ctr">
+                      <a:noFill/>
+                      <a:prstDash val="dash"/>
+                      <a:round/>
+                      <a:headEnd type="none" w="med" len="med"/>
+                      <a:tailEnd type="none" w="med" len="med"/>
+                    </a:lnT>
+                    <a:lnB w="12700" cap="flat" cmpd="sng" algn="ctr">
+                      <a:noFill/>
+                      <a:prstDash val="dash"/>
+                      <a:round/>
+                      <a:headEnd type="none" w="med" len="med"/>
+                      <a:tailEnd type="none" w="med" len="med"/>
+                    </a:lnB>
+                    <a:lnTlToBr w="12700" cmpd="sng">
+                      <a:noFill/>
+                      <a:prstDash val="solid"/>
+                    </a:lnTlToBr>
+                    <a:lnBlToTr w="12700" cmpd="sng">
+                      <a:noFill/>
+                      <a:prstDash val="solid"/>
+                    </a:lnBlToTr>
+                    <a:noFill/>
+                  </a:tcPr>
+                </a:tc>
+                <a:tc>
+                  <a:txBody>
+                    <a:bodyPr/>
+                    <a:lstStyle/>
+                    <a:p>
+                      <a:pPr marL="228600" indent="-228600">
+                        <a:buFont typeface="Arial" panose="020B0604020202020204" pitchFamily="34" charset="0"/>
+                        <a:buChar char="•"/>
+                      </a:pPr>
+                      <a:r>
+                        <a:rPr lang="en-US" sz="1200" baseline="0" dirty="0" smtClean="0">
+                          <a:solidFill>
+                            <a:schemeClr val="tx1"/>
+                          </a:solidFill>
+                        </a:rPr>
+                        <a:t>Add commentary</a:t>
+                      </a:r>
+                    </a:p>
+                    <a:p>
+                      <a:pPr marL="228600" indent="-228600">
+                        <a:buFont typeface="Arial" panose="020B0604020202020204" pitchFamily="34" charset="0"/>
+                        <a:buChar char="•"/>
+                      </a:pPr>
+                      <a:r>
+                        <a:rPr lang="en-US" sz="1200" baseline="0" dirty="0" smtClean="0">
+                          <a:solidFill>
+                            <a:schemeClr val="tx1"/>
+                          </a:solidFill>
+                        </a:rPr>
+                        <a:t>Add Commentary</a:t>
+                      </a:r>
+                    </a:p>
+                  </a:txBody>
+                  <a:tcPr>
+                    <a:lnL w="12700" cmpd="sng">
+                      <a:noFill/>
+                    </a:lnL>
+                    <a:lnT w="12700" cap="flat" cmpd="sng" algn="ctr">
+                      <a:solidFill>
+                        <a:schemeClr val="bg2">
+                          <a:lumMod val="85000"/>
+                        </a:schemeClr>
+                      </a:solidFill>
+                      <a:prstDash val="dash"/>
+                      <a:round/>
+                      <a:headEnd type="none" w="med" len="med"/>
+                      <a:tailEnd type="none" w="med" len="med"/>
+                    </a:lnT>
+                    <a:lnB w="12700" cap="flat" cmpd="sng" algn="ctr">
+                      <a:solidFill>
+                        <a:schemeClr val="bg2">
+                          <a:lumMod val="85000"/>
+                        </a:schemeClr>
+                      </a:solidFill>
+                      <a:prstDash val="dash"/>
+                      <a:round/>
+                      <a:headEnd type="none" w="med" len="med"/>
+                      <a:tailEnd type="none" w="med" len="med"/>
+                    </a:lnB>
+                    <a:noFill/>
+                  </a:tcPr>
+                </a:tc>
+              </a:tr>
+              <a:tr h="817504">
+                <a:tc vMerge="1">
+                  <a:txBody>
+                    <a:bodyPr/>
+                    <a:lstStyle/>
+                    <a:p>
+                      <a:endParaRPr lang="en-US" sz="1200" dirty="0">
+                        <a:solidFill>
+                          <a:schemeClr val="tx1"/>
+                        </a:solidFill>
+                      </a:endParaRPr>
+                    </a:p>
+                  </a:txBody>
+                  <a:tcPr>
+                    <a:lnT w="12700" cap="flat" cmpd="sng" algn="ctr">
+                      <a:solidFill>
+                        <a:schemeClr val="bg2">
+                          <a:lumMod val="85000"/>
+                        </a:schemeClr>
+                      </a:solidFill>
+                      <a:prstDash val="dash"/>
+                      <a:round/>
+                      <a:headEnd type="none" w="med" len="med"/>
+                      <a:tailEnd type="none" w="med" len="med"/>
+                    </a:lnT>
+                    <a:noFill/>
+                  </a:tcPr>
+                </a:tc>
+                <a:tc>
+                  <a:txBody>
+                    <a:bodyPr/>
+                    <a:lstStyle/>
+                    <a:p>
+                      <a:r>
+                        <a:rPr lang="en-US" sz="1200" dirty="0" smtClean="0">
+                          <a:solidFill>
+                            <a:schemeClr val="tx1"/>
+                          </a:solidFill>
+                        </a:rPr>
+                        <a:t>Lesson #3</a:t>
+                      </a:r>
+                      <a:endParaRPr lang="en-US" sz="1200" dirty="0">
+                        <a:solidFill>
+                          <a:schemeClr val="bg1">
+                            <a:lumMod val="50000"/>
+                          </a:schemeClr>
+                        </a:solidFill>
+                      </a:endParaRPr>
+                    </a:p>
+                  </a:txBody>
+                  <a:tcPr>
+                    <a:lnR w="12700" cmpd="sng">
+                      <a:noFill/>
+                    </a:lnR>
+                    <a:lnT w="12700" cap="flat" cmpd="sng" algn="ctr">
+                      <a:solidFill>
+                        <a:schemeClr val="bg2">
+                          <a:lumMod val="85000"/>
+                        </a:schemeClr>
+                      </a:solidFill>
+                      <a:prstDash val="dash"/>
+                      <a:round/>
+                      <a:headEnd type="none" w="med" len="med"/>
+                      <a:tailEnd type="none" w="med" len="med"/>
+                    </a:lnT>
+                    <a:noFill/>
+                  </a:tcPr>
+                </a:tc>
+                <a:tc>
+                  <a:txBody>
+                    <a:bodyPr/>
+                    <a:lstStyle/>
+                    <a:p>
+                      <a:pPr marL="228600" indent="-228600">
+                        <a:buFont typeface="Arial" panose="020B0604020202020204" pitchFamily="34" charset="0"/>
+                        <a:buChar char="•"/>
+                      </a:pPr>
+                      <a:endParaRPr lang="en-US" sz="1200" baseline="0" dirty="0" smtClean="0">
+                        <a:solidFill>
+                          <a:schemeClr val="tx1"/>
+                        </a:solidFill>
+                      </a:endParaRPr>
+                    </a:p>
+                  </a:txBody>
+                  <a:tcPr>
+                    <a:lnL w="12700" cmpd="sng">
+                      <a:noFill/>
+                    </a:lnL>
+                    <a:lnR w="12700" cmpd="sng">
+                      <a:noFill/>
+                    </a:lnR>
+                    <a:lnT w="12700" cap="flat" cmpd="sng" algn="ctr">
+                      <a:noFill/>
+                      <a:prstDash val="dash"/>
+                      <a:round/>
+                      <a:headEnd type="none" w="med" len="med"/>
+                      <a:tailEnd type="none" w="med" len="med"/>
+                    </a:lnT>
+                    <a:lnB w="12700" cmpd="sng">
+                      <a:noFill/>
+                    </a:lnB>
+                    <a:lnTlToBr w="12700" cmpd="sng">
+                      <a:noFill/>
+                      <a:prstDash val="solid"/>
+                    </a:lnTlToBr>
+                    <a:lnBlToTr w="12700" cmpd="sng">
+                      <a:noFill/>
+                      <a:prstDash val="solid"/>
+                    </a:lnBlToTr>
+                    <a:noFill/>
+                  </a:tcPr>
+                </a:tc>
+                <a:tc>
+                  <a:txBody>
+                    <a:bodyPr/>
+                    <a:lstStyle/>
+                    <a:p>
+                      <a:pPr marL="228600" indent="-228600">
+                        <a:buFont typeface="Arial" panose="020B0604020202020204" pitchFamily="34" charset="0"/>
+                        <a:buChar char="•"/>
+                      </a:pPr>
+                      <a:r>
+                        <a:rPr lang="en-US" sz="1200" baseline="0" dirty="0" smtClean="0">
+                          <a:solidFill>
+                            <a:schemeClr val="tx1"/>
+                          </a:solidFill>
+                        </a:rPr>
+                        <a:t>Add commentary</a:t>
+                      </a:r>
+                    </a:p>
+                    <a:p>
+                      <a:pPr marL="228600" indent="-228600">
+                        <a:buFont typeface="Arial" panose="020B0604020202020204" pitchFamily="34" charset="0"/>
+                        <a:buChar char="•"/>
+                      </a:pPr>
+                      <a:r>
+                        <a:rPr lang="en-US" sz="1200" baseline="0" dirty="0" smtClean="0">
+                          <a:solidFill>
+                            <a:schemeClr val="tx1"/>
+                          </a:solidFill>
+                        </a:rPr>
+                        <a:t>Add Commentary</a:t>
+                      </a:r>
+                    </a:p>
+                  </a:txBody>
+                  <a:tcPr>
+                    <a:lnL w="12700" cmpd="sng">
+                      <a:noFill/>
+                    </a:lnL>
+                    <a:lnT w="12700" cap="flat" cmpd="sng" algn="ctr">
+                      <a:solidFill>
+                        <a:schemeClr val="bg2">
+                          <a:lumMod val="85000"/>
+                        </a:schemeClr>
+                      </a:solidFill>
+                      <a:prstDash val="dash"/>
+                      <a:round/>
+                      <a:headEnd type="none" w="med" len="med"/>
+                      <a:tailEnd type="none" w="med" len="med"/>
+                    </a:lnT>
+                    <a:noFill/>
+                  </a:tcPr>
+                </a:tc>
+              </a:tr>
+            </a:tbl>
+          </a:graphicData>
+        </a:graphic>
+      </p:graphicFrame>
+      <p:sp>
+        <p:nvSpPr>
+          <p:cNvPr id="5" name="Isosceles Triangle 4"/>
+          <p:cNvSpPr/>
+          <p:nvPr/>
+        </p:nvSpPr>
+        <p:spPr>
+          <a:xfrm rot="5400000">
+            <a:off x="3962400" y="2514600"/>
+            <a:ext cx="2133600" cy="304800"/>
+          </a:xfrm>
+          <a:prstGeom prst="triangle">
+            <a:avLst/>
+          </a:prstGeom>
+          <a:solidFill>
+            <a:schemeClr val="bg2">
+              <a:lumMod val="85000"/>
+            </a:schemeClr>
+          </a:solidFill>
+          <a:ln>
+            <a:noFill/>
+          </a:ln>
+        </p:spPr>
+        <p:style>
+          <a:lnRef idx="2">
+            <a:schemeClr val="accent1">
+              <a:shade val="50000"/>
+            </a:schemeClr>
+          </a:lnRef>
+          <a:fillRef idx="1">
+            <a:schemeClr val="accent1"/>
+          </a:fillRef>
+          <a:effectRef idx="0">
+            <a:schemeClr val="accent1"/>
+          </a:effectRef>
+          <a:fontRef idx="minor">
+            <a:schemeClr val="lt1"/>
+          </a:fontRef>
+        </p:style>
+        <p:txBody>
+          <a:bodyPr rtlCol="0" anchor="ctr"/>
+          <a:lstStyle/>
+          <a:p>
+            <a:pPr algn="ctr"/>
+            <a:endParaRPr lang="en-US"/>
+          </a:p>
+        </p:txBody>
+      </p:sp>
+      <p:sp>
+        <p:nvSpPr>
+          <p:cNvPr id="10" name="Isosceles Triangle 9"/>
+          <p:cNvSpPr/>
+          <p:nvPr/>
+        </p:nvSpPr>
+        <p:spPr>
+          <a:xfrm rot="5400000">
+            <a:off x="3962400" y="5105400"/>
+            <a:ext cx="2133600" cy="304800"/>
+          </a:xfrm>
+          <a:prstGeom prst="triangle">
+            <a:avLst/>
+          </a:prstGeom>
+          <a:solidFill>
+            <a:schemeClr val="bg2">
+              <a:lumMod val="85000"/>
+            </a:schemeClr>
+          </a:solidFill>
+          <a:ln>
+            <a:noFill/>
+          </a:ln>
+        </p:spPr>
+        <p:style>
+          <a:lnRef idx="2">
+            <a:schemeClr val="accent1">
+              <a:shade val="50000"/>
+            </a:schemeClr>
+          </a:lnRef>
+          <a:fillRef idx="1">
+            <a:schemeClr val="accent1"/>
+          </a:fillRef>
+          <a:effectRef idx="0">
+            <a:schemeClr val="accent1"/>
+          </a:effectRef>
+          <a:fontRef idx="minor">
+            <a:schemeClr val="lt1"/>
+          </a:fontRef>
+        </p:style>
+        <p:txBody>
+          <a:bodyPr rtlCol="0" anchor="ctr"/>
+          <a:lstStyle/>
+          <a:p>
+            <a:pPr algn="ctr"/>
+            <a:endParaRPr lang="en-US"/>
+          </a:p>
+        </p:txBody>
+      </p:sp>
+      <p:sp>
+        <p:nvSpPr>
+          <p:cNvPr id="9" name="Rectangle 8"/>
+          <p:cNvSpPr/>
+          <p:nvPr/>
+        </p:nvSpPr>
+        <p:spPr>
+          <a:xfrm>
+            <a:off x="7684773" y="457200"/>
+            <a:ext cx="1447800" cy="533400"/>
+          </a:xfrm>
+          <a:prstGeom prst="rect">
+            <a:avLst/>
+          </a:prstGeom>
+          <a:solidFill>
+            <a:srgbClr val="FFFF00"/>
+          </a:solidFill>
+          <a:ln>
+            <a:noFill/>
+          </a:ln>
+        </p:spPr>
+        <p:style>
+          <a:lnRef idx="2">
+            <a:schemeClr val="accent1">
+              <a:shade val="50000"/>
+            </a:schemeClr>
+          </a:lnRef>
+          <a:fillRef idx="1">
+            <a:schemeClr val="accent1"/>
+          </a:fillRef>
+          <a:effectRef idx="0">
+            <a:schemeClr val="accent1"/>
+          </a:effectRef>
+          <a:fontRef idx="minor">
+            <a:schemeClr val="lt1"/>
+          </a:fontRef>
+        </p:style>
+        <p:txBody>
+          <a:bodyPr rtlCol="0" anchor="ctr"/>
+          <a:lstStyle/>
+          <a:p>
+            <a:pPr algn="ctr"/>
+            <a:r>
+              <a:rPr lang="en-US" dirty="0" smtClean="0">
+                <a:solidFill>
+                  <a:schemeClr val="tx1"/>
+                </a:solidFill>
+              </a:rPr>
+              <a:t>AV / RR</a:t>
+            </a:r>
+            <a:endParaRPr lang="en-US" dirty="0">
+              <a:solidFill>
+                <a:schemeClr val="tx1"/>
+              </a:solidFill>
+            </a:endParaRPr>
+          </a:p>
+        </p:txBody>
+      </p:sp>
+    </p:spTree>
+    <p:extLst>
+      <p:ext uri="{BB962C8B-B14F-4D97-AF65-F5344CB8AC3E}">
+        <p14:creationId xmlns:p14="http://schemas.microsoft.com/office/powerpoint/2010/main" val="2671370458"/>
+      </p:ext>
+    </p:extLst>
+  </p:cSld>
+  <p:clrMapOvr>
+    <a:masterClrMapping/>
+  </p:clrMapOvr>
+</p:sld>
+</file>
+
+<file path=ppt/slides/slide11.xml><?xml version="1.0" encoding="utf-8"?>
+<p:sld xmlns:a="http://schemas.openxmlformats.org/drawingml/2006/main" xmlns:r="http://schemas.openxmlformats.org/officeDocument/2006/relationships" xmlns:p="http://schemas.openxmlformats.org/presentationml/2006/main">
+  <p:cSld>
+    <p:spTree>
+      <p:nvGrpSpPr>
+        <p:cNvPr id="1" name=""/>
+        <p:cNvGrpSpPr/>
+        <p:nvPr/>
+      </p:nvGrpSpPr>
+      <p:grpSpPr>
+        <a:xfrm>
+          <a:off x="0" y="0"/>
+          <a:ext cx="0" cy="0"/>
+          <a:chOff x="0" y="0"/>
+          <a:chExt cx="0" cy="0"/>
+        </a:xfrm>
+      </p:grpSpPr>
+      <p:sp>
+        <p:nvSpPr>
+          <p:cNvPr id="2" name="Title 1"/>
+          <p:cNvSpPr>
+            <a:spLocks noGrp="1"/>
+          </p:cNvSpPr>
+          <p:nvPr>
+            <p:ph type="title"/>
+          </p:nvPr>
+        </p:nvSpPr>
+        <p:spPr>
+          <a:xfrm>
             <a:off x="336013" y="381722"/>
             <a:ext cx="8229600" cy="761278"/>
           </a:xfrm>
@@ -21016,7 +22844,7 @@
           <p:nvPr>
             <p:extLst>
               <p:ext uri="{D42A27DB-BD31-4B8C-83A1-F6EECF244321}">
-                <p14:modId xmlns:p14="http://schemas.microsoft.com/office/powerpoint/2010/main" val="445259663"/>
+                <p14:modId xmlns:p14="http://schemas.microsoft.com/office/powerpoint/2010/main" val="3044903292"/>
               </p:ext>
             </p:extLst>
           </p:nvPr>
@@ -21035,7 +22863,7 @@
                 <a:gridCol w="1447803">
                   <a:extLst>
                     <a:ext uri="{9D8B030D-6E8A-4147-A177-3AD203B41FA5}">
-                      <a16:colId xmlns="" xmlns:a16="http://schemas.microsoft.com/office/drawing/2014/main" val="20000"/>
+                      <a16:colId xmlns:a16="http://schemas.microsoft.com/office/drawing/2014/main" xmlns="" val="20000"/>
                     </a:ext>
                   </a:extLst>
                 </a:gridCol>
@@ -21043,7 +22871,7 @@
                 <a:gridCol w="3200400">
                   <a:extLst>
                     <a:ext uri="{9D8B030D-6E8A-4147-A177-3AD203B41FA5}">
-                      <a16:colId xmlns="" xmlns:a16="http://schemas.microsoft.com/office/drawing/2014/main" val="20001"/>
+                      <a16:colId xmlns:a16="http://schemas.microsoft.com/office/drawing/2014/main" xmlns="" val="20001"/>
                     </a:ext>
                   </a:extLst>
                 </a:gridCol>
@@ -21231,7 +23059,7 @@
                 </a:tc>
                 <a:extLst>
                   <a:ext uri="{0D108BD9-81ED-4DB2-BD59-A6C34878D82A}">
-                    <a16:rowId xmlns="" xmlns:a16="http://schemas.microsoft.com/office/drawing/2014/main" val="10000"/>
+                    <a16:rowId xmlns:a16="http://schemas.microsoft.com/office/drawing/2014/main" xmlns="" val="10000"/>
                   </a:ext>
                 </a:extLst>
               </a:tr>
@@ -21409,7 +23237,7 @@
                 </a:tc>
                 <a:extLst>
                   <a:ext uri="{0D108BD9-81ED-4DB2-BD59-A6C34878D82A}">
-                    <a16:rowId xmlns="" xmlns:a16="http://schemas.microsoft.com/office/drawing/2014/main" val="10002"/>
+                    <a16:rowId xmlns:a16="http://schemas.microsoft.com/office/drawing/2014/main" xmlns="" val="10002"/>
                   </a:ext>
                 </a:extLst>
               </a:tr>
@@ -21444,11 +23272,6 @@
                         </a:rPr>
                         <a:t>Must Have</a:t>
                       </a:r>
-                      <a:endParaRPr lang="en-US" sz="1600" b="1" dirty="0" smtClean="0">
-                        <a:solidFill>
-                          <a:schemeClr val="bg2"/>
-                        </a:solidFill>
-                      </a:endParaRPr>
                     </a:p>
                   </a:txBody>
                   <a:tcPr anchor="ctr">
@@ -21656,14 +23479,6 @@
                         </a:rPr>
                         <a:t>Add commentary</a:t>
                       </a:r>
-                      <a:endParaRPr lang="en-US" sz="1400" b="0" kern="1200" dirty="0" smtClean="0">
-                        <a:solidFill>
-                          <a:schemeClr val="dk1"/>
-                        </a:solidFill>
-                        <a:latin typeface="Arial" panose="020B0604020202020204" pitchFamily="34" charset="0"/>
-                        <a:ea typeface="+mn-ea"/>
-                        <a:cs typeface="Arial" panose="020B0604020202020204" pitchFamily="34" charset="0"/>
-                      </a:endParaRPr>
                     </a:p>
                     <a:p>
                       <a:pPr marL="180975" indent="-171450" algn="l" defTabSz="914400" rtl="0" eaLnBrk="1" latinLnBrk="0" hangingPunct="1">
@@ -21766,16 +23581,11 @@
                       <a:r>
                         <a:rPr lang="en-US" sz="1600" b="1" dirty="0" smtClean="0">
                           <a:solidFill>
-                            <a:schemeClr val="bg2"/>
+                            <a:schemeClr val="tx1"/>
                           </a:solidFill>
                         </a:rPr>
                         <a:t>Should Have</a:t>
                       </a:r>
-                      <a:endParaRPr lang="en-US" sz="1600" b="1" dirty="0" smtClean="0">
-                        <a:solidFill>
-                          <a:schemeClr val="bg2"/>
-                        </a:solidFill>
-                      </a:endParaRPr>
                     </a:p>
                   </a:txBody>
                   <a:tcPr anchor="ctr">
@@ -22086,7 +23896,7 @@
                 </a:tc>
                 <a:extLst>
                   <a:ext uri="{0D108BD9-81ED-4DB2-BD59-A6C34878D82A}">
-                    <a16:rowId xmlns="" xmlns:a16="http://schemas.microsoft.com/office/drawing/2014/main" val="1026776849"/>
+                    <a16:rowId xmlns:a16="http://schemas.microsoft.com/office/drawing/2014/main" xmlns="" val="1026776849"/>
                   </a:ext>
                 </a:extLst>
               </a:tr>
@@ -22116,7 +23926,7 @@
                       <a:r>
                         <a:rPr lang="en-US" sz="1600" b="1" dirty="0" smtClean="0">
                           <a:solidFill>
-                            <a:schemeClr val="bg2"/>
+                            <a:schemeClr val="tx1"/>
                           </a:solidFill>
                         </a:rPr>
                         <a:t>Could</a:t>
@@ -22124,14 +23934,14 @@
                       <a:r>
                         <a:rPr lang="en-US" sz="1600" b="1" baseline="0" dirty="0" smtClean="0">
                           <a:solidFill>
-                            <a:schemeClr val="bg2"/>
+                            <a:schemeClr val="tx1"/>
                           </a:solidFill>
                         </a:rPr>
                         <a:t> Have</a:t>
                       </a:r>
                       <a:endParaRPr lang="en-US" sz="1600" b="0" dirty="0" smtClean="0">
                         <a:solidFill>
-                          <a:schemeClr val="bg2"/>
+                          <a:schemeClr val="tx1"/>
                         </a:solidFill>
                       </a:endParaRPr>
                     </a:p>
@@ -22526,16 +24336,11 @@
                       <a:r>
                         <a:rPr lang="en-US" sz="1600" b="1" dirty="0" smtClean="0">
                           <a:solidFill>
-                            <a:schemeClr val="bg2"/>
+                            <a:schemeClr val="tx1"/>
                           </a:solidFill>
                         </a:rPr>
                         <a:t>Won’t Have</a:t>
                       </a:r>
-                      <a:endParaRPr lang="en-US" sz="1600" b="1" dirty="0" smtClean="0">
-                        <a:solidFill>
-                          <a:schemeClr val="bg2"/>
-                        </a:solidFill>
-                      </a:endParaRPr>
                     </a:p>
                   </a:txBody>
                   <a:tcPr anchor="ctr">
@@ -22624,8 +24429,27 @@
                           <a:ea typeface="+mn-ea"/>
                           <a:cs typeface="Arial" panose="020B0604020202020204" pitchFamily="34" charset="0"/>
                         </a:rPr>
-                        <a:t>Add commentary</a:t>
+                        <a:t>Company</a:t>
                       </a:r>
+                      <a:r>
+                        <a:rPr lang="en-US" sz="1400" b="0" kern="1200" baseline="0" dirty="0" smtClean="0">
+                          <a:solidFill>
+                            <a:schemeClr val="dk1"/>
+                          </a:solidFill>
+                          <a:latin typeface="Arial" panose="020B0604020202020204" pitchFamily="34" charset="0"/>
+                          <a:ea typeface="+mn-ea"/>
+                          <a:cs typeface="Arial" panose="020B0604020202020204" pitchFamily="34" charset="0"/>
+                        </a:rPr>
+                        <a:t> Size</a:t>
+                      </a:r>
+                      <a:endParaRPr lang="en-US" sz="1400" b="0" kern="1200" dirty="0" smtClean="0">
+                        <a:solidFill>
+                          <a:schemeClr val="dk1"/>
+                        </a:solidFill>
+                        <a:latin typeface="Arial" panose="020B0604020202020204" pitchFamily="34" charset="0"/>
+                        <a:ea typeface="+mn-ea"/>
+                        <a:cs typeface="Arial" panose="020B0604020202020204" pitchFamily="34" charset="0"/>
+                      </a:endParaRPr>
                     </a:p>
                     <a:p>
                       <a:pPr marL="180975" indent="-171450" algn="l" defTabSz="914400" rtl="0" eaLnBrk="1" latinLnBrk="0" hangingPunct="1">
@@ -23008,6 +24832,64 @@
           </a:extLst>
         </p:spPr>
       </p:pic>
+      <p:sp>
+        <p:nvSpPr>
+          <p:cNvPr id="6" name="Rectangle 5"/>
+          <p:cNvSpPr/>
+          <p:nvPr/>
+        </p:nvSpPr>
+        <p:spPr>
+          <a:xfrm>
+            <a:off x="7684773" y="457200"/>
+            <a:ext cx="1447800" cy="533400"/>
+          </a:xfrm>
+          <a:prstGeom prst="rect">
+            <a:avLst/>
+          </a:prstGeom>
+          <a:solidFill>
+            <a:srgbClr val="FFFF00"/>
+          </a:solidFill>
+          <a:ln>
+            <a:noFill/>
+          </a:ln>
+        </p:spPr>
+        <p:style>
+          <a:lnRef idx="2">
+            <a:schemeClr val="accent1">
+              <a:shade val="50000"/>
+            </a:schemeClr>
+          </a:lnRef>
+          <a:fillRef idx="1">
+            <a:schemeClr val="accent1"/>
+          </a:fillRef>
+          <a:effectRef idx="0">
+            <a:schemeClr val="accent1"/>
+          </a:effectRef>
+          <a:fontRef idx="minor">
+            <a:schemeClr val="lt1"/>
+          </a:fontRef>
+        </p:style>
+        <p:txBody>
+          <a:bodyPr rtlCol="0" anchor="ctr"/>
+          <a:lstStyle/>
+          <a:p>
+            <a:pPr algn="ctr"/>
+            <a:r>
+              <a:rPr lang="en-US" dirty="0" smtClean="0">
+                <a:solidFill>
+                  <a:schemeClr val="tx1"/>
+                </a:solidFill>
+              </a:rPr>
+              <a:t>AV / RR</a:t>
+            </a:r>
+            <a:endParaRPr lang="en-US" dirty="0">
+              <a:solidFill>
+                <a:schemeClr val="tx1"/>
+              </a:solidFill>
+            </a:endParaRPr>
+          </a:p>
+        </p:txBody>
+      </p:sp>
     </p:spTree>
     <p:extLst>
       <p:ext uri="{BB962C8B-B14F-4D97-AF65-F5344CB8AC3E}">
@@ -23021,7 +24903,521 @@
 </p:sld>
 </file>
 
-<file path=ppt/slides/slide11.xml><?xml version="1.0" encoding="utf-8"?>
+<file path=ppt/slides/slide12.xml><?xml version="1.0" encoding="utf-8"?>
+<p:sld xmlns:a="http://schemas.openxmlformats.org/drawingml/2006/main" xmlns:r="http://schemas.openxmlformats.org/officeDocument/2006/relationships" xmlns:p="http://schemas.openxmlformats.org/presentationml/2006/main">
+  <p:cSld>
+    <p:spTree>
+      <p:nvGrpSpPr>
+        <p:cNvPr id="1" name=""/>
+        <p:cNvGrpSpPr/>
+        <p:nvPr/>
+      </p:nvGrpSpPr>
+      <p:grpSpPr>
+        <a:xfrm>
+          <a:off x="0" y="0"/>
+          <a:ext cx="0" cy="0"/>
+          <a:chOff x="0" y="0"/>
+          <a:chExt cx="0" cy="0"/>
+        </a:xfrm>
+      </p:grpSpPr>
+      <p:graphicFrame>
+        <p:nvGraphicFramePr>
+          <p:cNvPr id="11" name="Object 10" hidden="1"/>
+          <p:cNvGraphicFramePr>
+            <a:graphicFrameLocks noChangeAspect="1"/>
+          </p:cNvGraphicFramePr>
+          <p:nvPr>
+            <p:custDataLst>
+              <p:tags r:id="rId2"/>
+            </p:custDataLst>
+            <p:extLst>
+              <p:ext uri="{D42A27DB-BD31-4B8C-83A1-F6EECF244321}">
+                <p14:modId xmlns:p14="http://schemas.microsoft.com/office/powerpoint/2010/main" val="581304455"/>
+              </p:ext>
+            </p:extLst>
+          </p:nvPr>
+        </p:nvGraphicFramePr>
+        <p:xfrm>
+          <a:off x="1588" y="1588"/>
+          <a:ext cx="1587" cy="1587"/>
+        </p:xfrm>
+        <a:graphic>
+          <a:graphicData uri="http://schemas.openxmlformats.org/presentationml/2006/ole">
+            <mc:AlternateContent xmlns:mc="http://schemas.openxmlformats.org/markup-compatibility/2006">
+              <mc:Choice xmlns:v="urn:schemas-microsoft-com:vml" Requires="v">
+                <p:oleObj spid="_x0000_s35847" name="think-cell Slide" r:id="rId4" imgW="270" imgH="270" progId="TCLayout.ActiveDocument.1">
+                  <p:embed/>
+                </p:oleObj>
+              </mc:Choice>
+              <mc:Fallback>
+                <p:oleObj name="think-cell Slide" r:id="rId4" imgW="270" imgH="270" progId="TCLayout.ActiveDocument.1">
+                  <p:embed/>
+                  <p:pic>
+                    <p:nvPicPr>
+                      <p:cNvPr id="0" name=""/>
+                      <p:cNvPicPr/>
+                      <p:nvPr/>
+                    </p:nvPicPr>
+                    <p:blipFill>
+                      <a:blip r:embed="rId5"/>
+                      <a:stretch>
+                        <a:fillRect/>
+                      </a:stretch>
+                    </p:blipFill>
+                    <p:spPr>
+                      <a:xfrm>
+                        <a:off x="1588" y="1588"/>
+                        <a:ext cx="1587" cy="1587"/>
+                      </a:xfrm>
+                      <a:prstGeom prst="rect">
+                        <a:avLst/>
+                      </a:prstGeom>
+                    </p:spPr>
+                  </p:pic>
+                </p:oleObj>
+              </mc:Fallback>
+            </mc:AlternateContent>
+          </a:graphicData>
+        </a:graphic>
+      </p:graphicFrame>
+      <p:sp>
+        <p:nvSpPr>
+          <p:cNvPr id="2" name="Title 1"/>
+          <p:cNvSpPr>
+            <a:spLocks noGrp="1"/>
+          </p:cNvSpPr>
+          <p:nvPr>
+            <p:ph type="title"/>
+          </p:nvPr>
+        </p:nvSpPr>
+        <p:spPr>
+          <a:xfrm>
+            <a:off x="336013" y="152400"/>
+            <a:ext cx="8229600" cy="761278"/>
+          </a:xfrm>
+        </p:spPr>
+        <p:txBody>
+          <a:bodyPr/>
+          <a:lstStyle/>
+          <a:p>
+            <a:r>
+              <a:rPr lang="en-US" b="1" dirty="0" smtClean="0"/>
+              <a:t>Based on user testing, we made multiple iterations on our visualizations (I)</a:t>
+            </a:r>
+            <a:br>
+              <a:rPr lang="en-US" b="1" dirty="0" smtClean="0"/>
+            </a:br>
+            <a:r>
+              <a:rPr lang="en-US" sz="2000" dirty="0" smtClean="0"/>
+              <a:t>Jobs Explorer</a:t>
+            </a:r>
+            <a:endParaRPr lang="en-US" sz="2000" dirty="0"/>
+          </a:p>
+        </p:txBody>
+      </p:sp>
+      <p:pic>
+        <p:nvPicPr>
+          <p:cNvPr id="13" name="Picture 2"/>
+          <p:cNvPicPr>
+            <a:picLocks noChangeAspect="1" noChangeArrowheads="1"/>
+          </p:cNvPicPr>
+          <p:nvPr/>
+        </p:nvPicPr>
+        <p:blipFill>
+          <a:blip r:embed="rId6" cstate="print">
+            <a:extLst>
+              <a:ext uri="{28A0092B-C50C-407E-A947-70E740481C1C}">
+                <a14:useLocalDpi xmlns:a14="http://schemas.microsoft.com/office/drawing/2010/main" val="0"/>
+              </a:ext>
+            </a:extLst>
+          </a:blip>
+          <a:srcRect/>
+          <a:stretch>
+            <a:fillRect/>
+          </a:stretch>
+        </p:blipFill>
+        <p:spPr bwMode="auto">
+          <a:xfrm>
+            <a:off x="228600" y="4495800"/>
+            <a:ext cx="2717386" cy="1897169"/>
+          </a:xfrm>
+          <a:prstGeom prst="rect">
+            <a:avLst/>
+          </a:prstGeom>
+          <a:noFill/>
+          <a:ln w="9525">
+            <a:solidFill>
+              <a:schemeClr val="tx1"/>
+            </a:solidFill>
+            <a:miter lim="800000"/>
+            <a:headEnd/>
+            <a:tailEnd/>
+          </a:ln>
+          <a:extLst>
+            <a:ext uri="{909E8E84-426E-40DD-AFC4-6F175D3DCCD1}">
+              <a14:hiddenFill xmlns:a14="http://schemas.microsoft.com/office/drawing/2010/main">
+                <a:solidFill>
+                  <a:schemeClr val="accent1"/>
+                </a:solidFill>
+              </a14:hiddenFill>
+            </a:ext>
+          </a:extLst>
+        </p:spPr>
+      </p:pic>
+      <p:pic>
+        <p:nvPicPr>
+          <p:cNvPr id="12" name="Picture 11"/>
+          <p:cNvPicPr>
+            <a:picLocks noChangeAspect="1"/>
+          </p:cNvPicPr>
+          <p:nvPr/>
+        </p:nvPicPr>
+        <p:blipFill>
+          <a:blip r:embed="rId7" cstate="print">
+            <a:extLst>
+              <a:ext uri="{28A0092B-C50C-407E-A947-70E740481C1C}">
+                <a14:useLocalDpi xmlns:a14="http://schemas.microsoft.com/office/drawing/2010/main" val="0"/>
+              </a:ext>
+            </a:extLst>
+          </a:blip>
+          <a:stretch>
+            <a:fillRect/>
+          </a:stretch>
+        </p:blipFill>
+        <p:spPr>
+          <a:xfrm>
+            <a:off x="784233" y="2557272"/>
+            <a:ext cx="3068955" cy="2165985"/>
+          </a:xfrm>
+          <a:prstGeom prst="rect">
+            <a:avLst/>
+          </a:prstGeom>
+        </p:spPr>
+      </p:pic>
+      <p:pic>
+        <p:nvPicPr>
+          <p:cNvPr id="8" name="Picture 7"/>
+          <p:cNvPicPr>
+            <a:picLocks noChangeAspect="1"/>
+          </p:cNvPicPr>
+          <p:nvPr/>
+        </p:nvPicPr>
+        <p:blipFill>
+          <a:blip r:embed="rId8" cstate="print">
+            <a:extLst>
+              <a:ext uri="{28A0092B-C50C-407E-A947-70E740481C1C}">
+                <a14:useLocalDpi xmlns:a14="http://schemas.microsoft.com/office/drawing/2010/main" val="0"/>
+              </a:ext>
+            </a:extLst>
+          </a:blip>
+          <a:stretch>
+            <a:fillRect/>
+          </a:stretch>
+        </p:blipFill>
+        <p:spPr>
+          <a:xfrm>
+            <a:off x="2895600" y="1100137"/>
+            <a:ext cx="3126105" cy="2100263"/>
+          </a:xfrm>
+          <a:prstGeom prst="rect">
+            <a:avLst/>
+          </a:prstGeom>
+        </p:spPr>
+      </p:pic>
+      <p:pic>
+        <p:nvPicPr>
+          <p:cNvPr id="35843" name="Picture 3"/>
+          <p:cNvPicPr>
+            <a:picLocks noChangeAspect="1" noChangeArrowheads="1"/>
+          </p:cNvPicPr>
+          <p:nvPr/>
+        </p:nvPicPr>
+        <p:blipFill>
+          <a:blip r:embed="rId9" cstate="print">
+            <a:extLst>
+              <a:ext uri="{28A0092B-C50C-407E-A947-70E740481C1C}">
+                <a14:useLocalDpi xmlns:a14="http://schemas.microsoft.com/office/drawing/2010/main" val="0"/>
+              </a:ext>
+            </a:extLst>
+          </a:blip>
+          <a:srcRect/>
+          <a:stretch>
+            <a:fillRect/>
+          </a:stretch>
+        </p:blipFill>
+        <p:spPr bwMode="auto">
+          <a:xfrm>
+            <a:off x="5257800" y="2557272"/>
+            <a:ext cx="2599388" cy="2167128"/>
+          </a:xfrm>
+          <a:prstGeom prst="rect">
+            <a:avLst/>
+          </a:prstGeom>
+          <a:noFill/>
+          <a:ln w="9525">
+            <a:solidFill>
+              <a:schemeClr val="tx1"/>
+            </a:solidFill>
+            <a:miter lim="800000"/>
+            <a:headEnd/>
+            <a:tailEnd/>
+          </a:ln>
+          <a:extLst>
+            <a:ext uri="{909E8E84-426E-40DD-AFC4-6F175D3DCCD1}">
+              <a14:hiddenFill xmlns:a14="http://schemas.microsoft.com/office/drawing/2010/main">
+                <a:solidFill>
+                  <a:schemeClr val="accent1"/>
+                </a:solidFill>
+              </a14:hiddenFill>
+            </a:ext>
+          </a:extLst>
+        </p:spPr>
+      </p:pic>
+      <p:pic>
+        <p:nvPicPr>
+          <p:cNvPr id="35842" name="Picture 2"/>
+          <p:cNvPicPr>
+            <a:picLocks noChangeAspect="1" noChangeArrowheads="1"/>
+          </p:cNvPicPr>
+          <p:nvPr/>
+        </p:nvPicPr>
+        <p:blipFill>
+          <a:blip r:embed="rId10" cstate="print">
+            <a:extLst>
+              <a:ext uri="{28A0092B-C50C-407E-A947-70E740481C1C}">
+                <a14:useLocalDpi xmlns:a14="http://schemas.microsoft.com/office/drawing/2010/main" val="0"/>
+              </a:ext>
+            </a:extLst>
+          </a:blip>
+          <a:srcRect/>
+          <a:stretch>
+            <a:fillRect/>
+          </a:stretch>
+        </p:blipFill>
+        <p:spPr bwMode="auto">
+          <a:xfrm>
+            <a:off x="6324600" y="4267200"/>
+            <a:ext cx="2679178" cy="2167128"/>
+          </a:xfrm>
+          <a:prstGeom prst="rect">
+            <a:avLst/>
+          </a:prstGeom>
+          <a:noFill/>
+          <a:ln w="9525">
+            <a:solidFill>
+              <a:schemeClr val="tx1"/>
+            </a:solidFill>
+            <a:miter lim="800000"/>
+            <a:headEnd/>
+            <a:tailEnd/>
+          </a:ln>
+          <a:extLst>
+            <a:ext uri="{909E8E84-426E-40DD-AFC4-6F175D3DCCD1}">
+              <a14:hiddenFill xmlns:a14="http://schemas.microsoft.com/office/drawing/2010/main">
+                <a:solidFill>
+                  <a:schemeClr val="accent1"/>
+                </a:solidFill>
+              </a14:hiddenFill>
+            </a:ext>
+          </a:extLst>
+        </p:spPr>
+      </p:pic>
+    </p:spTree>
+    <p:extLst>
+      <p:ext uri="{BB962C8B-B14F-4D97-AF65-F5344CB8AC3E}">
+        <p14:creationId xmlns:p14="http://schemas.microsoft.com/office/powerpoint/2010/main" val="1699118"/>
+      </p:ext>
+    </p:extLst>
+  </p:cSld>
+  <p:clrMapOvr>
+    <a:masterClrMapping/>
+  </p:clrMapOvr>
+</p:sld>
+</file>
+
+<file path=ppt/slides/slide13.xml><?xml version="1.0" encoding="utf-8"?>
+<p:sld xmlns:a="http://schemas.openxmlformats.org/drawingml/2006/main" xmlns:r="http://schemas.openxmlformats.org/officeDocument/2006/relationships" xmlns:p="http://schemas.openxmlformats.org/presentationml/2006/main">
+  <p:cSld>
+    <p:spTree>
+      <p:nvGrpSpPr>
+        <p:cNvPr id="1" name=""/>
+        <p:cNvGrpSpPr/>
+        <p:nvPr/>
+      </p:nvGrpSpPr>
+      <p:grpSpPr>
+        <a:xfrm>
+          <a:off x="0" y="0"/>
+          <a:ext cx="0" cy="0"/>
+          <a:chOff x="0" y="0"/>
+          <a:chExt cx="0" cy="0"/>
+        </a:xfrm>
+      </p:grpSpPr>
+      <p:sp>
+        <p:nvSpPr>
+          <p:cNvPr id="2" name="Title 1"/>
+          <p:cNvSpPr>
+            <a:spLocks noGrp="1"/>
+          </p:cNvSpPr>
+          <p:nvPr>
+            <p:ph type="title"/>
+          </p:nvPr>
+        </p:nvSpPr>
+        <p:spPr>
+          <a:xfrm>
+            <a:off x="336013" y="152400"/>
+            <a:ext cx="8229600" cy="761278"/>
+          </a:xfrm>
+        </p:spPr>
+        <p:txBody>
+          <a:bodyPr/>
+          <a:lstStyle/>
+          <a:p>
+            <a:r>
+              <a:rPr lang="en-US" b="1" dirty="0" smtClean="0"/>
+              <a:t>Based on user testing, we made multiple iterations on our visualizations (II)</a:t>
+            </a:r>
+            <a:br>
+              <a:rPr lang="en-US" b="1" dirty="0" smtClean="0"/>
+            </a:br>
+            <a:r>
+              <a:rPr lang="en-US" sz="2000" dirty="0" smtClean="0"/>
+              <a:t>BLS Comparison</a:t>
+            </a:r>
+            <a:endParaRPr lang="en-US" sz="2000" dirty="0"/>
+          </a:p>
+        </p:txBody>
+      </p:sp>
+      <p:pic>
+        <p:nvPicPr>
+          <p:cNvPr id="5" name="Picture 3"/>
+          <p:cNvPicPr>
+            <a:picLocks noChangeAspect="1" noChangeArrowheads="1"/>
+          </p:cNvPicPr>
+          <p:nvPr/>
+        </p:nvPicPr>
+        <p:blipFill>
+          <a:blip r:embed="rId2">
+            <a:extLst>
+              <a:ext uri="{28A0092B-C50C-407E-A947-70E740481C1C}">
+                <a14:useLocalDpi xmlns:a14="http://schemas.microsoft.com/office/drawing/2010/main" val="0"/>
+              </a:ext>
+            </a:extLst>
+          </a:blip>
+          <a:srcRect/>
+          <a:stretch>
+            <a:fillRect/>
+          </a:stretch>
+        </p:blipFill>
+        <p:spPr bwMode="auto">
+          <a:xfrm>
+            <a:off x="609600" y="1524000"/>
+            <a:ext cx="3886742" cy="2915057"/>
+          </a:xfrm>
+          <a:prstGeom prst="rect">
+            <a:avLst/>
+          </a:prstGeom>
+          <a:noFill/>
+          <a:ln w="9525">
+            <a:solidFill>
+              <a:schemeClr val="tx1"/>
+            </a:solidFill>
+            <a:miter lim="800000"/>
+            <a:headEnd/>
+            <a:tailEnd/>
+          </a:ln>
+          <a:effectLst/>
+          <a:extLst>
+            <a:ext uri="{909E8E84-426E-40DD-AFC4-6F175D3DCCD1}">
+              <a14:hiddenFill xmlns:a14="http://schemas.microsoft.com/office/drawing/2010/main">
+                <a:solidFill>
+                  <a:schemeClr val="accent1"/>
+                </a:solidFill>
+              </a14:hiddenFill>
+            </a:ext>
+            <a:ext uri="{AF507438-7753-43E0-B8FC-AC1667EBCBE1}">
+              <a14:hiddenEffects xmlns:a14="http://schemas.microsoft.com/office/drawing/2010/main">
+                <a:effectLst>
+                  <a:outerShdw dist="35921" dir="2700000" algn="ctr" rotWithShape="0">
+                    <a:schemeClr val="bg2"/>
+                  </a:outerShdw>
+                </a:effectLst>
+              </a14:hiddenEffects>
+            </a:ext>
+          </a:extLst>
+        </p:spPr>
+      </p:pic>
+      <p:sp>
+        <p:nvSpPr>
+          <p:cNvPr id="7" name="Rectangle 6"/>
+          <p:cNvSpPr/>
+          <p:nvPr/>
+        </p:nvSpPr>
+        <p:spPr>
+          <a:xfrm>
+            <a:off x="7684773" y="609600"/>
+            <a:ext cx="1447800" cy="533400"/>
+          </a:xfrm>
+          <a:prstGeom prst="rect">
+            <a:avLst/>
+          </a:prstGeom>
+          <a:solidFill>
+            <a:srgbClr val="FFFF00"/>
+          </a:solidFill>
+          <a:ln>
+            <a:noFill/>
+          </a:ln>
+        </p:spPr>
+        <p:style>
+          <a:lnRef idx="2">
+            <a:schemeClr val="accent1">
+              <a:shade val="50000"/>
+            </a:schemeClr>
+          </a:lnRef>
+          <a:fillRef idx="1">
+            <a:schemeClr val="accent1"/>
+          </a:fillRef>
+          <a:effectRef idx="0">
+            <a:schemeClr val="accent1"/>
+          </a:effectRef>
+          <a:fontRef idx="minor">
+            <a:schemeClr val="lt1"/>
+          </a:fontRef>
+        </p:style>
+        <p:txBody>
+          <a:bodyPr rtlCol="0" anchor="ctr"/>
+          <a:lstStyle/>
+          <a:p>
+            <a:pPr algn="ctr"/>
+            <a:r>
+              <a:rPr lang="en-US" dirty="0" smtClean="0">
+                <a:solidFill>
+                  <a:schemeClr val="tx1"/>
+                </a:solidFill>
+              </a:rPr>
+              <a:t>RR</a:t>
+            </a:r>
+            <a:endParaRPr lang="en-US" dirty="0">
+              <a:solidFill>
+                <a:schemeClr val="tx1"/>
+              </a:solidFill>
+            </a:endParaRPr>
+          </a:p>
+        </p:txBody>
+      </p:sp>
+    </p:spTree>
+    <p:extLst>
+      <p:ext uri="{BB962C8B-B14F-4D97-AF65-F5344CB8AC3E}">
+        <p14:creationId xmlns:p14="http://schemas.microsoft.com/office/powerpoint/2010/main" val="355091102"/>
+      </p:ext>
+    </p:extLst>
+  </p:cSld>
+  <p:clrMapOvr>
+    <a:masterClrMapping/>
+  </p:clrMapOvr>
+</p:sld>
+</file>
+
+<file path=ppt/slides/slide14.xml><?xml version="1.0" encoding="utf-8"?>
 <p:sld xmlns:a="http://schemas.openxmlformats.org/drawingml/2006/main" xmlns:r="http://schemas.openxmlformats.org/officeDocument/2006/relationships" xmlns:p="http://schemas.openxmlformats.org/presentationml/2006/main">
   <p:cSld>
     <p:spTree>
@@ -23055,11 +25451,22 @@
           <a:p>
             <a:r>
               <a:rPr lang="en-US" b="1" dirty="0" smtClean="0"/>
-              <a:t>Our updated visualization</a:t>
-            </a:r>
-            <a:r>
-              <a:rPr lang="en-US" dirty="0" smtClean="0"/>
-              <a:t> </a:t>
+              <a:t>Our updated </a:t>
+            </a:r>
+            <a:r>
+              <a:rPr lang="en-US" b="1" dirty="0" smtClean="0"/>
+              <a:t>visualization</a:t>
+            </a:r>
+            <a:br>
+              <a:rPr lang="en-US" b="1" dirty="0" smtClean="0"/>
+            </a:br>
+            <a:r>
+              <a:rPr lang="en-US" sz="2000" dirty="0"/>
+              <a:t>http://spadela.pythonanywhere.com</a:t>
+            </a:r>
+            <a:r>
+              <a:rPr lang="en-US" sz="2000" dirty="0" smtClean="0"/>
+              <a:t>/</a:t>
             </a:r>
             <a:endParaRPr lang="en-US" dirty="0"/>
           </a:p>
@@ -23237,1511 +25644,7 @@
 </p:sld>
 </file>
 
-<file path=ppt/slides/slide12.xml><?xml version="1.0" encoding="utf-8"?>
-<p:sld xmlns:a="http://schemas.openxmlformats.org/drawingml/2006/main" xmlns:r="http://schemas.openxmlformats.org/officeDocument/2006/relationships" xmlns:p="http://schemas.openxmlformats.org/presentationml/2006/main">
-  <p:cSld>
-    <p:spTree>
-      <p:nvGrpSpPr>
-        <p:cNvPr id="1" name=""/>
-        <p:cNvGrpSpPr/>
-        <p:nvPr/>
-      </p:nvGrpSpPr>
-      <p:grpSpPr>
-        <a:xfrm>
-          <a:off x="0" y="0"/>
-          <a:ext cx="0" cy="0"/>
-          <a:chOff x="0" y="0"/>
-          <a:chExt cx="0" cy="0"/>
-        </a:xfrm>
-      </p:grpSpPr>
-      <p:sp>
-        <p:nvSpPr>
-          <p:cNvPr id="2" name="Title 1"/>
-          <p:cNvSpPr>
-            <a:spLocks noGrp="1"/>
-          </p:cNvSpPr>
-          <p:nvPr>
-            <p:ph type="title"/>
-          </p:nvPr>
-        </p:nvSpPr>
-        <p:spPr/>
-        <p:txBody>
-          <a:bodyPr/>
-          <a:lstStyle/>
-          <a:p>
-            <a:r>
-              <a:rPr lang="en-US" b="1" dirty="0" smtClean="0"/>
-              <a:t>A few technology choices were fundamental </a:t>
-            </a:r>
-            <a:br>
-              <a:rPr lang="en-US" b="1" dirty="0" smtClean="0"/>
-            </a:br>
-            <a:r>
-              <a:rPr lang="en-US" b="1" dirty="0" smtClean="0"/>
-              <a:t>to building our final visualization</a:t>
-            </a:r>
-            <a:endParaRPr lang="en-US" b="1" dirty="0"/>
-          </a:p>
-        </p:txBody>
-      </p:sp>
-      <p:sp>
-        <p:nvSpPr>
-          <p:cNvPr id="4" name="Rectangle 3"/>
-          <p:cNvSpPr/>
-          <p:nvPr/>
-        </p:nvSpPr>
-        <p:spPr>
-          <a:xfrm>
-            <a:off x="7467600" y="76200"/>
-            <a:ext cx="1594104" cy="304800"/>
-          </a:xfrm>
-          <a:prstGeom prst="rect">
-            <a:avLst/>
-          </a:prstGeom>
-          <a:solidFill>
-            <a:schemeClr val="accent4"/>
-          </a:solidFill>
-          <a:ln>
-            <a:noFill/>
-          </a:ln>
-          <a:effectLst>
-            <a:outerShdw blurRad="50800" dist="38100" dir="2700000" algn="tl" rotWithShape="0">
-              <a:prstClr val="black">
-                <a:alpha val="40000"/>
-              </a:prstClr>
-            </a:outerShdw>
-          </a:effectLst>
-        </p:spPr>
-        <p:style>
-          <a:lnRef idx="2">
-            <a:schemeClr val="accent1">
-              <a:shade val="50000"/>
-            </a:schemeClr>
-          </a:lnRef>
-          <a:fillRef idx="1">
-            <a:schemeClr val="accent1"/>
-          </a:fillRef>
-          <a:effectRef idx="0">
-            <a:schemeClr val="accent1"/>
-          </a:effectRef>
-          <a:fontRef idx="minor">
-            <a:schemeClr val="lt1"/>
-          </a:fontRef>
-        </p:style>
-        <p:txBody>
-          <a:bodyPr rtlCol="0" anchor="ctr"/>
-          <a:lstStyle/>
-          <a:p>
-            <a:pPr marL="285750"/>
-            <a:r>
-              <a:rPr lang="en-US" sz="1200" b="1" dirty="0"/>
-              <a:t>  </a:t>
-            </a:r>
-            <a:r>
-              <a:rPr lang="en-US" sz="1200" b="1" dirty="0" smtClean="0"/>
-              <a:t>Technology</a:t>
-            </a:r>
-            <a:endParaRPr lang="en-US" sz="1200" b="1" dirty="0"/>
-          </a:p>
-        </p:txBody>
-      </p:sp>
-      <p:pic>
-        <p:nvPicPr>
-          <p:cNvPr id="6" name="Picture 27" descr="C:\Users\venjaraa\Desktop\bw-stacks.png"/>
-          <p:cNvPicPr>
-            <a:picLocks noChangeAspect="1" noChangeArrowheads="1"/>
-          </p:cNvPicPr>
-          <p:nvPr/>
-        </p:nvPicPr>
-        <p:blipFill>
-          <a:blip r:embed="rId2" cstate="print">
-            <a:extLst>
-              <a:ext uri="{28A0092B-C50C-407E-A947-70E740481C1C}">
-                <a14:useLocalDpi xmlns:a14="http://schemas.microsoft.com/office/drawing/2010/main" val="0"/>
-              </a:ext>
-            </a:extLst>
-          </a:blip>
-          <a:srcRect/>
-          <a:stretch>
-            <a:fillRect/>
-          </a:stretch>
-        </p:blipFill>
-        <p:spPr bwMode="auto">
-          <a:xfrm>
-            <a:off x="7570473" y="125730"/>
-            <a:ext cx="228600" cy="228600"/>
-          </a:xfrm>
-          <a:prstGeom prst="rect">
-            <a:avLst/>
-          </a:prstGeom>
-          <a:noFill/>
-          <a:extLst>
-            <a:ext uri="{909E8E84-426E-40DD-AFC4-6F175D3DCCD1}">
-              <a14:hiddenFill xmlns:a14="http://schemas.microsoft.com/office/drawing/2010/main">
-                <a:solidFill>
-                  <a:srgbClr val="FFFFFF"/>
-                </a:solidFill>
-              </a14:hiddenFill>
-            </a:ext>
-          </a:extLst>
-        </p:spPr>
-      </p:pic>
-      <p:graphicFrame>
-        <p:nvGraphicFramePr>
-          <p:cNvPr id="8" name="Table 7"/>
-          <p:cNvGraphicFramePr>
-            <a:graphicFrameLocks noGrp="1"/>
-          </p:cNvGraphicFramePr>
-          <p:nvPr>
-            <p:extLst>
-              <p:ext uri="{D42A27DB-BD31-4B8C-83A1-F6EECF244321}">
-                <p14:modId xmlns:p14="http://schemas.microsoft.com/office/powerpoint/2010/main" val="241117773"/>
-              </p:ext>
-            </p:extLst>
-          </p:nvPr>
-        </p:nvGraphicFramePr>
-        <p:xfrm>
-          <a:off x="380997" y="1544316"/>
-          <a:ext cx="8610603" cy="4399284"/>
-        </p:xfrm>
-        <a:graphic>
-          <a:graphicData uri="http://schemas.openxmlformats.org/drawingml/2006/table">
-            <a:tbl>
-              <a:tblPr firstRow="1" bandRow="1">
-                <a:tableStyleId>{5C22544A-7EE6-4342-B048-85BDC9FD1C3A}</a:tableStyleId>
-              </a:tblPr>
-              <a:tblGrid>
-                <a:gridCol w="1447803">
-                  <a:extLst>
-                    <a:ext uri="{9D8B030D-6E8A-4147-A177-3AD203B41FA5}">
-                      <a16:colId xmlns="" xmlns:a16="http://schemas.microsoft.com/office/drawing/2014/main" val="20000"/>
-                    </a:ext>
-                  </a:extLst>
-                </a:gridCol>
-                <a:gridCol w="76200"/>
-                <a:gridCol w="1600200">
-                  <a:extLst>
-                    <a:ext uri="{9D8B030D-6E8A-4147-A177-3AD203B41FA5}">
-                      <a16:colId xmlns="" xmlns:a16="http://schemas.microsoft.com/office/drawing/2014/main" val="20001"/>
-                    </a:ext>
-                  </a:extLst>
-                </a:gridCol>
-                <a:gridCol w="228600"/>
-                <a:gridCol w="5257800"/>
-              </a:tblGrid>
-              <a:tr h="293861">
-                <a:tc>
-                  <a:txBody>
-                    <a:bodyPr/>
-                    <a:lstStyle/>
-                    <a:p>
-                      <a:r>
-                        <a:rPr lang="en-US" sz="1400" b="1" dirty="0" smtClean="0">
-                          <a:solidFill>
-                            <a:schemeClr val="tx1"/>
-                          </a:solidFill>
-                        </a:rPr>
-                        <a:t>Function</a:t>
-                      </a:r>
-                      <a:endParaRPr lang="en-US" sz="1400" b="1" dirty="0">
-                        <a:solidFill>
-                          <a:schemeClr val="tx1"/>
-                        </a:solidFill>
-                      </a:endParaRPr>
-                    </a:p>
-                  </a:txBody>
-                  <a:tcPr anchor="b">
-                    <a:lnB w="12700" cap="flat" cmpd="sng" algn="ctr">
-                      <a:solidFill>
-                        <a:schemeClr val="accent1"/>
-                      </a:solidFill>
-                      <a:prstDash val="solid"/>
-                      <a:round/>
-                      <a:headEnd type="none" w="med" len="med"/>
-                      <a:tailEnd type="none" w="med" len="med"/>
-                    </a:lnB>
-                    <a:noFill/>
-                  </a:tcPr>
-                </a:tc>
-                <a:tc>
-                  <a:txBody>
-                    <a:bodyPr/>
-                    <a:lstStyle/>
-                    <a:p>
-                      <a:endParaRPr lang="en-US" sz="1400" b="1" dirty="0">
-                        <a:solidFill>
-                          <a:schemeClr val="tx1"/>
-                        </a:solidFill>
-                      </a:endParaRPr>
-                    </a:p>
-                  </a:txBody>
-                  <a:tcPr marL="18288" marR="18288" anchor="b">
-                    <a:lnB w="28575" cap="flat" cmpd="sng" algn="ctr">
-                      <a:solidFill>
-                        <a:schemeClr val="bg2"/>
-                      </a:solidFill>
-                      <a:prstDash val="solid"/>
-                      <a:round/>
-                      <a:headEnd type="none" w="med" len="med"/>
-                      <a:tailEnd type="none" w="med" len="med"/>
-                    </a:lnB>
-                    <a:noFill/>
-                  </a:tcPr>
-                </a:tc>
-                <a:tc>
-                  <a:txBody>
-                    <a:bodyPr/>
-                    <a:lstStyle/>
-                    <a:p>
-                      <a:r>
-                        <a:rPr lang="en-US" sz="1400" b="1" dirty="0" smtClean="0">
-                          <a:solidFill>
-                            <a:schemeClr val="tx1"/>
-                          </a:solidFill>
-                        </a:rPr>
-                        <a:t>Technology</a:t>
-                      </a:r>
-                      <a:endParaRPr lang="en-US" sz="1400" b="1" dirty="0">
-                        <a:solidFill>
-                          <a:schemeClr val="tx1"/>
-                        </a:solidFill>
-                      </a:endParaRPr>
-                    </a:p>
-                  </a:txBody>
-                  <a:tcPr anchor="b">
-                    <a:lnR w="12700" cmpd="sng">
-                      <a:noFill/>
-                    </a:lnR>
-                    <a:lnB w="12700" cap="flat" cmpd="sng" algn="ctr">
-                      <a:solidFill>
-                        <a:schemeClr val="accent1"/>
-                      </a:solidFill>
-                      <a:prstDash val="solid"/>
-                      <a:round/>
-                      <a:headEnd type="none" w="med" len="med"/>
-                      <a:tailEnd type="none" w="med" len="med"/>
-                    </a:lnB>
-                    <a:noFill/>
-                  </a:tcPr>
-                </a:tc>
-                <a:tc>
-                  <a:txBody>
-                    <a:bodyPr/>
-                    <a:lstStyle/>
-                    <a:p>
-                      <a:endParaRPr lang="en-US" sz="1400" b="1" dirty="0">
-                        <a:solidFill>
-                          <a:schemeClr val="tx1"/>
-                        </a:solidFill>
-                      </a:endParaRPr>
-                    </a:p>
-                  </a:txBody>
-                  <a:tcPr anchor="b">
-                    <a:lnL w="12700" cmpd="sng">
-                      <a:noFill/>
-                    </a:lnL>
-                    <a:lnR w="12700" cmpd="sng">
-                      <a:noFill/>
-                    </a:lnR>
-                    <a:lnT w="12700" cmpd="sng">
-                      <a:noFill/>
-                    </a:lnT>
-                    <a:lnB w="12700" cap="flat" cmpd="sng" algn="ctr">
-                      <a:noFill/>
-                      <a:prstDash val="solid"/>
-                      <a:round/>
-                      <a:headEnd type="none" w="med" len="med"/>
-                      <a:tailEnd type="none" w="med" len="med"/>
-                    </a:lnB>
-                    <a:lnTlToBr w="12700" cmpd="sng">
-                      <a:noFill/>
-                      <a:prstDash val="solid"/>
-                    </a:lnTlToBr>
-                    <a:lnBlToTr w="12700" cmpd="sng">
-                      <a:noFill/>
-                      <a:prstDash val="solid"/>
-                    </a:lnBlToTr>
-                    <a:noFill/>
-                  </a:tcPr>
-                </a:tc>
-                <a:tc>
-                  <a:txBody>
-                    <a:bodyPr/>
-                    <a:lstStyle/>
-                    <a:p>
-                      <a:r>
-                        <a:rPr lang="en-US" sz="1400" b="1" dirty="0" smtClean="0">
-                          <a:solidFill>
-                            <a:schemeClr val="tx1"/>
-                          </a:solidFill>
-                        </a:rPr>
-                        <a:t>Rationale</a:t>
-                      </a:r>
-                      <a:endParaRPr lang="en-US" sz="1400" b="1" dirty="0">
-                        <a:solidFill>
-                          <a:schemeClr val="tx1"/>
-                        </a:solidFill>
-                      </a:endParaRPr>
-                    </a:p>
-                  </a:txBody>
-                  <a:tcPr anchor="b">
-                    <a:lnL w="12700" cmpd="sng">
-                      <a:noFill/>
-                    </a:lnL>
-                    <a:lnR w="12700" cmpd="sng">
-                      <a:noFill/>
-                    </a:lnR>
-                    <a:lnB w="12700" cap="flat" cmpd="sng" algn="ctr">
-                      <a:solidFill>
-                        <a:schemeClr val="accent1"/>
-                      </a:solidFill>
-                      <a:prstDash val="solid"/>
-                      <a:round/>
-                      <a:headEnd type="none" w="med" len="med"/>
-                      <a:tailEnd type="none" w="med" len="med"/>
-                    </a:lnB>
-                    <a:noFill/>
-                  </a:tcPr>
-                </a:tc>
-                <a:extLst>
-                  <a:ext uri="{0D108BD9-81ED-4DB2-BD59-A6C34878D82A}">
-                    <a16:rowId xmlns="" xmlns:a16="http://schemas.microsoft.com/office/drawing/2014/main" val="10000"/>
-                  </a:ext>
-                </a:extLst>
-              </a:tr>
-              <a:tr h="137313">
-                <a:tc>
-                  <a:txBody>
-                    <a:bodyPr/>
-                    <a:lstStyle/>
-                    <a:p>
-                      <a:pPr marL="0" marR="0" indent="0" algn="l" defTabSz="914400" rtl="0" eaLnBrk="1" fontAlgn="auto" latinLnBrk="0" hangingPunct="1">
-                        <a:lnSpc>
-                          <a:spcPct val="100000"/>
-                        </a:lnSpc>
-                        <a:spcBef>
-                          <a:spcPts val="0"/>
-                        </a:spcBef>
-                        <a:spcAft>
-                          <a:spcPts val="0"/>
-                        </a:spcAft>
-                        <a:buClrTx/>
-                        <a:buSzTx/>
-                        <a:buFont typeface="Arial" panose="020B0604020202020204" pitchFamily="34" charset="0"/>
-                        <a:buNone/>
-                        <a:tabLst/>
-                        <a:defRPr/>
-                      </a:pPr>
-                      <a:endParaRPr lang="en-US" sz="400" b="1" dirty="0" smtClean="0"/>
-                    </a:p>
-                  </a:txBody>
-                  <a:tcPr>
-                    <a:lnT w="12700" cap="flat" cmpd="sng" algn="ctr">
-                      <a:solidFill>
-                        <a:schemeClr val="accent1"/>
-                      </a:solidFill>
-                      <a:prstDash val="solid"/>
-                      <a:round/>
-                      <a:headEnd type="none" w="med" len="med"/>
-                      <a:tailEnd type="none" w="med" len="med"/>
-                    </a:lnT>
-                    <a:lnB w="12700" cap="flat" cmpd="sng" algn="ctr">
-                      <a:noFill/>
-                      <a:prstDash val="solid"/>
-                      <a:round/>
-                      <a:headEnd type="none" w="med" len="med"/>
-                      <a:tailEnd type="none" w="med" len="med"/>
-                    </a:lnB>
-                    <a:noFill/>
-                  </a:tcPr>
-                </a:tc>
-                <a:tc>
-                  <a:txBody>
-                    <a:bodyPr/>
-                    <a:lstStyle/>
-                    <a:p>
-                      <a:pPr marL="171450" indent="-171450">
-                        <a:buFont typeface="Arial" panose="020B0604020202020204" pitchFamily="34" charset="0"/>
-                        <a:buChar char="•"/>
-                      </a:pPr>
-                      <a:endParaRPr lang="en-US" sz="400" dirty="0" smtClean="0"/>
-                    </a:p>
-                  </a:txBody>
-                  <a:tcPr marL="18288" marR="18288">
-                    <a:lnT w="28575" cap="flat" cmpd="sng" algn="ctr">
-                      <a:solidFill>
-                        <a:schemeClr val="bg2"/>
-                      </a:solidFill>
-                      <a:prstDash val="solid"/>
-                      <a:round/>
-                      <a:headEnd type="none" w="med" len="med"/>
-                      <a:tailEnd type="none" w="med" len="med"/>
-                    </a:lnT>
-                    <a:lnB w="12700" cap="flat" cmpd="sng" algn="ctr">
-                      <a:noFill/>
-                      <a:prstDash val="solid"/>
-                      <a:round/>
-                      <a:headEnd type="none" w="med" len="med"/>
-                      <a:tailEnd type="none" w="med" len="med"/>
-                    </a:lnB>
-                    <a:noFill/>
-                  </a:tcPr>
-                </a:tc>
-                <a:tc>
-                  <a:txBody>
-                    <a:bodyPr/>
-                    <a:lstStyle/>
-                    <a:p>
-                      <a:pPr marL="0" indent="0">
-                        <a:buFont typeface="Arial" charset="0"/>
-                        <a:buNone/>
-                      </a:pPr>
-                      <a:endParaRPr lang="en-US" sz="400" baseline="0" dirty="0" smtClean="0"/>
-                    </a:p>
-                  </a:txBody>
-                  <a:tcPr>
-                    <a:lnT w="12700" cap="flat" cmpd="sng" algn="ctr">
-                      <a:solidFill>
-                        <a:schemeClr val="accent1"/>
-                      </a:solidFill>
-                      <a:prstDash val="solid"/>
-                      <a:round/>
-                      <a:headEnd type="none" w="med" len="med"/>
-                      <a:tailEnd type="none" w="med" len="med"/>
-                    </a:lnT>
-                    <a:lnB w="12700" cap="flat" cmpd="sng" algn="ctr">
-                      <a:noFill/>
-                      <a:prstDash val="solid"/>
-                      <a:round/>
-                      <a:headEnd type="none" w="med" len="med"/>
-                      <a:tailEnd type="none" w="med" len="med"/>
-                    </a:lnB>
-                    <a:noFill/>
-                  </a:tcPr>
-                </a:tc>
-                <a:tc>
-                  <a:txBody>
-                    <a:bodyPr/>
-                    <a:lstStyle/>
-                    <a:p>
-                      <a:pPr marL="0" indent="0">
-                        <a:buFont typeface="Arial" charset="0"/>
-                        <a:buNone/>
-                      </a:pPr>
-                      <a:endParaRPr lang="en-US" sz="400" baseline="0" dirty="0" smtClean="0"/>
-                    </a:p>
-                  </a:txBody>
-                  <a:tcPr>
-                    <a:lnT w="12700" cap="flat" cmpd="sng" algn="ctr">
-                      <a:noFill/>
-                      <a:prstDash val="solid"/>
-                      <a:round/>
-                      <a:headEnd type="none" w="med" len="med"/>
-                      <a:tailEnd type="none" w="med" len="med"/>
-                    </a:lnT>
-                    <a:lnB w="12700" cap="flat" cmpd="sng" algn="ctr">
-                      <a:noFill/>
-                      <a:prstDash val="solid"/>
-                      <a:round/>
-                      <a:headEnd type="none" w="med" len="med"/>
-                      <a:tailEnd type="none" w="med" len="med"/>
-                    </a:lnB>
-                    <a:noFill/>
-                  </a:tcPr>
-                </a:tc>
-                <a:tc>
-                  <a:txBody>
-                    <a:bodyPr/>
-                    <a:lstStyle/>
-                    <a:p>
-                      <a:pPr marL="0" indent="0">
-                        <a:buFont typeface="Arial" charset="0"/>
-                        <a:buNone/>
-                      </a:pPr>
-                      <a:endParaRPr lang="en-US" sz="400" baseline="0" dirty="0" smtClean="0"/>
-                    </a:p>
-                  </a:txBody>
-                  <a:tcPr>
-                    <a:lnT w="12700" cap="flat" cmpd="sng" algn="ctr">
-                      <a:solidFill>
-                        <a:schemeClr val="accent1"/>
-                      </a:solidFill>
-                      <a:prstDash val="solid"/>
-                      <a:round/>
-                      <a:headEnd type="none" w="med" len="med"/>
-                      <a:tailEnd type="none" w="med" len="med"/>
-                    </a:lnT>
-                    <a:lnB w="12700" cap="flat" cmpd="sng" algn="ctr">
-                      <a:noFill/>
-                      <a:prstDash val="solid"/>
-                      <a:round/>
-                      <a:headEnd type="none" w="med" len="med"/>
-                      <a:tailEnd type="none" w="med" len="med"/>
-                    </a:lnB>
-                    <a:noFill/>
-                  </a:tcPr>
-                </a:tc>
-                <a:extLst>
-                  <a:ext uri="{0D108BD9-81ED-4DB2-BD59-A6C34878D82A}">
-                    <a16:rowId xmlns="" xmlns:a16="http://schemas.microsoft.com/office/drawing/2014/main" val="10002"/>
-                  </a:ext>
-                </a:extLst>
-              </a:tr>
-              <a:tr h="985977">
-                <a:tc>
-                  <a:txBody>
-                    <a:bodyPr/>
-                    <a:lstStyle/>
-                    <a:p>
-                      <a:pPr marL="0" marR="0" indent="0" algn="l" defTabSz="914400" rtl="0" eaLnBrk="1" fontAlgn="auto" latinLnBrk="0" hangingPunct="1">
-                        <a:lnSpc>
-                          <a:spcPct val="100000"/>
-                        </a:lnSpc>
-                        <a:spcBef>
-                          <a:spcPts val="0"/>
-                        </a:spcBef>
-                        <a:spcAft>
-                          <a:spcPts val="0"/>
-                        </a:spcAft>
-                        <a:buClrTx/>
-                        <a:buSzTx/>
-                        <a:buFont typeface="Arial" panose="020B0604020202020204" pitchFamily="34" charset="0"/>
-                        <a:buNone/>
-                        <a:tabLst/>
-                        <a:defRPr/>
-                      </a:pPr>
-                      <a:r>
-                        <a:rPr lang="en-US" sz="1600" b="1" dirty="0" smtClean="0">
-                          <a:solidFill>
-                            <a:schemeClr val="bg2"/>
-                          </a:solidFill>
-                        </a:rPr>
-                        <a:t>Visualization</a:t>
-                      </a:r>
-                      <a:endParaRPr lang="en-US" sz="1600" b="1" dirty="0" smtClean="0">
-                        <a:solidFill>
-                          <a:schemeClr val="bg2"/>
-                        </a:solidFill>
-                      </a:endParaRPr>
-                    </a:p>
-                  </a:txBody>
-                  <a:tcPr anchor="ctr">
-                    <a:lnT w="28575" cap="flat" cmpd="sng" algn="ctr">
-                      <a:noFill/>
-                      <a:prstDash val="solid"/>
-                      <a:round/>
-                      <a:headEnd type="none" w="med" len="med"/>
-                      <a:tailEnd type="none" w="med" len="med"/>
-                    </a:lnT>
-                    <a:lnB w="28575" cap="flat" cmpd="sng" algn="ctr">
-                      <a:solidFill>
-                        <a:schemeClr val="bg2"/>
-                      </a:solidFill>
-                      <a:prstDash val="solid"/>
-                      <a:round/>
-                      <a:headEnd type="none" w="med" len="med"/>
-                      <a:tailEnd type="none" w="med" len="med"/>
-                    </a:lnB>
-                    <a:solidFill>
-                      <a:schemeClr val="accent4"/>
-                    </a:solidFill>
-                  </a:tcPr>
-                </a:tc>
-                <a:tc>
-                  <a:txBody>
-                    <a:bodyPr/>
-                    <a:lstStyle/>
-                    <a:p>
-                      <a:pPr marL="171450" indent="-171450">
-                        <a:buFont typeface="Arial" panose="020B0604020202020204" pitchFamily="34" charset="0"/>
-                        <a:buChar char="•"/>
-                      </a:pPr>
-                      <a:endParaRPr lang="en-US" sz="1200" dirty="0" smtClean="0"/>
-                    </a:p>
-                  </a:txBody>
-                  <a:tcPr marL="18288" marR="18288" anchor="ctr">
-                    <a:lnT w="12700" cap="flat" cmpd="sng" algn="ctr">
-                      <a:noFill/>
-                      <a:prstDash val="solid"/>
-                      <a:round/>
-                      <a:headEnd type="none" w="med" len="med"/>
-                      <a:tailEnd type="none" w="med" len="med"/>
-                    </a:lnT>
-                    <a:lnB w="12700" cap="flat" cmpd="sng" algn="ctr">
-                      <a:solidFill>
-                        <a:schemeClr val="tx1">
-                          <a:lumMod val="50000"/>
-                          <a:lumOff val="50000"/>
-                        </a:schemeClr>
-                      </a:solidFill>
-                      <a:prstDash val="dash"/>
-                      <a:round/>
-                      <a:headEnd type="none" w="med" len="med"/>
-                      <a:tailEnd type="none" w="med" len="med"/>
-                    </a:lnB>
-                    <a:noFill/>
-                  </a:tcPr>
-                </a:tc>
-                <a:tc>
-                  <a:txBody>
-                    <a:bodyPr/>
-                    <a:lstStyle/>
-                    <a:p>
-                      <a:pPr marL="0" marR="0" indent="0" algn="l" defTabSz="914400" rtl="0" eaLnBrk="1" fontAlgn="auto" latinLnBrk="0" hangingPunct="1">
-                        <a:lnSpc>
-                          <a:spcPct val="100000"/>
-                        </a:lnSpc>
-                        <a:spcBef>
-                          <a:spcPts val="0"/>
-                        </a:spcBef>
-                        <a:spcAft>
-                          <a:spcPts val="0"/>
-                        </a:spcAft>
-                        <a:buClrTx/>
-                        <a:buSzTx/>
-                        <a:buFont typeface="Arial" panose="020B0604020202020204" pitchFamily="34" charset="0"/>
-                        <a:buNone/>
-                        <a:tabLst/>
-                        <a:defRPr/>
-                      </a:pPr>
-                      <a:r>
-                        <a:rPr lang="en-US" sz="1400" b="0" baseline="0" dirty="0" err="1" smtClean="0"/>
-                        <a:t>Highcharts</a:t>
-                      </a:r>
-                      <a:r>
-                        <a:rPr lang="en-US" sz="1400" b="0" baseline="0" dirty="0" smtClean="0"/>
-                        <a:t> / </a:t>
-                      </a:r>
-                      <a:r>
-                        <a:rPr lang="en-US" sz="1400" b="0" baseline="0" dirty="0" err="1" smtClean="0"/>
-                        <a:t>Highstock</a:t>
-                      </a:r>
-                      <a:endParaRPr lang="en-US" sz="1400" b="0" baseline="0" dirty="0" smtClean="0"/>
-                    </a:p>
-                  </a:txBody>
-                  <a:tcPr anchor="ctr">
-                    <a:lnT w="12700" cap="flat" cmpd="sng" algn="ctr">
-                      <a:noFill/>
-                      <a:prstDash val="solid"/>
-                      <a:round/>
-                      <a:headEnd type="none" w="med" len="med"/>
-                      <a:tailEnd type="none" w="med" len="med"/>
-                    </a:lnT>
-                    <a:lnB w="12700" cap="flat" cmpd="sng" algn="ctr">
-                      <a:solidFill>
-                        <a:schemeClr val="tx1">
-                          <a:lumMod val="50000"/>
-                          <a:lumOff val="50000"/>
-                        </a:schemeClr>
-                      </a:solidFill>
-                      <a:prstDash val="dash"/>
-                      <a:round/>
-                      <a:headEnd type="none" w="med" len="med"/>
-                      <a:tailEnd type="none" w="med" len="med"/>
-                    </a:lnB>
-                    <a:noFill/>
-                  </a:tcPr>
-                </a:tc>
-                <a:tc>
-                  <a:txBody>
-                    <a:bodyPr/>
-                    <a:lstStyle/>
-                    <a:p>
-                      <a:endParaRPr lang="en-US" sz="1100" baseline="0" dirty="0" smtClean="0"/>
-                    </a:p>
-                  </a:txBody>
-                  <a:tcPr anchor="ctr">
-                    <a:lnT w="12700" cap="flat" cmpd="sng" algn="ctr">
-                      <a:noFill/>
-                      <a:prstDash val="solid"/>
-                      <a:round/>
-                      <a:headEnd type="none" w="med" len="med"/>
-                      <a:tailEnd type="none" w="med" len="med"/>
-                    </a:lnT>
-                    <a:lnB w="12700" cap="flat" cmpd="sng" algn="ctr">
-                      <a:solidFill>
-                        <a:schemeClr val="tx1">
-                          <a:lumMod val="50000"/>
-                          <a:lumOff val="50000"/>
-                        </a:schemeClr>
-                      </a:solidFill>
-                      <a:prstDash val="dash"/>
-                      <a:round/>
-                      <a:headEnd type="none" w="med" len="med"/>
-                      <a:tailEnd type="none" w="med" len="med"/>
-                    </a:lnB>
-                    <a:noFill/>
-                  </a:tcPr>
-                </a:tc>
-                <a:tc>
-                  <a:txBody>
-                    <a:bodyPr/>
-                    <a:lstStyle/>
-                    <a:p>
-                      <a:pPr marL="180975" indent="-171450" algn="l" defTabSz="914400" rtl="0" eaLnBrk="1" latinLnBrk="0" hangingPunct="1">
-                        <a:buFont typeface="Arial" panose="020B0604020202020204" pitchFamily="34" charset="0"/>
-                        <a:buChar char="•"/>
-                      </a:pPr>
-                      <a:r>
-                        <a:rPr lang="en-US" sz="1400" b="0" kern="1200" dirty="0" smtClean="0">
-                          <a:solidFill>
-                            <a:schemeClr val="dk1"/>
-                          </a:solidFill>
-                          <a:latin typeface="Arial" panose="020B0604020202020204" pitchFamily="34" charset="0"/>
-                          <a:ea typeface="+mn-ea"/>
-                          <a:cs typeface="Arial" panose="020B0604020202020204" pitchFamily="34" charset="0"/>
-                        </a:rPr>
-                        <a:t>Add commentary</a:t>
-                      </a:r>
-                      <a:endParaRPr lang="en-US" sz="1400" b="0" kern="1200" dirty="0" smtClean="0">
-                        <a:solidFill>
-                          <a:schemeClr val="dk1"/>
-                        </a:solidFill>
-                        <a:latin typeface="Arial" panose="020B0604020202020204" pitchFamily="34" charset="0"/>
-                        <a:ea typeface="+mn-ea"/>
-                        <a:cs typeface="Arial" panose="020B0604020202020204" pitchFamily="34" charset="0"/>
-                      </a:endParaRPr>
-                    </a:p>
-                    <a:p>
-                      <a:pPr marL="180975" indent="-171450" algn="l" defTabSz="914400" rtl="0" eaLnBrk="1" latinLnBrk="0" hangingPunct="1">
-                        <a:buFont typeface="Arial" panose="020B0604020202020204" pitchFamily="34" charset="0"/>
-                        <a:buChar char="•"/>
-                      </a:pPr>
-                      <a:r>
-                        <a:rPr lang="en-US" sz="1400" b="0" kern="1200" dirty="0" smtClean="0">
-                          <a:solidFill>
-                            <a:schemeClr val="dk1"/>
-                          </a:solidFill>
-                          <a:latin typeface="Arial" panose="020B0604020202020204" pitchFamily="34" charset="0"/>
-                          <a:ea typeface="+mn-ea"/>
-                          <a:cs typeface="Arial" panose="020B0604020202020204" pitchFamily="34" charset="0"/>
-                        </a:rPr>
-                        <a:t>Add commentary</a:t>
-                      </a:r>
-                      <a:endParaRPr lang="en-US" sz="1400" b="0" kern="1200" baseline="0" dirty="0" smtClean="0">
-                        <a:solidFill>
-                          <a:schemeClr val="dk1"/>
-                        </a:solidFill>
-                        <a:latin typeface="Arial" panose="020B0604020202020204" pitchFamily="34" charset="0"/>
-                        <a:ea typeface="+mn-ea"/>
-                        <a:cs typeface="Arial" panose="020B0604020202020204" pitchFamily="34" charset="0"/>
-                      </a:endParaRPr>
-                    </a:p>
-                    <a:p>
-                      <a:pPr marL="512763" lvl="1" indent="-171450" algn="l" defTabSz="914400" rtl="0" eaLnBrk="1" latinLnBrk="0" hangingPunct="1">
-                        <a:buFont typeface="Courier New" panose="02070309020205020404" pitchFamily="49" charset="0"/>
-                        <a:buChar char="o"/>
-                      </a:pPr>
-                      <a:r>
-                        <a:rPr lang="en-US" sz="1400" b="0" kern="1200" baseline="0" dirty="0" smtClean="0">
-                          <a:solidFill>
-                            <a:schemeClr val="dk1"/>
-                          </a:solidFill>
-                          <a:latin typeface="Arial" panose="020B0604020202020204" pitchFamily="34" charset="0"/>
-                          <a:ea typeface="+mn-ea"/>
-                          <a:cs typeface="Arial" panose="020B0604020202020204" pitchFamily="34" charset="0"/>
-                        </a:rPr>
-                        <a:t>Sub-bullet format</a:t>
-                      </a:r>
-                      <a:endParaRPr lang="en-US" sz="1400" b="0" kern="1200" dirty="0" smtClean="0">
-                        <a:solidFill>
-                          <a:schemeClr val="dk1"/>
-                        </a:solidFill>
-                        <a:latin typeface="Arial" panose="020B0604020202020204" pitchFamily="34" charset="0"/>
-                        <a:ea typeface="+mn-ea"/>
-                        <a:cs typeface="Arial" panose="020B0604020202020204" pitchFamily="34" charset="0"/>
-                      </a:endParaRPr>
-                    </a:p>
-                  </a:txBody>
-                  <a:tcPr anchor="ctr">
-                    <a:lnT w="12700" cap="flat" cmpd="sng" algn="ctr">
-                      <a:noFill/>
-                      <a:prstDash val="solid"/>
-                      <a:round/>
-                      <a:headEnd type="none" w="med" len="med"/>
-                      <a:tailEnd type="none" w="med" len="med"/>
-                    </a:lnT>
-                    <a:lnB w="12700" cap="flat" cmpd="sng" algn="ctr">
-                      <a:solidFill>
-                        <a:schemeClr val="tx1">
-                          <a:lumMod val="50000"/>
-                          <a:lumOff val="50000"/>
-                        </a:schemeClr>
-                      </a:solidFill>
-                      <a:prstDash val="dash"/>
-                      <a:round/>
-                      <a:headEnd type="none" w="med" len="med"/>
-                      <a:tailEnd type="none" w="med" len="med"/>
-                    </a:lnB>
-                    <a:noFill/>
-                  </a:tcPr>
-                </a:tc>
-              </a:tr>
-              <a:tr h="1368568">
-                <a:tc>
-                  <a:txBody>
-                    <a:bodyPr/>
-                    <a:lstStyle/>
-                    <a:p>
-                      <a:pPr marL="0" marR="0" indent="0" algn="l" defTabSz="914400" rtl="0" eaLnBrk="1" fontAlgn="auto" latinLnBrk="0" hangingPunct="1">
-                        <a:lnSpc>
-                          <a:spcPct val="100000"/>
-                        </a:lnSpc>
-                        <a:spcBef>
-                          <a:spcPts val="0"/>
-                        </a:spcBef>
-                        <a:spcAft>
-                          <a:spcPts val="0"/>
-                        </a:spcAft>
-                        <a:buClrTx/>
-                        <a:buSzTx/>
-                        <a:buFont typeface="Arial" charset="0"/>
-                        <a:buNone/>
-                        <a:tabLst/>
-                        <a:defRPr/>
-                      </a:pPr>
-                      <a:r>
-                        <a:rPr lang="en-US" sz="1600" b="1" dirty="0" smtClean="0">
-                          <a:solidFill>
-                            <a:schemeClr val="bg2"/>
-                          </a:solidFill>
-                        </a:rPr>
-                        <a:t>Data Manipulation</a:t>
-                      </a:r>
-                      <a:endParaRPr lang="en-US" sz="1600" b="1" dirty="0" smtClean="0">
-                        <a:solidFill>
-                          <a:schemeClr val="bg2"/>
-                        </a:solidFill>
-                      </a:endParaRPr>
-                    </a:p>
-                  </a:txBody>
-                  <a:tcPr anchor="ctr">
-                    <a:lnT w="28575" cap="flat" cmpd="sng" algn="ctr">
-                      <a:solidFill>
-                        <a:schemeClr val="bg2"/>
-                      </a:solidFill>
-                      <a:prstDash val="solid"/>
-                      <a:round/>
-                      <a:headEnd type="none" w="med" len="med"/>
-                      <a:tailEnd type="none" w="med" len="med"/>
-                    </a:lnT>
-                    <a:lnB w="28575" cap="flat" cmpd="sng" algn="ctr">
-                      <a:solidFill>
-                        <a:schemeClr val="bg2"/>
-                      </a:solidFill>
-                      <a:prstDash val="solid"/>
-                      <a:round/>
-                      <a:headEnd type="none" w="med" len="med"/>
-                      <a:tailEnd type="none" w="med" len="med"/>
-                    </a:lnB>
-                    <a:solidFill>
-                      <a:schemeClr val="accent4"/>
-                    </a:solidFill>
-                  </a:tcPr>
-                </a:tc>
-                <a:tc>
-                  <a:txBody>
-                    <a:bodyPr/>
-                    <a:lstStyle/>
-                    <a:p>
-                      <a:pPr marL="171450" indent="-171450">
-                        <a:buFont typeface="Arial" charset="0"/>
-                        <a:buChar char="•"/>
-                      </a:pPr>
-                      <a:endParaRPr lang="en-US" sz="1200" dirty="0" smtClean="0"/>
-                    </a:p>
-                  </a:txBody>
-                  <a:tcPr marL="18288" marR="18288" anchor="ctr">
-                    <a:lnT w="12700" cap="flat" cmpd="sng" algn="ctr">
-                      <a:solidFill>
-                        <a:schemeClr val="tx1">
-                          <a:lumMod val="50000"/>
-                          <a:lumOff val="50000"/>
-                        </a:schemeClr>
-                      </a:solidFill>
-                      <a:prstDash val="dash"/>
-                      <a:round/>
-                      <a:headEnd type="none" w="med" len="med"/>
-                      <a:tailEnd type="none" w="med" len="med"/>
-                    </a:lnT>
-                    <a:lnB w="12700" cap="flat" cmpd="sng" algn="ctr">
-                      <a:solidFill>
-                        <a:schemeClr val="bg1">
-                          <a:lumMod val="65000"/>
-                        </a:schemeClr>
-                      </a:solidFill>
-                      <a:prstDash val="dash"/>
-                      <a:round/>
-                      <a:headEnd type="none" w="med" len="med"/>
-                      <a:tailEnd type="none" w="med" len="med"/>
-                    </a:lnB>
-                    <a:noFill/>
-                  </a:tcPr>
-                </a:tc>
-                <a:tc>
-                  <a:txBody>
-                    <a:bodyPr/>
-                    <a:lstStyle/>
-                    <a:p>
-                      <a:pPr marL="0" indent="0" algn="l">
-                        <a:buFont typeface="Arial" panose="020B0604020202020204" pitchFamily="34" charset="0"/>
-                        <a:buNone/>
-                      </a:pPr>
-                      <a:r>
-                        <a:rPr lang="en-US" sz="1400" b="0" baseline="0" dirty="0" smtClean="0"/>
-                        <a:t>Pandas + Flask</a:t>
-                      </a:r>
-                      <a:endParaRPr lang="en-US" sz="1400" b="0" baseline="0" dirty="0" smtClean="0"/>
-                    </a:p>
-                  </a:txBody>
-                  <a:tcPr anchor="ctr">
-                    <a:lnT w="12700" cap="flat" cmpd="sng" algn="ctr">
-                      <a:solidFill>
-                        <a:schemeClr val="tx1">
-                          <a:lumMod val="50000"/>
-                          <a:lumOff val="50000"/>
-                        </a:schemeClr>
-                      </a:solidFill>
-                      <a:prstDash val="dash"/>
-                      <a:round/>
-                      <a:headEnd type="none" w="med" len="med"/>
-                      <a:tailEnd type="none" w="med" len="med"/>
-                    </a:lnT>
-                    <a:lnB w="12700" cap="flat" cmpd="sng" algn="ctr">
-                      <a:solidFill>
-                        <a:schemeClr val="tx1">
-                          <a:lumMod val="50000"/>
-                          <a:lumOff val="50000"/>
-                        </a:schemeClr>
-                      </a:solidFill>
-                      <a:prstDash val="dash"/>
-                      <a:round/>
-                      <a:headEnd type="none" w="med" len="med"/>
-                      <a:tailEnd type="none" w="med" len="med"/>
-                    </a:lnB>
-                    <a:noFill/>
-                  </a:tcPr>
-                </a:tc>
-                <a:tc>
-                  <a:txBody>
-                    <a:bodyPr/>
-                    <a:lstStyle/>
-                    <a:p>
-                      <a:pPr marL="0" indent="0">
-                        <a:buFont typeface="Arial" panose="020B0604020202020204" pitchFamily="34" charset="0"/>
-                        <a:buNone/>
-                      </a:pPr>
-                      <a:endParaRPr lang="en-US" sz="1100" baseline="0" dirty="0" smtClean="0"/>
-                    </a:p>
-                  </a:txBody>
-                  <a:tcPr anchor="ctr">
-                    <a:lnT w="12700" cap="flat" cmpd="sng" algn="ctr">
-                      <a:solidFill>
-                        <a:schemeClr val="tx1">
-                          <a:lumMod val="50000"/>
-                          <a:lumOff val="50000"/>
-                        </a:schemeClr>
-                      </a:solidFill>
-                      <a:prstDash val="dash"/>
-                      <a:round/>
-                      <a:headEnd type="none" w="med" len="med"/>
-                      <a:tailEnd type="none" w="med" len="med"/>
-                    </a:lnT>
-                    <a:lnB w="12700" cap="flat" cmpd="sng" algn="ctr">
-                      <a:solidFill>
-                        <a:schemeClr val="tx1">
-                          <a:lumMod val="50000"/>
-                          <a:lumOff val="50000"/>
-                        </a:schemeClr>
-                      </a:solidFill>
-                      <a:prstDash val="dash"/>
-                      <a:round/>
-                      <a:headEnd type="none" w="med" len="med"/>
-                      <a:tailEnd type="none" w="med" len="med"/>
-                    </a:lnB>
-                    <a:noFill/>
-                  </a:tcPr>
-                </a:tc>
-                <a:tc>
-                  <a:txBody>
-                    <a:bodyPr/>
-                    <a:lstStyle/>
-                    <a:p>
-                      <a:pPr marL="180975" indent="-171450" algn="l" defTabSz="914400" rtl="0" eaLnBrk="1" latinLnBrk="0" hangingPunct="1">
-                        <a:buFont typeface="Arial" panose="020B0604020202020204" pitchFamily="34" charset="0"/>
-                        <a:buChar char="•"/>
-                      </a:pPr>
-                      <a:r>
-                        <a:rPr lang="en-US" sz="1400" b="0" kern="1200" smtClean="0">
-                          <a:solidFill>
-                            <a:schemeClr val="dk1"/>
-                          </a:solidFill>
-                          <a:latin typeface="Arial" panose="020B0604020202020204" pitchFamily="34" charset="0"/>
-                          <a:ea typeface="+mn-ea"/>
-                          <a:cs typeface="Arial" panose="020B0604020202020204" pitchFamily="34" charset="0"/>
-                        </a:rPr>
-                        <a:t>Add commentary</a:t>
-                      </a:r>
-                    </a:p>
-                    <a:p>
-                      <a:pPr marL="180975" indent="-171450" algn="l" defTabSz="914400" rtl="0" eaLnBrk="1" latinLnBrk="0" hangingPunct="1">
-                        <a:buFont typeface="Arial" panose="020B0604020202020204" pitchFamily="34" charset="0"/>
-                        <a:buChar char="•"/>
-                      </a:pPr>
-                      <a:r>
-                        <a:rPr lang="en-US" sz="1400" b="0" kern="1200" smtClean="0">
-                          <a:solidFill>
-                            <a:schemeClr val="dk1"/>
-                          </a:solidFill>
-                          <a:latin typeface="Arial" panose="020B0604020202020204" pitchFamily="34" charset="0"/>
-                          <a:ea typeface="+mn-ea"/>
-                          <a:cs typeface="Arial" panose="020B0604020202020204" pitchFamily="34" charset="0"/>
-                        </a:rPr>
-                        <a:t>Add commentary</a:t>
-                      </a:r>
-                      <a:endParaRPr lang="en-US" sz="1400" b="0" kern="1200" baseline="0" smtClean="0">
-                        <a:solidFill>
-                          <a:schemeClr val="dk1"/>
-                        </a:solidFill>
-                        <a:latin typeface="Arial" panose="020B0604020202020204" pitchFamily="34" charset="0"/>
-                        <a:ea typeface="+mn-ea"/>
-                        <a:cs typeface="Arial" panose="020B0604020202020204" pitchFamily="34" charset="0"/>
-                      </a:endParaRPr>
-                    </a:p>
-                    <a:p>
-                      <a:pPr marL="512763" lvl="1" indent="-171450" algn="l" defTabSz="914400" rtl="0" eaLnBrk="1" latinLnBrk="0" hangingPunct="1">
-                        <a:buFont typeface="Courier New" panose="02070309020205020404" pitchFamily="49" charset="0"/>
-                        <a:buChar char="o"/>
-                      </a:pPr>
-                      <a:r>
-                        <a:rPr lang="en-US" sz="1400" b="0" kern="1200" baseline="0" smtClean="0">
-                          <a:solidFill>
-                            <a:schemeClr val="dk1"/>
-                          </a:solidFill>
-                          <a:latin typeface="Arial" panose="020B0604020202020204" pitchFamily="34" charset="0"/>
-                          <a:ea typeface="+mn-ea"/>
-                          <a:cs typeface="Arial" panose="020B0604020202020204" pitchFamily="34" charset="0"/>
-                        </a:rPr>
-                        <a:t>Sub-bullet format</a:t>
-                      </a:r>
-                      <a:endParaRPr lang="en-US" sz="1400" b="0" kern="1200" dirty="0" smtClean="0">
-                        <a:solidFill>
-                          <a:schemeClr val="dk1"/>
-                        </a:solidFill>
-                        <a:latin typeface="Arial" panose="020B0604020202020204" pitchFamily="34" charset="0"/>
-                        <a:ea typeface="+mn-ea"/>
-                        <a:cs typeface="Arial" panose="020B0604020202020204" pitchFamily="34" charset="0"/>
-                      </a:endParaRPr>
-                    </a:p>
-                  </a:txBody>
-                  <a:tcPr anchor="ctr">
-                    <a:lnT w="12700" cap="flat" cmpd="sng" algn="ctr">
-                      <a:solidFill>
-                        <a:schemeClr val="tx1">
-                          <a:lumMod val="50000"/>
-                          <a:lumOff val="50000"/>
-                        </a:schemeClr>
-                      </a:solidFill>
-                      <a:prstDash val="dash"/>
-                      <a:round/>
-                      <a:headEnd type="none" w="med" len="med"/>
-                      <a:tailEnd type="none" w="med" len="med"/>
-                    </a:lnT>
-                    <a:lnB w="12700" cap="flat" cmpd="sng" algn="ctr">
-                      <a:solidFill>
-                        <a:schemeClr val="tx1">
-                          <a:lumMod val="50000"/>
-                          <a:lumOff val="50000"/>
-                        </a:schemeClr>
-                      </a:solidFill>
-                      <a:prstDash val="dash"/>
-                      <a:round/>
-                      <a:headEnd type="none" w="med" len="med"/>
-                      <a:tailEnd type="none" w="med" len="med"/>
-                    </a:lnB>
-                    <a:noFill/>
-                  </a:tcPr>
-                </a:tc>
-                <a:extLst>
-                  <a:ext uri="{0D108BD9-81ED-4DB2-BD59-A6C34878D82A}">
-                    <a16:rowId xmlns="" xmlns:a16="http://schemas.microsoft.com/office/drawing/2014/main" val="1026776849"/>
-                  </a:ext>
-                </a:extLst>
-              </a:tr>
-              <a:tr h="1587539">
-                <a:tc>
-                  <a:txBody>
-                    <a:bodyPr/>
-                    <a:lstStyle/>
-                    <a:p>
-                      <a:pPr marL="0" marR="0" indent="0" algn="l" defTabSz="914400" rtl="0" eaLnBrk="1" fontAlgn="auto" latinLnBrk="0" hangingPunct="1">
-                        <a:lnSpc>
-                          <a:spcPct val="100000"/>
-                        </a:lnSpc>
-                        <a:spcBef>
-                          <a:spcPts val="0"/>
-                        </a:spcBef>
-                        <a:spcAft>
-                          <a:spcPts val="0"/>
-                        </a:spcAft>
-                        <a:buClrTx/>
-                        <a:buSzTx/>
-                        <a:buFont typeface="Arial" panose="020B0604020202020204" pitchFamily="34" charset="0"/>
-                        <a:buNone/>
-                        <a:tabLst/>
-                        <a:defRPr/>
-                      </a:pPr>
-                      <a:r>
-                        <a:rPr lang="en-US" sz="1600" b="1" dirty="0" smtClean="0">
-                          <a:solidFill>
-                            <a:schemeClr val="bg2"/>
-                          </a:solidFill>
-                        </a:rPr>
-                        <a:t>Hosting</a:t>
-                      </a:r>
-                      <a:endParaRPr lang="en-US" sz="1600" b="0" dirty="0" smtClean="0">
-                        <a:solidFill>
-                          <a:schemeClr val="bg2"/>
-                        </a:solidFill>
-                      </a:endParaRPr>
-                    </a:p>
-                  </a:txBody>
-                  <a:tcPr anchor="ctr">
-                    <a:lnT w="28575" cap="flat" cmpd="sng" algn="ctr">
-                      <a:solidFill>
-                        <a:schemeClr val="bg2"/>
-                      </a:solidFill>
-                      <a:prstDash val="solid"/>
-                      <a:round/>
-                      <a:headEnd type="none" w="med" len="med"/>
-                      <a:tailEnd type="none" w="med" len="med"/>
-                    </a:lnT>
-                    <a:lnB w="28575" cap="flat" cmpd="sng" algn="ctr">
-                      <a:solidFill>
-                        <a:schemeClr val="bg2"/>
-                      </a:solidFill>
-                      <a:prstDash val="solid"/>
-                      <a:round/>
-                      <a:headEnd type="none" w="med" len="med"/>
-                      <a:tailEnd type="none" w="med" len="med"/>
-                    </a:lnB>
-                    <a:solidFill>
-                      <a:schemeClr val="accent4"/>
-                    </a:solidFill>
-                  </a:tcPr>
-                </a:tc>
-                <a:tc>
-                  <a:txBody>
-                    <a:bodyPr/>
-                    <a:lstStyle/>
-                    <a:p>
-                      <a:pPr marL="171450" indent="-171450">
-                        <a:buFont typeface="Arial" charset="0"/>
-                        <a:buChar char="•"/>
-                      </a:pPr>
-                      <a:endParaRPr lang="en-US" sz="1200" dirty="0" smtClean="0"/>
-                    </a:p>
-                  </a:txBody>
-                  <a:tcPr marL="18288" marR="18288" anchor="ctr">
-                    <a:lnR w="12700" cmpd="sng">
-                      <a:noFill/>
-                    </a:lnR>
-                    <a:lnT w="12700" cap="flat" cmpd="sng" algn="ctr">
-                      <a:solidFill>
-                        <a:schemeClr val="bg1">
-                          <a:lumMod val="65000"/>
-                        </a:schemeClr>
-                      </a:solidFill>
-                      <a:prstDash val="dash"/>
-                      <a:round/>
-                      <a:headEnd type="none" w="med" len="med"/>
-                      <a:tailEnd type="none" w="med" len="med"/>
-                    </a:lnT>
-                    <a:lnB w="12700" cap="flat" cmpd="sng" algn="ctr">
-                      <a:solidFill>
-                        <a:schemeClr val="bg1">
-                          <a:lumMod val="65000"/>
-                        </a:schemeClr>
-                      </a:solidFill>
-                      <a:prstDash val="dash"/>
-                      <a:round/>
-                      <a:headEnd type="none" w="med" len="med"/>
-                      <a:tailEnd type="none" w="med" len="med"/>
-                    </a:lnB>
-                    <a:noFill/>
-                  </a:tcPr>
-                </a:tc>
-                <a:tc>
-                  <a:txBody>
-                    <a:bodyPr/>
-                    <a:lstStyle/>
-                    <a:p>
-                      <a:pPr marL="0" marR="0" indent="0" algn="l" defTabSz="914400" rtl="0" eaLnBrk="1" fontAlgn="auto" latinLnBrk="0" hangingPunct="1">
-                        <a:lnSpc>
-                          <a:spcPct val="100000"/>
-                        </a:lnSpc>
-                        <a:spcBef>
-                          <a:spcPts val="0"/>
-                        </a:spcBef>
-                        <a:spcAft>
-                          <a:spcPts val="0"/>
-                        </a:spcAft>
-                        <a:buClrTx/>
-                        <a:buSzTx/>
-                        <a:buFontTx/>
-                        <a:buNone/>
-                        <a:tabLst/>
-                        <a:defRPr/>
-                      </a:pPr>
-                      <a:r>
-                        <a:rPr lang="en-US" sz="1400" b="0" baseline="0" dirty="0" err="1" smtClean="0"/>
-                        <a:t>Pythonanywhere</a:t>
-                      </a:r>
-                      <a:endParaRPr lang="en-US" sz="1400" b="0" baseline="0" dirty="0" smtClean="0"/>
-                    </a:p>
-                  </a:txBody>
-                  <a:tcPr anchor="ctr">
-                    <a:lnL w="12700" cmpd="sng">
-                      <a:noFill/>
-                    </a:lnL>
-                    <a:lnR w="12700" cmpd="sng">
-                      <a:noFill/>
-                    </a:lnR>
-                    <a:lnT w="12700" cap="flat" cmpd="sng" algn="ctr">
-                      <a:solidFill>
-                        <a:schemeClr val="tx1">
-                          <a:lumMod val="50000"/>
-                          <a:lumOff val="50000"/>
-                        </a:schemeClr>
-                      </a:solidFill>
-                      <a:prstDash val="dash"/>
-                      <a:round/>
-                      <a:headEnd type="none" w="med" len="med"/>
-                      <a:tailEnd type="none" w="med" len="med"/>
-                    </a:lnT>
-                    <a:lnB w="12700" cap="flat" cmpd="sng" algn="ctr">
-                      <a:solidFill>
-                        <a:schemeClr val="tx1">
-                          <a:lumMod val="50000"/>
-                          <a:lumOff val="50000"/>
-                        </a:schemeClr>
-                      </a:solidFill>
-                      <a:prstDash val="dash"/>
-                      <a:round/>
-                      <a:headEnd type="none" w="med" len="med"/>
-                      <a:tailEnd type="none" w="med" len="med"/>
-                    </a:lnB>
-                    <a:lnTlToBr w="12700" cmpd="sng">
-                      <a:noFill/>
-                      <a:prstDash val="solid"/>
-                    </a:lnTlToBr>
-                    <a:lnBlToTr w="12700" cmpd="sng">
-                      <a:noFill/>
-                      <a:prstDash val="solid"/>
-                    </a:lnBlToTr>
-                    <a:noFill/>
-                  </a:tcPr>
-                </a:tc>
-                <a:tc>
-                  <a:txBody>
-                    <a:bodyPr/>
-                    <a:lstStyle/>
-                    <a:p>
-                      <a:pPr marL="404813" marR="0" lvl="2" indent="-171450" algn="l" defTabSz="914400" rtl="0" eaLnBrk="1" fontAlgn="auto" latinLnBrk="0" hangingPunct="1">
-                        <a:lnSpc>
-                          <a:spcPct val="100000"/>
-                        </a:lnSpc>
-                        <a:spcBef>
-                          <a:spcPts val="0"/>
-                        </a:spcBef>
-                        <a:spcAft>
-                          <a:spcPts val="0"/>
-                        </a:spcAft>
-                        <a:buClrTx/>
-                        <a:buSzTx/>
-                        <a:buFont typeface="Arial" panose="020B0604020202020204" pitchFamily="34" charset="0"/>
-                        <a:buChar char="•"/>
-                        <a:tabLst/>
-                        <a:defRPr/>
-                      </a:pPr>
-                      <a:endParaRPr lang="en-US" sz="1100" baseline="0" dirty="0" smtClean="0"/>
-                    </a:p>
-                  </a:txBody>
-                  <a:tcPr anchor="ctr">
-                    <a:lnL w="12700" cmpd="sng">
-                      <a:noFill/>
-                    </a:lnL>
-                    <a:lnR w="12700" cmpd="sng">
-                      <a:noFill/>
-                    </a:lnR>
-                    <a:lnT w="12700" cap="flat" cmpd="sng" algn="ctr">
-                      <a:solidFill>
-                        <a:schemeClr val="tx1">
-                          <a:lumMod val="50000"/>
-                          <a:lumOff val="50000"/>
-                        </a:schemeClr>
-                      </a:solidFill>
-                      <a:prstDash val="dash"/>
-                      <a:round/>
-                      <a:headEnd type="none" w="med" len="med"/>
-                      <a:tailEnd type="none" w="med" len="med"/>
-                    </a:lnT>
-                    <a:lnB w="12700" cap="flat" cmpd="sng" algn="ctr">
-                      <a:solidFill>
-                        <a:schemeClr val="tx1">
-                          <a:lumMod val="50000"/>
-                          <a:lumOff val="50000"/>
-                        </a:schemeClr>
-                      </a:solidFill>
-                      <a:prstDash val="dash"/>
-                      <a:round/>
-                      <a:headEnd type="none" w="med" len="med"/>
-                      <a:tailEnd type="none" w="med" len="med"/>
-                    </a:lnB>
-                    <a:lnTlToBr w="12700" cmpd="sng">
-                      <a:noFill/>
-                      <a:prstDash val="solid"/>
-                    </a:lnTlToBr>
-                    <a:lnBlToTr w="12700" cmpd="sng">
-                      <a:noFill/>
-                      <a:prstDash val="solid"/>
-                    </a:lnBlToTr>
-                    <a:noFill/>
-                  </a:tcPr>
-                </a:tc>
-                <a:tc>
-                  <a:txBody>
-                    <a:bodyPr/>
-                    <a:lstStyle/>
-                    <a:p>
-                      <a:pPr marL="180975" indent="-171450" algn="l" defTabSz="914400" rtl="0" eaLnBrk="1" latinLnBrk="0" hangingPunct="1">
-                        <a:buFont typeface="Arial" panose="020B0604020202020204" pitchFamily="34" charset="0"/>
-                        <a:buChar char="•"/>
-                      </a:pPr>
-                      <a:r>
-                        <a:rPr lang="en-US" sz="1400" b="0" kern="1200" dirty="0" smtClean="0">
-                          <a:solidFill>
-                            <a:schemeClr val="dk1"/>
-                          </a:solidFill>
-                          <a:latin typeface="Arial" panose="020B0604020202020204" pitchFamily="34" charset="0"/>
-                          <a:ea typeface="+mn-ea"/>
-                          <a:cs typeface="Arial" panose="020B0604020202020204" pitchFamily="34" charset="0"/>
-                        </a:rPr>
-                        <a:t>Add commentary</a:t>
-                      </a:r>
-                    </a:p>
-                    <a:p>
-                      <a:pPr marL="180975" indent="-171450" algn="l" defTabSz="914400" rtl="0" eaLnBrk="1" latinLnBrk="0" hangingPunct="1">
-                        <a:buFont typeface="Arial" panose="020B0604020202020204" pitchFamily="34" charset="0"/>
-                        <a:buChar char="•"/>
-                      </a:pPr>
-                      <a:r>
-                        <a:rPr lang="en-US" sz="1400" b="0" kern="1200" dirty="0" smtClean="0">
-                          <a:solidFill>
-                            <a:schemeClr val="dk1"/>
-                          </a:solidFill>
-                          <a:latin typeface="Arial" panose="020B0604020202020204" pitchFamily="34" charset="0"/>
-                          <a:ea typeface="+mn-ea"/>
-                          <a:cs typeface="Arial" panose="020B0604020202020204" pitchFamily="34" charset="0"/>
-                        </a:rPr>
-                        <a:t>Add commentary</a:t>
-                      </a:r>
-                      <a:endParaRPr lang="en-US" sz="1400" b="0" kern="1200" baseline="0" dirty="0" smtClean="0">
-                        <a:solidFill>
-                          <a:schemeClr val="dk1"/>
-                        </a:solidFill>
-                        <a:latin typeface="Arial" panose="020B0604020202020204" pitchFamily="34" charset="0"/>
-                        <a:ea typeface="+mn-ea"/>
-                        <a:cs typeface="Arial" panose="020B0604020202020204" pitchFamily="34" charset="0"/>
-                      </a:endParaRPr>
-                    </a:p>
-                    <a:p>
-                      <a:pPr marL="512763" lvl="1" indent="-171450" algn="l" defTabSz="914400" rtl="0" eaLnBrk="1" latinLnBrk="0" hangingPunct="1">
-                        <a:buFont typeface="Courier New" panose="02070309020205020404" pitchFamily="49" charset="0"/>
-                        <a:buChar char="o"/>
-                      </a:pPr>
-                      <a:r>
-                        <a:rPr lang="en-US" sz="1400" b="0" kern="1200" baseline="0" dirty="0" smtClean="0">
-                          <a:solidFill>
-                            <a:schemeClr val="dk1"/>
-                          </a:solidFill>
-                          <a:latin typeface="Arial" panose="020B0604020202020204" pitchFamily="34" charset="0"/>
-                          <a:ea typeface="+mn-ea"/>
-                          <a:cs typeface="Arial" panose="020B0604020202020204" pitchFamily="34" charset="0"/>
-                        </a:rPr>
-                        <a:t>Sub-bullet format</a:t>
-                      </a:r>
-                      <a:endParaRPr lang="en-US" sz="1400" b="0" kern="1200" dirty="0" smtClean="0">
-                        <a:solidFill>
-                          <a:schemeClr val="dk1"/>
-                        </a:solidFill>
-                        <a:latin typeface="Arial" panose="020B0604020202020204" pitchFamily="34" charset="0"/>
-                        <a:ea typeface="+mn-ea"/>
-                        <a:cs typeface="Arial" panose="020B0604020202020204" pitchFamily="34" charset="0"/>
-                      </a:endParaRPr>
-                    </a:p>
-                  </a:txBody>
-                  <a:tcPr anchor="ctr">
-                    <a:lnL w="12700" cmpd="sng">
-                      <a:noFill/>
-                    </a:lnL>
-                    <a:lnR w="12700" cmpd="sng">
-                      <a:noFill/>
-                    </a:lnR>
-                    <a:lnT w="12700" cap="flat" cmpd="sng" algn="ctr">
-                      <a:solidFill>
-                        <a:schemeClr val="tx1">
-                          <a:lumMod val="50000"/>
-                          <a:lumOff val="50000"/>
-                        </a:schemeClr>
-                      </a:solidFill>
-                      <a:prstDash val="dash"/>
-                      <a:round/>
-                      <a:headEnd type="none" w="med" len="med"/>
-                      <a:tailEnd type="none" w="med" len="med"/>
-                    </a:lnT>
-                    <a:lnB w="12700" cap="flat" cmpd="sng" algn="ctr">
-                      <a:solidFill>
-                        <a:schemeClr val="tx1">
-                          <a:lumMod val="50000"/>
-                          <a:lumOff val="50000"/>
-                        </a:schemeClr>
-                      </a:solidFill>
-                      <a:prstDash val="dash"/>
-                      <a:round/>
-                      <a:headEnd type="none" w="med" len="med"/>
-                      <a:tailEnd type="none" w="med" len="med"/>
-                    </a:lnB>
-                    <a:lnTlToBr w="12700" cmpd="sng">
-                      <a:noFill/>
-                      <a:prstDash val="solid"/>
-                    </a:lnTlToBr>
-                    <a:lnBlToTr w="12700" cmpd="sng">
-                      <a:noFill/>
-                      <a:prstDash val="solid"/>
-                    </a:lnBlToTr>
-                    <a:noFill/>
-                  </a:tcPr>
-                </a:tc>
-              </a:tr>
-            </a:tbl>
-          </a:graphicData>
-        </a:graphic>
-      </p:graphicFrame>
-    </p:spTree>
-    <p:extLst>
-      <p:ext uri="{BB962C8B-B14F-4D97-AF65-F5344CB8AC3E}">
-        <p14:creationId xmlns:p14="http://schemas.microsoft.com/office/powerpoint/2010/main" val="2801170453"/>
-      </p:ext>
-    </p:extLst>
-  </p:cSld>
-  <p:clrMapOvr>
-    <a:masterClrMapping/>
-  </p:clrMapOvr>
-</p:sld>
-</file>
-
-<file path=ppt/slides/slide13.xml><?xml version="1.0" encoding="utf-8"?>
+<file path=ppt/slides/slide15.xml><?xml version="1.0" encoding="utf-8"?>
 <p:sld xmlns:a="http://schemas.openxmlformats.org/drawingml/2006/main" xmlns:r="http://schemas.openxmlformats.org/officeDocument/2006/relationships" xmlns:p="http://schemas.openxmlformats.org/presentationml/2006/main">
   <p:cSld>
     <p:spTree>
@@ -24884,7 +25787,15 @@
           <a:p>
             <a:r>
               <a:rPr lang="en-US" dirty="0" smtClean="0"/>
-              <a:t>Project Objective and Target Users (1 mins)</a:t>
+              <a:t>Project Objective and Target Users </a:t>
+            </a:r>
+            <a:r>
+              <a:rPr lang="en-US" dirty="0" smtClean="0"/>
+              <a:t>(2 </a:t>
+            </a:r>
+            <a:r>
+              <a:rPr lang="en-US" dirty="0" smtClean="0"/>
+              <a:t>mins)</a:t>
             </a:r>
           </a:p>
           <a:p>
@@ -24905,8 +25816,60 @@
             <a:pPr lvl="1"/>
             <a:r>
               <a:rPr lang="en-US" dirty="0" smtClean="0"/>
-              <a:t>Our progress as of mid-term</a:t>
-            </a:r>
+              <a:t>Our progress as of </a:t>
+            </a:r>
+            <a:r>
+              <a:rPr lang="en-US" dirty="0" smtClean="0"/>
+              <a:t>mid-term</a:t>
+            </a:r>
+          </a:p>
+          <a:p>
+            <a:r>
+              <a:rPr lang="en-US" dirty="0"/>
+              <a:t>Technology stack (and rationale) used to create end product (2 mins)</a:t>
+            </a:r>
+          </a:p>
+          <a:p>
+            <a:pPr lvl="1"/>
+            <a:r>
+              <a:rPr lang="en-US" dirty="0" err="1"/>
+              <a:t>Balsamiq</a:t>
+            </a:r>
+            <a:r>
+              <a:rPr lang="en-US" dirty="0"/>
+              <a:t> for mockups</a:t>
+            </a:r>
+          </a:p>
+          <a:p>
+            <a:pPr lvl="1"/>
+            <a:r>
+              <a:rPr lang="en-US" dirty="0" err="1"/>
+              <a:t>Highcharts</a:t>
+            </a:r>
+            <a:endParaRPr lang="en-US" dirty="0"/>
+          </a:p>
+          <a:p>
+            <a:pPr lvl="1"/>
+            <a:r>
+              <a:rPr lang="en-US" dirty="0"/>
+              <a:t>Flask</a:t>
+            </a:r>
+          </a:p>
+          <a:p>
+            <a:pPr lvl="1"/>
+            <a:r>
+              <a:rPr lang="en-US" dirty="0" err="1"/>
+              <a:t>Pythonanywhere</a:t>
+            </a:r>
+            <a:r>
+              <a:rPr lang="en-US" dirty="0"/>
+              <a:t> to </a:t>
+            </a:r>
+            <a:r>
+              <a:rPr lang="en-US" dirty="0" smtClean="0"/>
+              <a:t>host</a:t>
+            </a:r>
+            <a:endParaRPr lang="en-US" dirty="0" smtClean="0"/>
           </a:p>
           <a:p>
             <a:r>
@@ -24949,51 +25912,13 @@
             <a:pPr lvl="1"/>
             <a:r>
               <a:rPr lang="en-US" dirty="0" smtClean="0"/>
-              <a:t>3 mins for each visualization</a:t>
-            </a:r>
-          </a:p>
-          <a:p>
+              <a:t>3 mins for each </a:t>
+            </a:r>
             <a:r>
               <a:rPr lang="en-US" dirty="0" smtClean="0"/>
-              <a:t>Technology stack (and rationale) used to create end product (2 mins)</a:t>
-            </a:r>
-          </a:p>
-          <a:p>
-            <a:pPr lvl="1"/>
-            <a:r>
-              <a:rPr lang="en-US" dirty="0" err="1" smtClean="0"/>
-              <a:t>Balsamiq</a:t>
-            </a:r>
-            <a:r>
-              <a:rPr lang="en-US" dirty="0" smtClean="0"/>
-              <a:t> for mockups</a:t>
-            </a:r>
-          </a:p>
-          <a:p>
-            <a:pPr lvl="1"/>
-            <a:r>
-              <a:rPr lang="en-US" dirty="0" err="1" smtClean="0"/>
-              <a:t>Highcharts</a:t>
+              <a:t>visualization</a:t>
             </a:r>
             <a:endParaRPr lang="en-US" dirty="0" smtClean="0"/>
-          </a:p>
-          <a:p>
-            <a:pPr lvl="1"/>
-            <a:r>
-              <a:rPr lang="en-US" dirty="0" smtClean="0"/>
-              <a:t>Flask</a:t>
-            </a:r>
-          </a:p>
-          <a:p>
-            <a:pPr lvl="1"/>
-            <a:r>
-              <a:rPr lang="en-US" dirty="0" err="1" smtClean="0"/>
-              <a:t>Pythonanywhere</a:t>
-            </a:r>
-            <a:r>
-              <a:rPr lang="en-US" dirty="0" smtClean="0"/>
-              <a:t> to host</a:t>
-            </a:r>
           </a:p>
         </p:txBody>
       </p:sp>
@@ -25087,11 +26012,7 @@
             </a:r>
             <a:r>
               <a:rPr lang="en-US" dirty="0" smtClean="0"/>
-              <a:t>Padela, </a:t>
-            </a:r>
-            <a:r>
-              <a:rPr lang="en-US" dirty="0" smtClean="0"/>
-              <a:t>Roiana Reid</a:t>
+              <a:t>Padela, Roiana Reid</a:t>
             </a:r>
             <a:r>
               <a:rPr lang="en-US" dirty="0"/>
@@ -25105,15 +26026,7 @@
           <a:p>
             <a:r>
               <a:rPr lang="en-US" dirty="0" smtClean="0"/>
-              <a:t>August </a:t>
-            </a:r>
-            <a:r>
-              <a:rPr lang="en-US" dirty="0" smtClean="0"/>
-              <a:t>8, </a:t>
-            </a:r>
-            <a:r>
-              <a:rPr lang="en-US" dirty="0" smtClean="0"/>
-              <a:t>2016</a:t>
+              <a:t>August 8, 2016</a:t>
             </a:r>
             <a:endParaRPr lang="en-US" dirty="0"/>
           </a:p>
@@ -25189,7 +26102,7 @@
           <a:graphicData uri="http://schemas.openxmlformats.org/presentationml/2006/ole">
             <mc:AlternateContent xmlns:mc="http://schemas.openxmlformats.org/markup-compatibility/2006">
               <mc:Choice xmlns:v="urn:schemas-microsoft-com:vml" Requires="v">
-                <p:oleObj spid="_x0000_s34825" name="think-cell Slide" r:id="rId4" imgW="270" imgH="270" progId="TCLayout.ActiveDocument.1">
+                <p:oleObj spid="_x0000_s34832" name="think-cell Slide" r:id="rId4" imgW="270" imgH="270" progId="TCLayout.ActiveDocument.1">
                   <p:embed/>
                 </p:oleObj>
               </mc:Choice>
@@ -25633,7 +26546,7 @@
         </p:nvSpPr>
         <p:spPr>
           <a:xfrm>
-            <a:off x="1219200" y="2616200"/>
+            <a:off x="1219200" y="3886200"/>
             <a:ext cx="6642101" cy="1066800"/>
           </a:xfrm>
           <a:prstGeom prst="rect">
@@ -25689,7 +26602,7 @@
         </p:nvSpPr>
         <p:spPr>
           <a:xfrm>
-            <a:off x="1219200" y="3937000"/>
+            <a:off x="1219200" y="5181600"/>
             <a:ext cx="6642101" cy="1066800"/>
           </a:xfrm>
           <a:prstGeom prst="rect">
@@ -25745,7 +26658,7 @@
         </p:nvSpPr>
         <p:spPr>
           <a:xfrm>
-            <a:off x="1219200" y="5257800"/>
+            <a:off x="1219200" y="2590800"/>
             <a:ext cx="6642101" cy="1066800"/>
           </a:xfrm>
           <a:prstGeom prst="rect">
@@ -25816,7 +26729,7 @@
         </p:blipFill>
         <p:spPr bwMode="auto">
           <a:xfrm>
-            <a:off x="1698948" y="2722934"/>
+            <a:off x="1698948" y="3992934"/>
             <a:ext cx="853333" cy="853333"/>
           </a:xfrm>
           <a:prstGeom prst="rect">
@@ -25857,7 +26770,7 @@
         </p:blipFill>
         <p:spPr bwMode="auto">
           <a:xfrm>
-            <a:off x="1647727" y="4085317"/>
+            <a:off x="1647727" y="5329917"/>
             <a:ext cx="955774" cy="770166"/>
           </a:xfrm>
           <a:prstGeom prst="rect">
@@ -25898,7 +26811,7 @@
         </p:blipFill>
         <p:spPr bwMode="auto">
           <a:xfrm>
-            <a:off x="1725564" y="5391150"/>
+            <a:off x="1725564" y="2724150"/>
             <a:ext cx="800100" cy="800100"/>
           </a:xfrm>
           <a:prstGeom prst="rect">
@@ -25916,6 +26829,238 @@
           </a:extLst>
         </p:spPr>
       </p:pic>
+      <p:sp>
+        <p:nvSpPr>
+          <p:cNvPr id="4" name="Rectangle 3"/>
+          <p:cNvSpPr/>
+          <p:nvPr/>
+        </p:nvSpPr>
+        <p:spPr>
+          <a:xfrm>
+            <a:off x="7391400" y="2621280"/>
+            <a:ext cx="1447800" cy="533400"/>
+          </a:xfrm>
+          <a:prstGeom prst="rect">
+            <a:avLst/>
+          </a:prstGeom>
+          <a:solidFill>
+            <a:srgbClr val="FFFF00"/>
+          </a:solidFill>
+          <a:ln>
+            <a:noFill/>
+          </a:ln>
+        </p:spPr>
+        <p:style>
+          <a:lnRef idx="2">
+            <a:schemeClr val="accent1">
+              <a:shade val="50000"/>
+            </a:schemeClr>
+          </a:lnRef>
+          <a:fillRef idx="1">
+            <a:schemeClr val="accent1"/>
+          </a:fillRef>
+          <a:effectRef idx="0">
+            <a:schemeClr val="accent1"/>
+          </a:effectRef>
+          <a:fontRef idx="minor">
+            <a:schemeClr val="lt1"/>
+          </a:fontRef>
+        </p:style>
+        <p:txBody>
+          <a:bodyPr rtlCol="0" anchor="ctr"/>
+          <a:lstStyle/>
+          <a:p>
+            <a:pPr algn="ctr"/>
+            <a:r>
+              <a:rPr lang="en-US" dirty="0" smtClean="0">
+                <a:solidFill>
+                  <a:schemeClr val="tx1"/>
+                </a:solidFill>
+              </a:rPr>
+              <a:t>SP</a:t>
+            </a:r>
+            <a:endParaRPr lang="en-US" dirty="0">
+              <a:solidFill>
+                <a:schemeClr val="tx1"/>
+              </a:solidFill>
+            </a:endParaRPr>
+          </a:p>
+        </p:txBody>
+      </p:sp>
+      <p:sp>
+        <p:nvSpPr>
+          <p:cNvPr id="23" name="Rectangle 22"/>
+          <p:cNvSpPr/>
+          <p:nvPr/>
+        </p:nvSpPr>
+        <p:spPr>
+          <a:xfrm>
+            <a:off x="7391400" y="3870960"/>
+            <a:ext cx="1447800" cy="533400"/>
+          </a:xfrm>
+          <a:prstGeom prst="rect">
+            <a:avLst/>
+          </a:prstGeom>
+          <a:solidFill>
+            <a:srgbClr val="FFFF00"/>
+          </a:solidFill>
+          <a:ln>
+            <a:noFill/>
+          </a:ln>
+        </p:spPr>
+        <p:style>
+          <a:lnRef idx="2">
+            <a:schemeClr val="accent1">
+              <a:shade val="50000"/>
+            </a:schemeClr>
+          </a:lnRef>
+          <a:fillRef idx="1">
+            <a:schemeClr val="accent1"/>
+          </a:fillRef>
+          <a:effectRef idx="0">
+            <a:schemeClr val="accent1"/>
+          </a:effectRef>
+          <a:fontRef idx="minor">
+            <a:schemeClr val="lt1"/>
+          </a:fontRef>
+        </p:style>
+        <p:txBody>
+          <a:bodyPr rtlCol="0" anchor="ctr"/>
+          <a:lstStyle/>
+          <a:p>
+            <a:pPr algn="ctr"/>
+            <a:r>
+              <a:rPr lang="en-US" dirty="0" smtClean="0">
+                <a:solidFill>
+                  <a:schemeClr val="tx1"/>
+                </a:solidFill>
+              </a:rPr>
+              <a:t>AV/ RR</a:t>
+            </a:r>
+            <a:endParaRPr lang="en-US" dirty="0">
+              <a:solidFill>
+                <a:schemeClr val="tx1"/>
+              </a:solidFill>
+            </a:endParaRPr>
+          </a:p>
+        </p:txBody>
+      </p:sp>
+      <p:sp>
+        <p:nvSpPr>
+          <p:cNvPr id="24" name="Rectangle 23"/>
+          <p:cNvSpPr/>
+          <p:nvPr/>
+        </p:nvSpPr>
+        <p:spPr>
+          <a:xfrm>
+            <a:off x="7391400" y="5181600"/>
+            <a:ext cx="1447800" cy="533400"/>
+          </a:xfrm>
+          <a:prstGeom prst="rect">
+            <a:avLst/>
+          </a:prstGeom>
+          <a:solidFill>
+            <a:srgbClr val="FFFF00"/>
+          </a:solidFill>
+          <a:ln>
+            <a:noFill/>
+          </a:ln>
+        </p:spPr>
+        <p:style>
+          <a:lnRef idx="2">
+            <a:schemeClr val="accent1">
+              <a:shade val="50000"/>
+            </a:schemeClr>
+          </a:lnRef>
+          <a:fillRef idx="1">
+            <a:schemeClr val="accent1"/>
+          </a:fillRef>
+          <a:effectRef idx="0">
+            <a:schemeClr val="accent1"/>
+          </a:effectRef>
+          <a:fontRef idx="minor">
+            <a:schemeClr val="lt1"/>
+          </a:fontRef>
+        </p:style>
+        <p:txBody>
+          <a:bodyPr rtlCol="0" anchor="ctr"/>
+          <a:lstStyle/>
+          <a:p>
+            <a:pPr algn="ctr"/>
+            <a:r>
+              <a:rPr lang="en-US" dirty="0" smtClean="0">
+                <a:solidFill>
+                  <a:schemeClr val="tx1"/>
+                </a:solidFill>
+              </a:rPr>
+              <a:t>SP/ RR</a:t>
+            </a:r>
+            <a:endParaRPr lang="en-US" dirty="0">
+              <a:solidFill>
+                <a:schemeClr val="tx1"/>
+              </a:solidFill>
+            </a:endParaRPr>
+          </a:p>
+        </p:txBody>
+      </p:sp>
+      <p:sp>
+        <p:nvSpPr>
+          <p:cNvPr id="25" name="Rectangle 24"/>
+          <p:cNvSpPr/>
+          <p:nvPr/>
+        </p:nvSpPr>
+        <p:spPr>
+          <a:xfrm>
+            <a:off x="7391400" y="1295400"/>
+            <a:ext cx="1447800" cy="533400"/>
+          </a:xfrm>
+          <a:prstGeom prst="rect">
+            <a:avLst/>
+          </a:prstGeom>
+          <a:solidFill>
+            <a:srgbClr val="FFFF00"/>
+          </a:solidFill>
+          <a:ln>
+            <a:noFill/>
+          </a:ln>
+        </p:spPr>
+        <p:style>
+          <a:lnRef idx="2">
+            <a:schemeClr val="accent1">
+              <a:shade val="50000"/>
+            </a:schemeClr>
+          </a:lnRef>
+          <a:fillRef idx="1">
+            <a:schemeClr val="accent1"/>
+          </a:fillRef>
+          <a:effectRef idx="0">
+            <a:schemeClr val="accent1"/>
+          </a:effectRef>
+          <a:fontRef idx="minor">
+            <a:schemeClr val="lt1"/>
+          </a:fontRef>
+        </p:style>
+        <p:txBody>
+          <a:bodyPr rtlCol="0" anchor="ctr"/>
+          <a:lstStyle/>
+          <a:p>
+            <a:pPr algn="ctr"/>
+            <a:r>
+              <a:rPr lang="en-US" dirty="0" smtClean="0">
+                <a:solidFill>
+                  <a:schemeClr val="tx1"/>
+                </a:solidFill>
+              </a:rPr>
+              <a:t>AV</a:t>
+            </a:r>
+            <a:endParaRPr lang="en-US" dirty="0">
+              <a:solidFill>
+                <a:schemeClr val="tx1"/>
+              </a:solidFill>
+            </a:endParaRPr>
+          </a:p>
+        </p:txBody>
+      </p:sp>
     </p:spTree>
     <p:extLst>
       <p:ext uri="{BB962C8B-B14F-4D97-AF65-F5344CB8AC3E}">
@@ -26029,11 +27174,6 @@
               </a:rPr>
               <a:t>Project Objective</a:t>
             </a:r>
-            <a:endParaRPr lang="en-US" sz="1400" b="1" dirty="0" smtClean="0">
-              <a:solidFill>
-                <a:srgbClr val="000000"/>
-              </a:solidFill>
-            </a:endParaRPr>
           </a:p>
         </p:txBody>
       </p:sp>
@@ -30139,6 +31279,1549 @@
           <a:p>
             <a:r>
               <a:rPr lang="en-US" b="1" dirty="0" smtClean="0"/>
+              <a:t>A few technology choices were fundamental </a:t>
+            </a:r>
+            <a:br>
+              <a:rPr lang="en-US" b="1" dirty="0" smtClean="0"/>
+            </a:br>
+            <a:r>
+              <a:rPr lang="en-US" b="1" dirty="0" smtClean="0"/>
+              <a:t>to building our final visualization</a:t>
+            </a:r>
+            <a:endParaRPr lang="en-US" b="1" dirty="0"/>
+          </a:p>
+        </p:txBody>
+      </p:sp>
+      <p:sp>
+        <p:nvSpPr>
+          <p:cNvPr id="4" name="Rectangle 3"/>
+          <p:cNvSpPr/>
+          <p:nvPr/>
+        </p:nvSpPr>
+        <p:spPr>
+          <a:xfrm>
+            <a:off x="7467600" y="76200"/>
+            <a:ext cx="1594104" cy="304800"/>
+          </a:xfrm>
+          <a:prstGeom prst="rect">
+            <a:avLst/>
+          </a:prstGeom>
+          <a:solidFill>
+            <a:schemeClr val="accent4"/>
+          </a:solidFill>
+          <a:ln>
+            <a:noFill/>
+          </a:ln>
+          <a:effectLst>
+            <a:outerShdw blurRad="50800" dist="38100" dir="2700000" algn="tl" rotWithShape="0">
+              <a:prstClr val="black">
+                <a:alpha val="40000"/>
+              </a:prstClr>
+            </a:outerShdw>
+          </a:effectLst>
+        </p:spPr>
+        <p:style>
+          <a:lnRef idx="2">
+            <a:schemeClr val="accent1">
+              <a:shade val="50000"/>
+            </a:schemeClr>
+          </a:lnRef>
+          <a:fillRef idx="1">
+            <a:schemeClr val="accent1"/>
+          </a:fillRef>
+          <a:effectRef idx="0">
+            <a:schemeClr val="accent1"/>
+          </a:effectRef>
+          <a:fontRef idx="minor">
+            <a:schemeClr val="lt1"/>
+          </a:fontRef>
+        </p:style>
+        <p:txBody>
+          <a:bodyPr rtlCol="0" anchor="ctr"/>
+          <a:lstStyle/>
+          <a:p>
+            <a:pPr marL="285750"/>
+            <a:r>
+              <a:rPr lang="en-US" sz="1200" b="1" dirty="0"/>
+              <a:t>  </a:t>
+            </a:r>
+            <a:r>
+              <a:rPr lang="en-US" sz="1200" b="1" dirty="0" smtClean="0"/>
+              <a:t>Technology</a:t>
+            </a:r>
+            <a:endParaRPr lang="en-US" sz="1200" b="1" dirty="0"/>
+          </a:p>
+        </p:txBody>
+      </p:sp>
+      <p:pic>
+        <p:nvPicPr>
+          <p:cNvPr id="6" name="Picture 27" descr="C:\Users\venjaraa\Desktop\bw-stacks.png"/>
+          <p:cNvPicPr>
+            <a:picLocks noChangeAspect="1" noChangeArrowheads="1"/>
+          </p:cNvPicPr>
+          <p:nvPr/>
+        </p:nvPicPr>
+        <p:blipFill>
+          <a:blip r:embed="rId2" cstate="print">
+            <a:extLst>
+              <a:ext uri="{28A0092B-C50C-407E-A947-70E740481C1C}">
+                <a14:useLocalDpi xmlns:a14="http://schemas.microsoft.com/office/drawing/2010/main" val="0"/>
+              </a:ext>
+            </a:extLst>
+          </a:blip>
+          <a:srcRect/>
+          <a:stretch>
+            <a:fillRect/>
+          </a:stretch>
+        </p:blipFill>
+        <p:spPr bwMode="auto">
+          <a:xfrm>
+            <a:off x="7570473" y="125730"/>
+            <a:ext cx="228600" cy="228600"/>
+          </a:xfrm>
+          <a:prstGeom prst="rect">
+            <a:avLst/>
+          </a:prstGeom>
+          <a:noFill/>
+          <a:extLst>
+            <a:ext uri="{909E8E84-426E-40DD-AFC4-6F175D3DCCD1}">
+              <a14:hiddenFill xmlns:a14="http://schemas.microsoft.com/office/drawing/2010/main">
+                <a:solidFill>
+                  <a:srgbClr val="FFFFFF"/>
+                </a:solidFill>
+              </a14:hiddenFill>
+            </a:ext>
+          </a:extLst>
+        </p:spPr>
+      </p:pic>
+      <p:graphicFrame>
+        <p:nvGraphicFramePr>
+          <p:cNvPr id="8" name="Table 7"/>
+          <p:cNvGraphicFramePr>
+            <a:graphicFrameLocks noGrp="1"/>
+          </p:cNvGraphicFramePr>
+          <p:nvPr>
+            <p:extLst>
+              <p:ext uri="{D42A27DB-BD31-4B8C-83A1-F6EECF244321}">
+                <p14:modId xmlns:p14="http://schemas.microsoft.com/office/powerpoint/2010/main" val="1746620019"/>
+              </p:ext>
+            </p:extLst>
+          </p:nvPr>
+        </p:nvGraphicFramePr>
+        <p:xfrm>
+          <a:off x="380997" y="1544316"/>
+          <a:ext cx="8610603" cy="4399284"/>
+        </p:xfrm>
+        <a:graphic>
+          <a:graphicData uri="http://schemas.openxmlformats.org/drawingml/2006/table">
+            <a:tbl>
+              <a:tblPr firstRow="1" bandRow="1">
+                <a:tableStyleId>{5C22544A-7EE6-4342-B048-85BDC9FD1C3A}</a:tableStyleId>
+              </a:tblPr>
+              <a:tblGrid>
+                <a:gridCol w="1447803">
+                  <a:extLst>
+                    <a:ext uri="{9D8B030D-6E8A-4147-A177-3AD203B41FA5}">
+                      <a16:colId xmlns:a16="http://schemas.microsoft.com/office/drawing/2014/main" xmlns="" val="20000"/>
+                    </a:ext>
+                  </a:extLst>
+                </a:gridCol>
+                <a:gridCol w="76200"/>
+                <a:gridCol w="1600200">
+                  <a:extLst>
+                    <a:ext uri="{9D8B030D-6E8A-4147-A177-3AD203B41FA5}">
+                      <a16:colId xmlns:a16="http://schemas.microsoft.com/office/drawing/2014/main" xmlns="" val="20001"/>
+                    </a:ext>
+                  </a:extLst>
+                </a:gridCol>
+                <a:gridCol w="228600"/>
+                <a:gridCol w="5257800"/>
+              </a:tblGrid>
+              <a:tr h="293861">
+                <a:tc>
+                  <a:txBody>
+                    <a:bodyPr/>
+                    <a:lstStyle/>
+                    <a:p>
+                      <a:r>
+                        <a:rPr lang="en-US" sz="1400" b="1" dirty="0" smtClean="0">
+                          <a:solidFill>
+                            <a:schemeClr val="tx1"/>
+                          </a:solidFill>
+                        </a:rPr>
+                        <a:t>Function</a:t>
+                      </a:r>
+                      <a:endParaRPr lang="en-US" sz="1400" b="1" dirty="0">
+                        <a:solidFill>
+                          <a:schemeClr val="tx1"/>
+                        </a:solidFill>
+                      </a:endParaRPr>
+                    </a:p>
+                  </a:txBody>
+                  <a:tcPr anchor="b">
+                    <a:lnB w="12700" cap="flat" cmpd="sng" algn="ctr">
+                      <a:solidFill>
+                        <a:schemeClr val="accent1"/>
+                      </a:solidFill>
+                      <a:prstDash val="solid"/>
+                      <a:round/>
+                      <a:headEnd type="none" w="med" len="med"/>
+                      <a:tailEnd type="none" w="med" len="med"/>
+                    </a:lnB>
+                    <a:noFill/>
+                  </a:tcPr>
+                </a:tc>
+                <a:tc>
+                  <a:txBody>
+                    <a:bodyPr/>
+                    <a:lstStyle/>
+                    <a:p>
+                      <a:endParaRPr lang="en-US" sz="1400" b="1" dirty="0">
+                        <a:solidFill>
+                          <a:schemeClr val="tx1"/>
+                        </a:solidFill>
+                      </a:endParaRPr>
+                    </a:p>
+                  </a:txBody>
+                  <a:tcPr marL="18288" marR="18288" anchor="b">
+                    <a:lnB w="28575" cap="flat" cmpd="sng" algn="ctr">
+                      <a:solidFill>
+                        <a:schemeClr val="bg2"/>
+                      </a:solidFill>
+                      <a:prstDash val="solid"/>
+                      <a:round/>
+                      <a:headEnd type="none" w="med" len="med"/>
+                      <a:tailEnd type="none" w="med" len="med"/>
+                    </a:lnB>
+                    <a:noFill/>
+                  </a:tcPr>
+                </a:tc>
+                <a:tc>
+                  <a:txBody>
+                    <a:bodyPr/>
+                    <a:lstStyle/>
+                    <a:p>
+                      <a:r>
+                        <a:rPr lang="en-US" sz="1400" b="1" dirty="0" smtClean="0">
+                          <a:solidFill>
+                            <a:schemeClr val="tx1"/>
+                          </a:solidFill>
+                        </a:rPr>
+                        <a:t>Technology</a:t>
+                      </a:r>
+                      <a:endParaRPr lang="en-US" sz="1400" b="1" dirty="0">
+                        <a:solidFill>
+                          <a:schemeClr val="tx1"/>
+                        </a:solidFill>
+                      </a:endParaRPr>
+                    </a:p>
+                  </a:txBody>
+                  <a:tcPr anchor="b">
+                    <a:lnR w="12700" cmpd="sng">
+                      <a:noFill/>
+                    </a:lnR>
+                    <a:lnB w="12700" cap="flat" cmpd="sng" algn="ctr">
+                      <a:solidFill>
+                        <a:schemeClr val="accent1"/>
+                      </a:solidFill>
+                      <a:prstDash val="solid"/>
+                      <a:round/>
+                      <a:headEnd type="none" w="med" len="med"/>
+                      <a:tailEnd type="none" w="med" len="med"/>
+                    </a:lnB>
+                    <a:noFill/>
+                  </a:tcPr>
+                </a:tc>
+                <a:tc>
+                  <a:txBody>
+                    <a:bodyPr/>
+                    <a:lstStyle/>
+                    <a:p>
+                      <a:endParaRPr lang="en-US" sz="1400" b="1" dirty="0">
+                        <a:solidFill>
+                          <a:schemeClr val="tx1"/>
+                        </a:solidFill>
+                      </a:endParaRPr>
+                    </a:p>
+                  </a:txBody>
+                  <a:tcPr anchor="b">
+                    <a:lnL w="12700" cmpd="sng">
+                      <a:noFill/>
+                    </a:lnL>
+                    <a:lnR w="12700" cmpd="sng">
+                      <a:noFill/>
+                    </a:lnR>
+                    <a:lnT w="12700" cmpd="sng">
+                      <a:noFill/>
+                    </a:lnT>
+                    <a:lnB w="12700" cap="flat" cmpd="sng" algn="ctr">
+                      <a:noFill/>
+                      <a:prstDash val="solid"/>
+                      <a:round/>
+                      <a:headEnd type="none" w="med" len="med"/>
+                      <a:tailEnd type="none" w="med" len="med"/>
+                    </a:lnB>
+                    <a:lnTlToBr w="12700" cmpd="sng">
+                      <a:noFill/>
+                      <a:prstDash val="solid"/>
+                    </a:lnTlToBr>
+                    <a:lnBlToTr w="12700" cmpd="sng">
+                      <a:noFill/>
+                      <a:prstDash val="solid"/>
+                    </a:lnBlToTr>
+                    <a:noFill/>
+                  </a:tcPr>
+                </a:tc>
+                <a:tc>
+                  <a:txBody>
+                    <a:bodyPr/>
+                    <a:lstStyle/>
+                    <a:p>
+                      <a:r>
+                        <a:rPr lang="en-US" sz="1400" b="1" dirty="0" smtClean="0">
+                          <a:solidFill>
+                            <a:schemeClr val="tx1"/>
+                          </a:solidFill>
+                        </a:rPr>
+                        <a:t>Rationale</a:t>
+                      </a:r>
+                      <a:endParaRPr lang="en-US" sz="1400" b="1" dirty="0">
+                        <a:solidFill>
+                          <a:schemeClr val="tx1"/>
+                        </a:solidFill>
+                      </a:endParaRPr>
+                    </a:p>
+                  </a:txBody>
+                  <a:tcPr anchor="b">
+                    <a:lnL w="12700" cmpd="sng">
+                      <a:noFill/>
+                    </a:lnL>
+                    <a:lnR w="12700" cmpd="sng">
+                      <a:noFill/>
+                    </a:lnR>
+                    <a:lnB w="12700" cap="flat" cmpd="sng" algn="ctr">
+                      <a:solidFill>
+                        <a:schemeClr val="accent1"/>
+                      </a:solidFill>
+                      <a:prstDash val="solid"/>
+                      <a:round/>
+                      <a:headEnd type="none" w="med" len="med"/>
+                      <a:tailEnd type="none" w="med" len="med"/>
+                    </a:lnB>
+                    <a:noFill/>
+                  </a:tcPr>
+                </a:tc>
+                <a:extLst>
+                  <a:ext uri="{0D108BD9-81ED-4DB2-BD59-A6C34878D82A}">
+                    <a16:rowId xmlns:a16="http://schemas.microsoft.com/office/drawing/2014/main" xmlns="" val="10000"/>
+                  </a:ext>
+                </a:extLst>
+              </a:tr>
+              <a:tr h="137313">
+                <a:tc>
+                  <a:txBody>
+                    <a:bodyPr/>
+                    <a:lstStyle/>
+                    <a:p>
+                      <a:pPr marL="0" marR="0" indent="0" algn="l" defTabSz="914400" rtl="0" eaLnBrk="1" fontAlgn="auto" latinLnBrk="0" hangingPunct="1">
+                        <a:lnSpc>
+                          <a:spcPct val="100000"/>
+                        </a:lnSpc>
+                        <a:spcBef>
+                          <a:spcPts val="0"/>
+                        </a:spcBef>
+                        <a:spcAft>
+                          <a:spcPts val="0"/>
+                        </a:spcAft>
+                        <a:buClrTx/>
+                        <a:buSzTx/>
+                        <a:buFont typeface="Arial" panose="020B0604020202020204" pitchFamily="34" charset="0"/>
+                        <a:buNone/>
+                        <a:tabLst/>
+                        <a:defRPr/>
+                      </a:pPr>
+                      <a:endParaRPr lang="en-US" sz="400" b="1" dirty="0" smtClean="0"/>
+                    </a:p>
+                  </a:txBody>
+                  <a:tcPr>
+                    <a:lnT w="12700" cap="flat" cmpd="sng" algn="ctr">
+                      <a:solidFill>
+                        <a:schemeClr val="accent1"/>
+                      </a:solidFill>
+                      <a:prstDash val="solid"/>
+                      <a:round/>
+                      <a:headEnd type="none" w="med" len="med"/>
+                      <a:tailEnd type="none" w="med" len="med"/>
+                    </a:lnT>
+                    <a:lnB w="12700" cap="flat" cmpd="sng" algn="ctr">
+                      <a:noFill/>
+                      <a:prstDash val="solid"/>
+                      <a:round/>
+                      <a:headEnd type="none" w="med" len="med"/>
+                      <a:tailEnd type="none" w="med" len="med"/>
+                    </a:lnB>
+                    <a:noFill/>
+                  </a:tcPr>
+                </a:tc>
+                <a:tc>
+                  <a:txBody>
+                    <a:bodyPr/>
+                    <a:lstStyle/>
+                    <a:p>
+                      <a:pPr marL="171450" indent="-171450">
+                        <a:buFont typeface="Arial" panose="020B0604020202020204" pitchFamily="34" charset="0"/>
+                        <a:buChar char="•"/>
+                      </a:pPr>
+                      <a:endParaRPr lang="en-US" sz="400" dirty="0" smtClean="0"/>
+                    </a:p>
+                  </a:txBody>
+                  <a:tcPr marL="18288" marR="18288">
+                    <a:lnT w="28575" cap="flat" cmpd="sng" algn="ctr">
+                      <a:solidFill>
+                        <a:schemeClr val="bg2"/>
+                      </a:solidFill>
+                      <a:prstDash val="solid"/>
+                      <a:round/>
+                      <a:headEnd type="none" w="med" len="med"/>
+                      <a:tailEnd type="none" w="med" len="med"/>
+                    </a:lnT>
+                    <a:lnB w="12700" cap="flat" cmpd="sng" algn="ctr">
+                      <a:noFill/>
+                      <a:prstDash val="solid"/>
+                      <a:round/>
+                      <a:headEnd type="none" w="med" len="med"/>
+                      <a:tailEnd type="none" w="med" len="med"/>
+                    </a:lnB>
+                    <a:noFill/>
+                  </a:tcPr>
+                </a:tc>
+                <a:tc>
+                  <a:txBody>
+                    <a:bodyPr/>
+                    <a:lstStyle/>
+                    <a:p>
+                      <a:pPr marL="0" indent="0">
+                        <a:buFont typeface="Arial" charset="0"/>
+                        <a:buNone/>
+                      </a:pPr>
+                      <a:endParaRPr lang="en-US" sz="400" baseline="0" dirty="0" smtClean="0"/>
+                    </a:p>
+                  </a:txBody>
+                  <a:tcPr>
+                    <a:lnT w="12700" cap="flat" cmpd="sng" algn="ctr">
+                      <a:solidFill>
+                        <a:schemeClr val="accent1"/>
+                      </a:solidFill>
+                      <a:prstDash val="solid"/>
+                      <a:round/>
+                      <a:headEnd type="none" w="med" len="med"/>
+                      <a:tailEnd type="none" w="med" len="med"/>
+                    </a:lnT>
+                    <a:lnB w="12700" cap="flat" cmpd="sng" algn="ctr">
+                      <a:noFill/>
+                      <a:prstDash val="solid"/>
+                      <a:round/>
+                      <a:headEnd type="none" w="med" len="med"/>
+                      <a:tailEnd type="none" w="med" len="med"/>
+                    </a:lnB>
+                    <a:noFill/>
+                  </a:tcPr>
+                </a:tc>
+                <a:tc>
+                  <a:txBody>
+                    <a:bodyPr/>
+                    <a:lstStyle/>
+                    <a:p>
+                      <a:pPr marL="0" indent="0">
+                        <a:buFont typeface="Arial" charset="0"/>
+                        <a:buNone/>
+                      </a:pPr>
+                      <a:endParaRPr lang="en-US" sz="400" baseline="0" dirty="0" smtClean="0"/>
+                    </a:p>
+                  </a:txBody>
+                  <a:tcPr>
+                    <a:lnT w="12700" cap="flat" cmpd="sng" algn="ctr">
+                      <a:noFill/>
+                      <a:prstDash val="solid"/>
+                      <a:round/>
+                      <a:headEnd type="none" w="med" len="med"/>
+                      <a:tailEnd type="none" w="med" len="med"/>
+                    </a:lnT>
+                    <a:lnB w="12700" cap="flat" cmpd="sng" algn="ctr">
+                      <a:noFill/>
+                      <a:prstDash val="solid"/>
+                      <a:round/>
+                      <a:headEnd type="none" w="med" len="med"/>
+                      <a:tailEnd type="none" w="med" len="med"/>
+                    </a:lnB>
+                    <a:noFill/>
+                  </a:tcPr>
+                </a:tc>
+                <a:tc>
+                  <a:txBody>
+                    <a:bodyPr/>
+                    <a:lstStyle/>
+                    <a:p>
+                      <a:pPr marL="0" indent="0">
+                        <a:buFont typeface="Arial" charset="0"/>
+                        <a:buNone/>
+                      </a:pPr>
+                      <a:endParaRPr lang="en-US" sz="400" baseline="0" dirty="0" smtClean="0"/>
+                    </a:p>
+                  </a:txBody>
+                  <a:tcPr>
+                    <a:lnT w="12700" cap="flat" cmpd="sng" algn="ctr">
+                      <a:solidFill>
+                        <a:schemeClr val="accent1"/>
+                      </a:solidFill>
+                      <a:prstDash val="solid"/>
+                      <a:round/>
+                      <a:headEnd type="none" w="med" len="med"/>
+                      <a:tailEnd type="none" w="med" len="med"/>
+                    </a:lnT>
+                    <a:lnB w="12700" cap="flat" cmpd="sng" algn="ctr">
+                      <a:noFill/>
+                      <a:prstDash val="solid"/>
+                      <a:round/>
+                      <a:headEnd type="none" w="med" len="med"/>
+                      <a:tailEnd type="none" w="med" len="med"/>
+                    </a:lnB>
+                    <a:noFill/>
+                  </a:tcPr>
+                </a:tc>
+                <a:extLst>
+                  <a:ext uri="{0D108BD9-81ED-4DB2-BD59-A6C34878D82A}">
+                    <a16:rowId xmlns:a16="http://schemas.microsoft.com/office/drawing/2014/main" xmlns="" val="10002"/>
+                  </a:ext>
+                </a:extLst>
+              </a:tr>
+              <a:tr h="985977">
+                <a:tc>
+                  <a:txBody>
+                    <a:bodyPr/>
+                    <a:lstStyle/>
+                    <a:p>
+                      <a:pPr marL="0" marR="0" indent="0" algn="l" defTabSz="914400" rtl="0" eaLnBrk="1" fontAlgn="auto" latinLnBrk="0" hangingPunct="1">
+                        <a:lnSpc>
+                          <a:spcPct val="100000"/>
+                        </a:lnSpc>
+                        <a:spcBef>
+                          <a:spcPts val="0"/>
+                        </a:spcBef>
+                        <a:spcAft>
+                          <a:spcPts val="0"/>
+                        </a:spcAft>
+                        <a:buClrTx/>
+                        <a:buSzTx/>
+                        <a:buFont typeface="Arial" panose="020B0604020202020204" pitchFamily="34" charset="0"/>
+                        <a:buNone/>
+                        <a:tabLst/>
+                        <a:defRPr/>
+                      </a:pPr>
+                      <a:r>
+                        <a:rPr lang="en-US" sz="1600" b="1" dirty="0" smtClean="0">
+                          <a:solidFill>
+                            <a:schemeClr val="bg2"/>
+                          </a:solidFill>
+                        </a:rPr>
+                        <a:t>Visualization</a:t>
+                      </a:r>
+                    </a:p>
+                  </a:txBody>
+                  <a:tcPr anchor="ctr">
+                    <a:lnT w="28575" cap="flat" cmpd="sng" algn="ctr">
+                      <a:noFill/>
+                      <a:prstDash val="solid"/>
+                      <a:round/>
+                      <a:headEnd type="none" w="med" len="med"/>
+                      <a:tailEnd type="none" w="med" len="med"/>
+                    </a:lnT>
+                    <a:lnB w="28575" cap="flat" cmpd="sng" algn="ctr">
+                      <a:solidFill>
+                        <a:schemeClr val="bg2"/>
+                      </a:solidFill>
+                      <a:prstDash val="solid"/>
+                      <a:round/>
+                      <a:headEnd type="none" w="med" len="med"/>
+                      <a:tailEnd type="none" w="med" len="med"/>
+                    </a:lnB>
+                    <a:solidFill>
+                      <a:schemeClr val="accent4"/>
+                    </a:solidFill>
+                  </a:tcPr>
+                </a:tc>
+                <a:tc>
+                  <a:txBody>
+                    <a:bodyPr/>
+                    <a:lstStyle/>
+                    <a:p>
+                      <a:pPr marL="171450" indent="-171450">
+                        <a:buFont typeface="Arial" panose="020B0604020202020204" pitchFamily="34" charset="0"/>
+                        <a:buChar char="•"/>
+                      </a:pPr>
+                      <a:endParaRPr lang="en-US" sz="1200" dirty="0" smtClean="0"/>
+                    </a:p>
+                  </a:txBody>
+                  <a:tcPr marL="18288" marR="18288" anchor="ctr">
+                    <a:lnT w="12700" cap="flat" cmpd="sng" algn="ctr">
+                      <a:noFill/>
+                      <a:prstDash val="solid"/>
+                      <a:round/>
+                      <a:headEnd type="none" w="med" len="med"/>
+                      <a:tailEnd type="none" w="med" len="med"/>
+                    </a:lnT>
+                    <a:lnB w="12700" cap="flat" cmpd="sng" algn="ctr">
+                      <a:solidFill>
+                        <a:schemeClr val="tx1">
+                          <a:lumMod val="50000"/>
+                          <a:lumOff val="50000"/>
+                        </a:schemeClr>
+                      </a:solidFill>
+                      <a:prstDash val="dash"/>
+                      <a:round/>
+                      <a:headEnd type="none" w="med" len="med"/>
+                      <a:tailEnd type="none" w="med" len="med"/>
+                    </a:lnB>
+                    <a:noFill/>
+                  </a:tcPr>
+                </a:tc>
+                <a:tc>
+                  <a:txBody>
+                    <a:bodyPr/>
+                    <a:lstStyle/>
+                    <a:p>
+                      <a:pPr marL="0" marR="0" indent="0" algn="l" defTabSz="914400" rtl="0" eaLnBrk="1" fontAlgn="auto" latinLnBrk="0" hangingPunct="1">
+                        <a:lnSpc>
+                          <a:spcPct val="100000"/>
+                        </a:lnSpc>
+                        <a:spcBef>
+                          <a:spcPts val="0"/>
+                        </a:spcBef>
+                        <a:spcAft>
+                          <a:spcPts val="0"/>
+                        </a:spcAft>
+                        <a:buClrTx/>
+                        <a:buSzTx/>
+                        <a:buFont typeface="Arial" panose="020B0604020202020204" pitchFamily="34" charset="0"/>
+                        <a:buNone/>
+                        <a:tabLst/>
+                        <a:defRPr/>
+                      </a:pPr>
+                      <a:r>
+                        <a:rPr lang="en-US" sz="1400" b="0" baseline="0" dirty="0" err="1" smtClean="0"/>
+                        <a:t>Highcharts</a:t>
+                      </a:r>
+                      <a:r>
+                        <a:rPr lang="en-US" sz="1400" b="0" baseline="0" dirty="0" smtClean="0"/>
+                        <a:t> / </a:t>
+                      </a:r>
+                      <a:r>
+                        <a:rPr lang="en-US" sz="1400" b="0" baseline="0" dirty="0" err="1" smtClean="0"/>
+                        <a:t>Highstock</a:t>
+                      </a:r>
+                      <a:endParaRPr lang="en-US" sz="1400" b="0" baseline="0" dirty="0" smtClean="0"/>
+                    </a:p>
+                  </a:txBody>
+                  <a:tcPr anchor="ctr">
+                    <a:lnT w="12700" cap="flat" cmpd="sng" algn="ctr">
+                      <a:noFill/>
+                      <a:prstDash val="solid"/>
+                      <a:round/>
+                      <a:headEnd type="none" w="med" len="med"/>
+                      <a:tailEnd type="none" w="med" len="med"/>
+                    </a:lnT>
+                    <a:lnB w="12700" cap="flat" cmpd="sng" algn="ctr">
+                      <a:solidFill>
+                        <a:schemeClr val="tx1">
+                          <a:lumMod val="50000"/>
+                          <a:lumOff val="50000"/>
+                        </a:schemeClr>
+                      </a:solidFill>
+                      <a:prstDash val="dash"/>
+                      <a:round/>
+                      <a:headEnd type="none" w="med" len="med"/>
+                      <a:tailEnd type="none" w="med" len="med"/>
+                    </a:lnB>
+                    <a:noFill/>
+                  </a:tcPr>
+                </a:tc>
+                <a:tc>
+                  <a:txBody>
+                    <a:bodyPr/>
+                    <a:lstStyle/>
+                    <a:p>
+                      <a:endParaRPr lang="en-US" sz="1100" baseline="0" dirty="0" smtClean="0"/>
+                    </a:p>
+                  </a:txBody>
+                  <a:tcPr anchor="ctr">
+                    <a:lnT w="12700" cap="flat" cmpd="sng" algn="ctr">
+                      <a:noFill/>
+                      <a:prstDash val="solid"/>
+                      <a:round/>
+                      <a:headEnd type="none" w="med" len="med"/>
+                      <a:tailEnd type="none" w="med" len="med"/>
+                    </a:lnT>
+                    <a:lnB w="12700" cap="flat" cmpd="sng" algn="ctr">
+                      <a:solidFill>
+                        <a:schemeClr val="tx1">
+                          <a:lumMod val="50000"/>
+                          <a:lumOff val="50000"/>
+                        </a:schemeClr>
+                      </a:solidFill>
+                      <a:prstDash val="dash"/>
+                      <a:round/>
+                      <a:headEnd type="none" w="med" len="med"/>
+                      <a:tailEnd type="none" w="med" len="med"/>
+                    </a:lnB>
+                    <a:noFill/>
+                  </a:tcPr>
+                </a:tc>
+                <a:tc>
+                  <a:txBody>
+                    <a:bodyPr/>
+                    <a:lstStyle/>
+                    <a:p>
+                      <a:pPr marL="180975" indent="-171450" algn="l" defTabSz="914400" rtl="0" eaLnBrk="1" latinLnBrk="0" hangingPunct="1">
+                        <a:buFont typeface="Arial" panose="020B0604020202020204" pitchFamily="34" charset="0"/>
+                        <a:buChar char="•"/>
+                      </a:pPr>
+                      <a:r>
+                        <a:rPr lang="en-US" sz="1400" b="0" kern="1200" dirty="0" smtClean="0">
+                          <a:solidFill>
+                            <a:schemeClr val="dk1"/>
+                          </a:solidFill>
+                          <a:latin typeface="Arial" panose="020B0604020202020204" pitchFamily="34" charset="0"/>
+                          <a:ea typeface="+mn-ea"/>
+                          <a:cs typeface="Arial" panose="020B0604020202020204" pitchFamily="34" charset="0"/>
+                        </a:rPr>
+                        <a:t>Add commentary</a:t>
+                      </a:r>
+                    </a:p>
+                    <a:p>
+                      <a:pPr marL="180975" indent="-171450" algn="l" defTabSz="914400" rtl="0" eaLnBrk="1" latinLnBrk="0" hangingPunct="1">
+                        <a:buFont typeface="Arial" panose="020B0604020202020204" pitchFamily="34" charset="0"/>
+                        <a:buChar char="•"/>
+                      </a:pPr>
+                      <a:r>
+                        <a:rPr lang="en-US" sz="1400" b="0" kern="1200" dirty="0" smtClean="0">
+                          <a:solidFill>
+                            <a:schemeClr val="dk1"/>
+                          </a:solidFill>
+                          <a:latin typeface="Arial" panose="020B0604020202020204" pitchFamily="34" charset="0"/>
+                          <a:ea typeface="+mn-ea"/>
+                          <a:cs typeface="Arial" panose="020B0604020202020204" pitchFamily="34" charset="0"/>
+                        </a:rPr>
+                        <a:t>Add commentary</a:t>
+                      </a:r>
+                      <a:endParaRPr lang="en-US" sz="1400" b="0" kern="1200" baseline="0" dirty="0" smtClean="0">
+                        <a:solidFill>
+                          <a:schemeClr val="dk1"/>
+                        </a:solidFill>
+                        <a:latin typeface="Arial" panose="020B0604020202020204" pitchFamily="34" charset="0"/>
+                        <a:ea typeface="+mn-ea"/>
+                        <a:cs typeface="Arial" panose="020B0604020202020204" pitchFamily="34" charset="0"/>
+                      </a:endParaRPr>
+                    </a:p>
+                    <a:p>
+                      <a:pPr marL="512763" lvl="1" indent="-171450" algn="l" defTabSz="914400" rtl="0" eaLnBrk="1" latinLnBrk="0" hangingPunct="1">
+                        <a:buFont typeface="Courier New" panose="02070309020205020404" pitchFamily="49" charset="0"/>
+                        <a:buChar char="o"/>
+                      </a:pPr>
+                      <a:r>
+                        <a:rPr lang="en-US" sz="1400" b="0" kern="1200" baseline="0" dirty="0" smtClean="0">
+                          <a:solidFill>
+                            <a:schemeClr val="dk1"/>
+                          </a:solidFill>
+                          <a:latin typeface="Arial" panose="020B0604020202020204" pitchFamily="34" charset="0"/>
+                          <a:ea typeface="+mn-ea"/>
+                          <a:cs typeface="Arial" panose="020B0604020202020204" pitchFamily="34" charset="0"/>
+                        </a:rPr>
+                        <a:t>Sub-bullet format</a:t>
+                      </a:r>
+                      <a:endParaRPr lang="en-US" sz="1400" b="0" kern="1200" dirty="0" smtClean="0">
+                        <a:solidFill>
+                          <a:schemeClr val="dk1"/>
+                        </a:solidFill>
+                        <a:latin typeface="Arial" panose="020B0604020202020204" pitchFamily="34" charset="0"/>
+                        <a:ea typeface="+mn-ea"/>
+                        <a:cs typeface="Arial" panose="020B0604020202020204" pitchFamily="34" charset="0"/>
+                      </a:endParaRPr>
+                    </a:p>
+                  </a:txBody>
+                  <a:tcPr anchor="ctr">
+                    <a:lnT w="12700" cap="flat" cmpd="sng" algn="ctr">
+                      <a:noFill/>
+                      <a:prstDash val="solid"/>
+                      <a:round/>
+                      <a:headEnd type="none" w="med" len="med"/>
+                      <a:tailEnd type="none" w="med" len="med"/>
+                    </a:lnT>
+                    <a:lnB w="12700" cap="flat" cmpd="sng" algn="ctr">
+                      <a:solidFill>
+                        <a:schemeClr val="tx1">
+                          <a:lumMod val="50000"/>
+                          <a:lumOff val="50000"/>
+                        </a:schemeClr>
+                      </a:solidFill>
+                      <a:prstDash val="dash"/>
+                      <a:round/>
+                      <a:headEnd type="none" w="med" len="med"/>
+                      <a:tailEnd type="none" w="med" len="med"/>
+                    </a:lnB>
+                    <a:noFill/>
+                  </a:tcPr>
+                </a:tc>
+              </a:tr>
+              <a:tr h="1368568">
+                <a:tc>
+                  <a:txBody>
+                    <a:bodyPr/>
+                    <a:lstStyle/>
+                    <a:p>
+                      <a:pPr marL="0" marR="0" indent="0" algn="l" defTabSz="914400" rtl="0" eaLnBrk="1" fontAlgn="auto" latinLnBrk="0" hangingPunct="1">
+                        <a:lnSpc>
+                          <a:spcPct val="100000"/>
+                        </a:lnSpc>
+                        <a:spcBef>
+                          <a:spcPts val="0"/>
+                        </a:spcBef>
+                        <a:spcAft>
+                          <a:spcPts val="0"/>
+                        </a:spcAft>
+                        <a:buClrTx/>
+                        <a:buSzTx/>
+                        <a:buFont typeface="Arial" charset="0"/>
+                        <a:buNone/>
+                        <a:tabLst/>
+                        <a:defRPr/>
+                      </a:pPr>
+                      <a:r>
+                        <a:rPr lang="en-US" sz="1600" b="1" dirty="0" smtClean="0">
+                          <a:solidFill>
+                            <a:schemeClr val="bg2"/>
+                          </a:solidFill>
+                        </a:rPr>
+                        <a:t>Data Manipulation</a:t>
+                      </a:r>
+                    </a:p>
+                  </a:txBody>
+                  <a:tcPr anchor="ctr">
+                    <a:lnT w="28575" cap="flat" cmpd="sng" algn="ctr">
+                      <a:solidFill>
+                        <a:schemeClr val="bg2"/>
+                      </a:solidFill>
+                      <a:prstDash val="solid"/>
+                      <a:round/>
+                      <a:headEnd type="none" w="med" len="med"/>
+                      <a:tailEnd type="none" w="med" len="med"/>
+                    </a:lnT>
+                    <a:lnB w="28575" cap="flat" cmpd="sng" algn="ctr">
+                      <a:solidFill>
+                        <a:schemeClr val="bg2"/>
+                      </a:solidFill>
+                      <a:prstDash val="solid"/>
+                      <a:round/>
+                      <a:headEnd type="none" w="med" len="med"/>
+                      <a:tailEnd type="none" w="med" len="med"/>
+                    </a:lnB>
+                    <a:solidFill>
+                      <a:schemeClr val="accent4"/>
+                    </a:solidFill>
+                  </a:tcPr>
+                </a:tc>
+                <a:tc>
+                  <a:txBody>
+                    <a:bodyPr/>
+                    <a:lstStyle/>
+                    <a:p>
+                      <a:pPr marL="171450" indent="-171450">
+                        <a:buFont typeface="Arial" charset="0"/>
+                        <a:buChar char="•"/>
+                      </a:pPr>
+                      <a:endParaRPr lang="en-US" sz="1200" dirty="0" smtClean="0"/>
+                    </a:p>
+                  </a:txBody>
+                  <a:tcPr marL="18288" marR="18288" anchor="ctr">
+                    <a:lnT w="12700" cap="flat" cmpd="sng" algn="ctr">
+                      <a:solidFill>
+                        <a:schemeClr val="tx1">
+                          <a:lumMod val="50000"/>
+                          <a:lumOff val="50000"/>
+                        </a:schemeClr>
+                      </a:solidFill>
+                      <a:prstDash val="dash"/>
+                      <a:round/>
+                      <a:headEnd type="none" w="med" len="med"/>
+                      <a:tailEnd type="none" w="med" len="med"/>
+                    </a:lnT>
+                    <a:lnB w="12700" cap="flat" cmpd="sng" algn="ctr">
+                      <a:solidFill>
+                        <a:schemeClr val="bg1">
+                          <a:lumMod val="65000"/>
+                        </a:schemeClr>
+                      </a:solidFill>
+                      <a:prstDash val="dash"/>
+                      <a:round/>
+                      <a:headEnd type="none" w="med" len="med"/>
+                      <a:tailEnd type="none" w="med" len="med"/>
+                    </a:lnB>
+                    <a:noFill/>
+                  </a:tcPr>
+                </a:tc>
+                <a:tc>
+                  <a:txBody>
+                    <a:bodyPr/>
+                    <a:lstStyle/>
+                    <a:p>
+                      <a:pPr marL="0" indent="0" algn="l">
+                        <a:buFont typeface="Arial" panose="020B0604020202020204" pitchFamily="34" charset="0"/>
+                        <a:buNone/>
+                      </a:pPr>
+                      <a:r>
+                        <a:rPr lang="en-US" sz="1400" b="0" baseline="0" dirty="0" smtClean="0"/>
+                        <a:t>Pandas + Flask</a:t>
+                      </a:r>
+                    </a:p>
+                  </a:txBody>
+                  <a:tcPr anchor="ctr">
+                    <a:lnT w="12700" cap="flat" cmpd="sng" algn="ctr">
+                      <a:solidFill>
+                        <a:schemeClr val="tx1">
+                          <a:lumMod val="50000"/>
+                          <a:lumOff val="50000"/>
+                        </a:schemeClr>
+                      </a:solidFill>
+                      <a:prstDash val="dash"/>
+                      <a:round/>
+                      <a:headEnd type="none" w="med" len="med"/>
+                      <a:tailEnd type="none" w="med" len="med"/>
+                    </a:lnT>
+                    <a:lnB w="12700" cap="flat" cmpd="sng" algn="ctr">
+                      <a:solidFill>
+                        <a:schemeClr val="tx1">
+                          <a:lumMod val="50000"/>
+                          <a:lumOff val="50000"/>
+                        </a:schemeClr>
+                      </a:solidFill>
+                      <a:prstDash val="dash"/>
+                      <a:round/>
+                      <a:headEnd type="none" w="med" len="med"/>
+                      <a:tailEnd type="none" w="med" len="med"/>
+                    </a:lnB>
+                    <a:noFill/>
+                  </a:tcPr>
+                </a:tc>
+                <a:tc>
+                  <a:txBody>
+                    <a:bodyPr/>
+                    <a:lstStyle/>
+                    <a:p>
+                      <a:pPr marL="0" indent="0">
+                        <a:buFont typeface="Arial" panose="020B0604020202020204" pitchFamily="34" charset="0"/>
+                        <a:buNone/>
+                      </a:pPr>
+                      <a:endParaRPr lang="en-US" sz="1100" baseline="0" dirty="0" smtClean="0"/>
+                    </a:p>
+                  </a:txBody>
+                  <a:tcPr anchor="ctr">
+                    <a:lnT w="12700" cap="flat" cmpd="sng" algn="ctr">
+                      <a:solidFill>
+                        <a:schemeClr val="tx1">
+                          <a:lumMod val="50000"/>
+                          <a:lumOff val="50000"/>
+                        </a:schemeClr>
+                      </a:solidFill>
+                      <a:prstDash val="dash"/>
+                      <a:round/>
+                      <a:headEnd type="none" w="med" len="med"/>
+                      <a:tailEnd type="none" w="med" len="med"/>
+                    </a:lnT>
+                    <a:lnB w="12700" cap="flat" cmpd="sng" algn="ctr">
+                      <a:solidFill>
+                        <a:schemeClr val="tx1">
+                          <a:lumMod val="50000"/>
+                          <a:lumOff val="50000"/>
+                        </a:schemeClr>
+                      </a:solidFill>
+                      <a:prstDash val="dash"/>
+                      <a:round/>
+                      <a:headEnd type="none" w="med" len="med"/>
+                      <a:tailEnd type="none" w="med" len="med"/>
+                    </a:lnB>
+                    <a:noFill/>
+                  </a:tcPr>
+                </a:tc>
+                <a:tc>
+                  <a:txBody>
+                    <a:bodyPr/>
+                    <a:lstStyle/>
+                    <a:p>
+                      <a:pPr marL="180975" indent="-171450" algn="l" defTabSz="914400" rtl="0" eaLnBrk="1" latinLnBrk="0" hangingPunct="1">
+                        <a:buFont typeface="Arial" panose="020B0604020202020204" pitchFamily="34" charset="0"/>
+                        <a:buChar char="•"/>
+                      </a:pPr>
+                      <a:r>
+                        <a:rPr lang="en-US" sz="1400" b="0" kern="1200" smtClean="0">
+                          <a:solidFill>
+                            <a:schemeClr val="dk1"/>
+                          </a:solidFill>
+                          <a:latin typeface="Arial" panose="020B0604020202020204" pitchFamily="34" charset="0"/>
+                          <a:ea typeface="+mn-ea"/>
+                          <a:cs typeface="Arial" panose="020B0604020202020204" pitchFamily="34" charset="0"/>
+                        </a:rPr>
+                        <a:t>Add commentary</a:t>
+                      </a:r>
+                    </a:p>
+                    <a:p>
+                      <a:pPr marL="180975" indent="-171450" algn="l" defTabSz="914400" rtl="0" eaLnBrk="1" latinLnBrk="0" hangingPunct="1">
+                        <a:buFont typeface="Arial" panose="020B0604020202020204" pitchFamily="34" charset="0"/>
+                        <a:buChar char="•"/>
+                      </a:pPr>
+                      <a:r>
+                        <a:rPr lang="en-US" sz="1400" b="0" kern="1200" smtClean="0">
+                          <a:solidFill>
+                            <a:schemeClr val="dk1"/>
+                          </a:solidFill>
+                          <a:latin typeface="Arial" panose="020B0604020202020204" pitchFamily="34" charset="0"/>
+                          <a:ea typeface="+mn-ea"/>
+                          <a:cs typeface="Arial" panose="020B0604020202020204" pitchFamily="34" charset="0"/>
+                        </a:rPr>
+                        <a:t>Add commentary</a:t>
+                      </a:r>
+                      <a:endParaRPr lang="en-US" sz="1400" b="0" kern="1200" baseline="0" smtClean="0">
+                        <a:solidFill>
+                          <a:schemeClr val="dk1"/>
+                        </a:solidFill>
+                        <a:latin typeface="Arial" panose="020B0604020202020204" pitchFamily="34" charset="0"/>
+                        <a:ea typeface="+mn-ea"/>
+                        <a:cs typeface="Arial" panose="020B0604020202020204" pitchFamily="34" charset="0"/>
+                      </a:endParaRPr>
+                    </a:p>
+                    <a:p>
+                      <a:pPr marL="512763" lvl="1" indent="-171450" algn="l" defTabSz="914400" rtl="0" eaLnBrk="1" latinLnBrk="0" hangingPunct="1">
+                        <a:buFont typeface="Courier New" panose="02070309020205020404" pitchFamily="49" charset="0"/>
+                        <a:buChar char="o"/>
+                      </a:pPr>
+                      <a:r>
+                        <a:rPr lang="en-US" sz="1400" b="0" kern="1200" baseline="0" smtClean="0">
+                          <a:solidFill>
+                            <a:schemeClr val="dk1"/>
+                          </a:solidFill>
+                          <a:latin typeface="Arial" panose="020B0604020202020204" pitchFamily="34" charset="0"/>
+                          <a:ea typeface="+mn-ea"/>
+                          <a:cs typeface="Arial" panose="020B0604020202020204" pitchFamily="34" charset="0"/>
+                        </a:rPr>
+                        <a:t>Sub-bullet format</a:t>
+                      </a:r>
+                      <a:endParaRPr lang="en-US" sz="1400" b="0" kern="1200" dirty="0" smtClean="0">
+                        <a:solidFill>
+                          <a:schemeClr val="dk1"/>
+                        </a:solidFill>
+                        <a:latin typeface="Arial" panose="020B0604020202020204" pitchFamily="34" charset="0"/>
+                        <a:ea typeface="+mn-ea"/>
+                        <a:cs typeface="Arial" panose="020B0604020202020204" pitchFamily="34" charset="0"/>
+                      </a:endParaRPr>
+                    </a:p>
+                  </a:txBody>
+                  <a:tcPr anchor="ctr">
+                    <a:lnT w="12700" cap="flat" cmpd="sng" algn="ctr">
+                      <a:solidFill>
+                        <a:schemeClr val="tx1">
+                          <a:lumMod val="50000"/>
+                          <a:lumOff val="50000"/>
+                        </a:schemeClr>
+                      </a:solidFill>
+                      <a:prstDash val="dash"/>
+                      <a:round/>
+                      <a:headEnd type="none" w="med" len="med"/>
+                      <a:tailEnd type="none" w="med" len="med"/>
+                    </a:lnT>
+                    <a:lnB w="12700" cap="flat" cmpd="sng" algn="ctr">
+                      <a:solidFill>
+                        <a:schemeClr val="tx1">
+                          <a:lumMod val="50000"/>
+                          <a:lumOff val="50000"/>
+                        </a:schemeClr>
+                      </a:solidFill>
+                      <a:prstDash val="dash"/>
+                      <a:round/>
+                      <a:headEnd type="none" w="med" len="med"/>
+                      <a:tailEnd type="none" w="med" len="med"/>
+                    </a:lnB>
+                    <a:noFill/>
+                  </a:tcPr>
+                </a:tc>
+                <a:extLst>
+                  <a:ext uri="{0D108BD9-81ED-4DB2-BD59-A6C34878D82A}">
+                    <a16:rowId xmlns:a16="http://schemas.microsoft.com/office/drawing/2014/main" xmlns="" val="1026776849"/>
+                  </a:ext>
+                </a:extLst>
+              </a:tr>
+              <a:tr h="1587539">
+                <a:tc>
+                  <a:txBody>
+                    <a:bodyPr/>
+                    <a:lstStyle/>
+                    <a:p>
+                      <a:pPr marL="0" marR="0" indent="0" algn="l" defTabSz="914400" rtl="0" eaLnBrk="1" fontAlgn="auto" latinLnBrk="0" hangingPunct="1">
+                        <a:lnSpc>
+                          <a:spcPct val="100000"/>
+                        </a:lnSpc>
+                        <a:spcBef>
+                          <a:spcPts val="0"/>
+                        </a:spcBef>
+                        <a:spcAft>
+                          <a:spcPts val="0"/>
+                        </a:spcAft>
+                        <a:buClrTx/>
+                        <a:buSzTx/>
+                        <a:buFont typeface="Arial" panose="020B0604020202020204" pitchFamily="34" charset="0"/>
+                        <a:buNone/>
+                        <a:tabLst/>
+                        <a:defRPr/>
+                      </a:pPr>
+                      <a:r>
+                        <a:rPr lang="en-US" sz="1600" b="1" dirty="0" smtClean="0">
+                          <a:solidFill>
+                            <a:schemeClr val="bg2"/>
+                          </a:solidFill>
+                        </a:rPr>
+                        <a:t>Hosting</a:t>
+                      </a:r>
+                      <a:endParaRPr lang="en-US" sz="1600" b="0" dirty="0" smtClean="0">
+                        <a:solidFill>
+                          <a:schemeClr val="bg2"/>
+                        </a:solidFill>
+                      </a:endParaRPr>
+                    </a:p>
+                  </a:txBody>
+                  <a:tcPr anchor="ctr">
+                    <a:lnT w="28575" cap="flat" cmpd="sng" algn="ctr">
+                      <a:solidFill>
+                        <a:schemeClr val="bg2"/>
+                      </a:solidFill>
+                      <a:prstDash val="solid"/>
+                      <a:round/>
+                      <a:headEnd type="none" w="med" len="med"/>
+                      <a:tailEnd type="none" w="med" len="med"/>
+                    </a:lnT>
+                    <a:lnB w="28575" cap="flat" cmpd="sng" algn="ctr">
+                      <a:solidFill>
+                        <a:schemeClr val="bg2"/>
+                      </a:solidFill>
+                      <a:prstDash val="solid"/>
+                      <a:round/>
+                      <a:headEnd type="none" w="med" len="med"/>
+                      <a:tailEnd type="none" w="med" len="med"/>
+                    </a:lnB>
+                    <a:solidFill>
+                      <a:schemeClr val="accent4"/>
+                    </a:solidFill>
+                  </a:tcPr>
+                </a:tc>
+                <a:tc>
+                  <a:txBody>
+                    <a:bodyPr/>
+                    <a:lstStyle/>
+                    <a:p>
+                      <a:pPr marL="171450" indent="-171450">
+                        <a:buFont typeface="Arial" charset="0"/>
+                        <a:buChar char="•"/>
+                      </a:pPr>
+                      <a:endParaRPr lang="en-US" sz="1200" dirty="0" smtClean="0"/>
+                    </a:p>
+                  </a:txBody>
+                  <a:tcPr marL="18288" marR="18288" anchor="ctr">
+                    <a:lnR w="12700" cmpd="sng">
+                      <a:noFill/>
+                    </a:lnR>
+                    <a:lnT w="12700" cap="flat" cmpd="sng" algn="ctr">
+                      <a:solidFill>
+                        <a:schemeClr val="bg1">
+                          <a:lumMod val="65000"/>
+                        </a:schemeClr>
+                      </a:solidFill>
+                      <a:prstDash val="dash"/>
+                      <a:round/>
+                      <a:headEnd type="none" w="med" len="med"/>
+                      <a:tailEnd type="none" w="med" len="med"/>
+                    </a:lnT>
+                    <a:lnB w="12700" cap="flat" cmpd="sng" algn="ctr">
+                      <a:solidFill>
+                        <a:schemeClr val="bg1">
+                          <a:lumMod val="65000"/>
+                        </a:schemeClr>
+                      </a:solidFill>
+                      <a:prstDash val="dash"/>
+                      <a:round/>
+                      <a:headEnd type="none" w="med" len="med"/>
+                      <a:tailEnd type="none" w="med" len="med"/>
+                    </a:lnB>
+                    <a:noFill/>
+                  </a:tcPr>
+                </a:tc>
+                <a:tc>
+                  <a:txBody>
+                    <a:bodyPr/>
+                    <a:lstStyle/>
+                    <a:p>
+                      <a:pPr marL="0" marR="0" indent="0" algn="l" defTabSz="914400" rtl="0" eaLnBrk="1" fontAlgn="auto" latinLnBrk="0" hangingPunct="1">
+                        <a:lnSpc>
+                          <a:spcPct val="100000"/>
+                        </a:lnSpc>
+                        <a:spcBef>
+                          <a:spcPts val="0"/>
+                        </a:spcBef>
+                        <a:spcAft>
+                          <a:spcPts val="0"/>
+                        </a:spcAft>
+                        <a:buClrTx/>
+                        <a:buSzTx/>
+                        <a:buFontTx/>
+                        <a:buNone/>
+                        <a:tabLst/>
+                        <a:defRPr/>
+                      </a:pPr>
+                      <a:r>
+                        <a:rPr lang="en-US" sz="1400" b="0" baseline="0" dirty="0" err="1" smtClean="0"/>
+                        <a:t>Pythonanywhere</a:t>
+                      </a:r>
+                      <a:endParaRPr lang="en-US" sz="1400" b="0" baseline="0" dirty="0" smtClean="0"/>
+                    </a:p>
+                  </a:txBody>
+                  <a:tcPr anchor="ctr">
+                    <a:lnL w="12700" cmpd="sng">
+                      <a:noFill/>
+                    </a:lnL>
+                    <a:lnR w="12700" cmpd="sng">
+                      <a:noFill/>
+                    </a:lnR>
+                    <a:lnT w="12700" cap="flat" cmpd="sng" algn="ctr">
+                      <a:solidFill>
+                        <a:schemeClr val="tx1">
+                          <a:lumMod val="50000"/>
+                          <a:lumOff val="50000"/>
+                        </a:schemeClr>
+                      </a:solidFill>
+                      <a:prstDash val="dash"/>
+                      <a:round/>
+                      <a:headEnd type="none" w="med" len="med"/>
+                      <a:tailEnd type="none" w="med" len="med"/>
+                    </a:lnT>
+                    <a:lnB w="12700" cap="flat" cmpd="sng" algn="ctr">
+                      <a:solidFill>
+                        <a:schemeClr val="tx1">
+                          <a:lumMod val="50000"/>
+                          <a:lumOff val="50000"/>
+                        </a:schemeClr>
+                      </a:solidFill>
+                      <a:prstDash val="dash"/>
+                      <a:round/>
+                      <a:headEnd type="none" w="med" len="med"/>
+                      <a:tailEnd type="none" w="med" len="med"/>
+                    </a:lnB>
+                    <a:lnTlToBr w="12700" cmpd="sng">
+                      <a:noFill/>
+                      <a:prstDash val="solid"/>
+                    </a:lnTlToBr>
+                    <a:lnBlToTr w="12700" cmpd="sng">
+                      <a:noFill/>
+                      <a:prstDash val="solid"/>
+                    </a:lnBlToTr>
+                    <a:noFill/>
+                  </a:tcPr>
+                </a:tc>
+                <a:tc>
+                  <a:txBody>
+                    <a:bodyPr/>
+                    <a:lstStyle/>
+                    <a:p>
+                      <a:pPr marL="404813" marR="0" lvl="2" indent="-171450" algn="l" defTabSz="914400" rtl="0" eaLnBrk="1" fontAlgn="auto" latinLnBrk="0" hangingPunct="1">
+                        <a:lnSpc>
+                          <a:spcPct val="100000"/>
+                        </a:lnSpc>
+                        <a:spcBef>
+                          <a:spcPts val="0"/>
+                        </a:spcBef>
+                        <a:spcAft>
+                          <a:spcPts val="0"/>
+                        </a:spcAft>
+                        <a:buClrTx/>
+                        <a:buSzTx/>
+                        <a:buFont typeface="Arial" panose="020B0604020202020204" pitchFamily="34" charset="0"/>
+                        <a:buChar char="•"/>
+                        <a:tabLst/>
+                        <a:defRPr/>
+                      </a:pPr>
+                      <a:endParaRPr lang="en-US" sz="1100" baseline="0" dirty="0" smtClean="0"/>
+                    </a:p>
+                  </a:txBody>
+                  <a:tcPr anchor="ctr">
+                    <a:lnL w="12700" cmpd="sng">
+                      <a:noFill/>
+                    </a:lnL>
+                    <a:lnR w="12700" cmpd="sng">
+                      <a:noFill/>
+                    </a:lnR>
+                    <a:lnT w="12700" cap="flat" cmpd="sng" algn="ctr">
+                      <a:solidFill>
+                        <a:schemeClr val="tx1">
+                          <a:lumMod val="50000"/>
+                          <a:lumOff val="50000"/>
+                        </a:schemeClr>
+                      </a:solidFill>
+                      <a:prstDash val="dash"/>
+                      <a:round/>
+                      <a:headEnd type="none" w="med" len="med"/>
+                      <a:tailEnd type="none" w="med" len="med"/>
+                    </a:lnT>
+                    <a:lnB w="12700" cap="flat" cmpd="sng" algn="ctr">
+                      <a:solidFill>
+                        <a:schemeClr val="tx1">
+                          <a:lumMod val="50000"/>
+                          <a:lumOff val="50000"/>
+                        </a:schemeClr>
+                      </a:solidFill>
+                      <a:prstDash val="dash"/>
+                      <a:round/>
+                      <a:headEnd type="none" w="med" len="med"/>
+                      <a:tailEnd type="none" w="med" len="med"/>
+                    </a:lnB>
+                    <a:lnTlToBr w="12700" cmpd="sng">
+                      <a:noFill/>
+                      <a:prstDash val="solid"/>
+                    </a:lnTlToBr>
+                    <a:lnBlToTr w="12700" cmpd="sng">
+                      <a:noFill/>
+                      <a:prstDash val="solid"/>
+                    </a:lnBlToTr>
+                    <a:noFill/>
+                  </a:tcPr>
+                </a:tc>
+                <a:tc>
+                  <a:txBody>
+                    <a:bodyPr/>
+                    <a:lstStyle/>
+                    <a:p>
+                      <a:pPr marL="180975" indent="-171450" algn="l" defTabSz="914400" rtl="0" eaLnBrk="1" latinLnBrk="0" hangingPunct="1">
+                        <a:buFont typeface="Arial" panose="020B0604020202020204" pitchFamily="34" charset="0"/>
+                        <a:buChar char="•"/>
+                      </a:pPr>
+                      <a:r>
+                        <a:rPr lang="en-US" sz="1400" b="0" kern="1200" dirty="0" smtClean="0">
+                          <a:solidFill>
+                            <a:schemeClr val="dk1"/>
+                          </a:solidFill>
+                          <a:latin typeface="Arial" panose="020B0604020202020204" pitchFamily="34" charset="0"/>
+                          <a:ea typeface="+mn-ea"/>
+                          <a:cs typeface="Arial" panose="020B0604020202020204" pitchFamily="34" charset="0"/>
+                        </a:rPr>
+                        <a:t>Add commentary</a:t>
+                      </a:r>
+                    </a:p>
+                    <a:p>
+                      <a:pPr marL="180975" indent="-171450" algn="l" defTabSz="914400" rtl="0" eaLnBrk="1" latinLnBrk="0" hangingPunct="1">
+                        <a:buFont typeface="Arial" panose="020B0604020202020204" pitchFamily="34" charset="0"/>
+                        <a:buChar char="•"/>
+                      </a:pPr>
+                      <a:r>
+                        <a:rPr lang="en-US" sz="1400" b="0" kern="1200" dirty="0" smtClean="0">
+                          <a:solidFill>
+                            <a:schemeClr val="dk1"/>
+                          </a:solidFill>
+                          <a:latin typeface="Arial" panose="020B0604020202020204" pitchFamily="34" charset="0"/>
+                          <a:ea typeface="+mn-ea"/>
+                          <a:cs typeface="Arial" panose="020B0604020202020204" pitchFamily="34" charset="0"/>
+                        </a:rPr>
+                        <a:t>Add commentary</a:t>
+                      </a:r>
+                      <a:endParaRPr lang="en-US" sz="1400" b="0" kern="1200" baseline="0" dirty="0" smtClean="0">
+                        <a:solidFill>
+                          <a:schemeClr val="dk1"/>
+                        </a:solidFill>
+                        <a:latin typeface="Arial" panose="020B0604020202020204" pitchFamily="34" charset="0"/>
+                        <a:ea typeface="+mn-ea"/>
+                        <a:cs typeface="Arial" panose="020B0604020202020204" pitchFamily="34" charset="0"/>
+                      </a:endParaRPr>
+                    </a:p>
+                    <a:p>
+                      <a:pPr marL="512763" lvl="1" indent="-171450" algn="l" defTabSz="914400" rtl="0" eaLnBrk="1" latinLnBrk="0" hangingPunct="1">
+                        <a:buFont typeface="Courier New" panose="02070309020205020404" pitchFamily="49" charset="0"/>
+                        <a:buChar char="o"/>
+                      </a:pPr>
+                      <a:r>
+                        <a:rPr lang="en-US" sz="1400" b="0" kern="1200" baseline="0" dirty="0" smtClean="0">
+                          <a:solidFill>
+                            <a:schemeClr val="dk1"/>
+                          </a:solidFill>
+                          <a:latin typeface="Arial" panose="020B0604020202020204" pitchFamily="34" charset="0"/>
+                          <a:ea typeface="+mn-ea"/>
+                          <a:cs typeface="Arial" panose="020B0604020202020204" pitchFamily="34" charset="0"/>
+                        </a:rPr>
+                        <a:t>Sub-bullet format</a:t>
+                      </a:r>
+                      <a:endParaRPr lang="en-US" sz="1400" b="0" kern="1200" dirty="0" smtClean="0">
+                        <a:solidFill>
+                          <a:schemeClr val="dk1"/>
+                        </a:solidFill>
+                        <a:latin typeface="Arial" panose="020B0604020202020204" pitchFamily="34" charset="0"/>
+                        <a:ea typeface="+mn-ea"/>
+                        <a:cs typeface="Arial" panose="020B0604020202020204" pitchFamily="34" charset="0"/>
+                      </a:endParaRPr>
+                    </a:p>
+                  </a:txBody>
+                  <a:tcPr anchor="ctr">
+                    <a:lnL w="12700" cmpd="sng">
+                      <a:noFill/>
+                    </a:lnL>
+                    <a:lnR w="12700" cmpd="sng">
+                      <a:noFill/>
+                    </a:lnR>
+                    <a:lnT w="12700" cap="flat" cmpd="sng" algn="ctr">
+                      <a:solidFill>
+                        <a:schemeClr val="tx1">
+                          <a:lumMod val="50000"/>
+                          <a:lumOff val="50000"/>
+                        </a:schemeClr>
+                      </a:solidFill>
+                      <a:prstDash val="dash"/>
+                      <a:round/>
+                      <a:headEnd type="none" w="med" len="med"/>
+                      <a:tailEnd type="none" w="med" len="med"/>
+                    </a:lnT>
+                    <a:lnB w="12700" cap="flat" cmpd="sng" algn="ctr">
+                      <a:solidFill>
+                        <a:schemeClr val="tx1">
+                          <a:lumMod val="50000"/>
+                          <a:lumOff val="50000"/>
+                        </a:schemeClr>
+                      </a:solidFill>
+                      <a:prstDash val="dash"/>
+                      <a:round/>
+                      <a:headEnd type="none" w="med" len="med"/>
+                      <a:tailEnd type="none" w="med" len="med"/>
+                    </a:lnB>
+                    <a:lnTlToBr w="12700" cmpd="sng">
+                      <a:noFill/>
+                      <a:prstDash val="solid"/>
+                    </a:lnTlToBr>
+                    <a:lnBlToTr w="12700" cmpd="sng">
+                      <a:noFill/>
+                      <a:prstDash val="solid"/>
+                    </a:lnBlToTr>
+                    <a:noFill/>
+                  </a:tcPr>
+                </a:tc>
+              </a:tr>
+            </a:tbl>
+          </a:graphicData>
+        </a:graphic>
+      </p:graphicFrame>
+      <p:sp>
+        <p:nvSpPr>
+          <p:cNvPr id="7" name="Rectangle 6"/>
+          <p:cNvSpPr/>
+          <p:nvPr/>
+        </p:nvSpPr>
+        <p:spPr>
+          <a:xfrm>
+            <a:off x="7684773" y="457200"/>
+            <a:ext cx="1447800" cy="533400"/>
+          </a:xfrm>
+          <a:prstGeom prst="rect">
+            <a:avLst/>
+          </a:prstGeom>
+          <a:solidFill>
+            <a:srgbClr val="FFFF00"/>
+          </a:solidFill>
+          <a:ln>
+            <a:noFill/>
+          </a:ln>
+        </p:spPr>
+        <p:style>
+          <a:lnRef idx="2">
+            <a:schemeClr val="accent1">
+              <a:shade val="50000"/>
+            </a:schemeClr>
+          </a:lnRef>
+          <a:fillRef idx="1">
+            <a:schemeClr val="accent1"/>
+          </a:fillRef>
+          <a:effectRef idx="0">
+            <a:schemeClr val="accent1"/>
+          </a:effectRef>
+          <a:fontRef idx="minor">
+            <a:schemeClr val="lt1"/>
+          </a:fontRef>
+        </p:style>
+        <p:txBody>
+          <a:bodyPr rtlCol="0" anchor="ctr"/>
+          <a:lstStyle/>
+          <a:p>
+            <a:pPr algn="ctr"/>
+            <a:r>
+              <a:rPr lang="en-US" dirty="0" smtClean="0">
+                <a:solidFill>
+                  <a:schemeClr val="tx1"/>
+                </a:solidFill>
+              </a:rPr>
+              <a:t>SP</a:t>
+            </a:r>
+            <a:endParaRPr lang="en-US" dirty="0">
+              <a:solidFill>
+                <a:schemeClr val="tx1"/>
+              </a:solidFill>
+            </a:endParaRPr>
+          </a:p>
+        </p:txBody>
+      </p:sp>
+    </p:spTree>
+    <p:extLst>
+      <p:ext uri="{BB962C8B-B14F-4D97-AF65-F5344CB8AC3E}">
+        <p14:creationId xmlns:p14="http://schemas.microsoft.com/office/powerpoint/2010/main" val="3453221652"/>
+      </p:ext>
+    </p:extLst>
+  </p:cSld>
+  <p:clrMapOvr>
+    <a:masterClrMapping/>
+  </p:clrMapOvr>
+</p:sld>
+</file>
+
+<file path=ppt/slides/slide9.xml><?xml version="1.0" encoding="utf-8"?>
+<p:sld xmlns:a="http://schemas.openxmlformats.org/drawingml/2006/main" xmlns:r="http://schemas.openxmlformats.org/officeDocument/2006/relationships" xmlns:p="http://schemas.openxmlformats.org/presentationml/2006/main">
+  <p:cSld>
+    <p:spTree>
+      <p:nvGrpSpPr>
+        <p:cNvPr id="1" name=""/>
+        <p:cNvGrpSpPr/>
+        <p:nvPr/>
+      </p:nvGrpSpPr>
+      <p:grpSpPr>
+        <a:xfrm>
+          <a:off x="0" y="0"/>
+          <a:ext cx="0" cy="0"/>
+          <a:chOff x="0" y="0"/>
+          <a:chExt cx="0" cy="0"/>
+        </a:xfrm>
+      </p:grpSpPr>
+      <p:sp>
+        <p:nvSpPr>
+          <p:cNvPr id="2" name="Title 1"/>
+          <p:cNvSpPr>
+            <a:spLocks noGrp="1"/>
+          </p:cNvSpPr>
+          <p:nvPr>
+            <p:ph type="title"/>
+          </p:nvPr>
+        </p:nvSpPr>
+        <p:spPr/>
+        <p:txBody>
+          <a:bodyPr/>
+          <a:lstStyle/>
+          <a:p>
+            <a:r>
+              <a:rPr lang="en-US" b="1" dirty="0" smtClean="0"/>
               <a:t>Who we talked to</a:t>
             </a:r>
             <a:endParaRPr lang="en-US" b="1" dirty="0"/>
@@ -30266,1699 +32949,22 @@
           </a:extLst>
         </p:spPr>
       </p:pic>
-    </p:spTree>
-    <p:extLst>
-      <p:ext uri="{BB962C8B-B14F-4D97-AF65-F5344CB8AC3E}">
-        <p14:creationId xmlns:p14="http://schemas.microsoft.com/office/powerpoint/2010/main" val="2734341276"/>
-      </p:ext>
-    </p:extLst>
-  </p:cSld>
-  <p:clrMapOvr>
-    <a:masterClrMapping/>
-  </p:clrMapOvr>
-</p:sld>
-</file>
-
-<file path=ppt/slides/slide9.xml><?xml version="1.0" encoding="utf-8"?>
-<p:sld xmlns:a="http://schemas.openxmlformats.org/drawingml/2006/main" xmlns:r="http://schemas.openxmlformats.org/officeDocument/2006/relationships" xmlns:p="http://schemas.openxmlformats.org/presentationml/2006/main">
-  <p:cSld>
-    <p:spTree>
-      <p:nvGrpSpPr>
-        <p:cNvPr id="1" name=""/>
-        <p:cNvGrpSpPr/>
-        <p:nvPr/>
-      </p:nvGrpSpPr>
-      <p:grpSpPr>
-        <a:xfrm>
-          <a:off x="0" y="0"/>
-          <a:ext cx="0" cy="0"/>
-          <a:chOff x="0" y="0"/>
-          <a:chExt cx="0" cy="0"/>
-        </a:xfrm>
-      </p:grpSpPr>
       <p:sp>
         <p:nvSpPr>
-          <p:cNvPr id="2" name="Title 1"/>
-          <p:cNvSpPr>
-            <a:spLocks noGrp="1"/>
-          </p:cNvSpPr>
-          <p:nvPr>
-            <p:ph type="title"/>
-          </p:nvPr>
-        </p:nvSpPr>
-        <p:spPr>
-          <a:xfrm>
-            <a:off x="336013" y="152400"/>
-            <a:ext cx="8229600" cy="761278"/>
-          </a:xfrm>
-        </p:spPr>
-        <p:txBody>
-          <a:bodyPr/>
-          <a:lstStyle/>
-          <a:p>
-            <a:r>
-              <a:rPr lang="en-US" b="1" dirty="0" smtClean="0"/>
-              <a:t>Testing uncovered a number of potential </a:t>
-            </a:r>
-            <a:br>
-              <a:rPr lang="en-US" b="1" dirty="0" smtClean="0"/>
-            </a:br>
-            <a:r>
-              <a:rPr lang="en-US" b="1" dirty="0" smtClean="0"/>
-              <a:t>changes to improve the user experience</a:t>
-            </a:r>
-            <a:endParaRPr lang="en-US" b="1" dirty="0"/>
-          </a:p>
-        </p:txBody>
-      </p:sp>
-      <p:sp>
-        <p:nvSpPr>
-          <p:cNvPr id="4" name="Rectangle 3"/>
+          <p:cNvPr id="8" name="Rectangle 7"/>
           <p:cNvSpPr/>
           <p:nvPr/>
         </p:nvSpPr>
         <p:spPr>
           <a:xfrm>
-            <a:off x="7467600" y="76200"/>
-            <a:ext cx="1594104" cy="304800"/>
+            <a:off x="7620000" y="457200"/>
+            <a:ext cx="1447800" cy="533400"/>
           </a:xfrm>
           <a:prstGeom prst="rect">
             <a:avLst/>
           </a:prstGeom>
           <a:solidFill>
-            <a:schemeClr val="accent2"/>
-          </a:solidFill>
-          <a:ln>
-            <a:noFill/>
-          </a:ln>
-          <a:effectLst>
-            <a:outerShdw blurRad="50800" dist="38100" dir="2700000" algn="tl" rotWithShape="0">
-              <a:prstClr val="black">
-                <a:alpha val="40000"/>
-              </a:prstClr>
-            </a:outerShdw>
-          </a:effectLst>
-        </p:spPr>
-        <p:style>
-          <a:lnRef idx="2">
-            <a:schemeClr val="accent1">
-              <a:shade val="50000"/>
-            </a:schemeClr>
-          </a:lnRef>
-          <a:fillRef idx="1">
-            <a:schemeClr val="accent1"/>
-          </a:fillRef>
-          <a:effectRef idx="0">
-            <a:schemeClr val="accent1"/>
-          </a:effectRef>
-          <a:fontRef idx="minor">
-            <a:schemeClr val="lt1"/>
-          </a:fontRef>
-        </p:style>
-        <p:txBody>
-          <a:bodyPr rtlCol="0" anchor="ctr"/>
-          <a:lstStyle/>
-          <a:p>
-            <a:pPr marL="285750"/>
-            <a:r>
-              <a:rPr lang="en-US" sz="1200" b="1" dirty="0"/>
-              <a:t>  </a:t>
-            </a:r>
-            <a:r>
-              <a:rPr lang="en-US" sz="1200" b="1" dirty="0" smtClean="0"/>
-              <a:t>UX Testing</a:t>
-            </a:r>
-            <a:endParaRPr lang="en-US" sz="1200" b="1" dirty="0"/>
-          </a:p>
-        </p:txBody>
-      </p:sp>
-      <p:pic>
-        <p:nvPicPr>
-          <p:cNvPr id="6" name="Picture 18" descr=" abstract user icon 1 by Treer"/>
-          <p:cNvPicPr>
-            <a:picLocks noChangeAspect="1" noChangeArrowheads="1"/>
-          </p:cNvPicPr>
-          <p:nvPr/>
-        </p:nvPicPr>
-        <p:blipFill>
-          <a:blip r:embed="rId2" cstate="print">
-            <a:extLst>
-              <a:ext uri="{28A0092B-C50C-407E-A947-70E740481C1C}">
-                <a14:useLocalDpi xmlns:a14="http://schemas.microsoft.com/office/drawing/2010/main" val="0"/>
-              </a:ext>
-            </a:extLst>
-          </a:blip>
-          <a:srcRect/>
-          <a:stretch>
-            <a:fillRect/>
-          </a:stretch>
-        </p:blipFill>
-        <p:spPr bwMode="auto">
-          <a:xfrm>
-            <a:off x="7570806" y="121920"/>
-            <a:ext cx="213024" cy="213024"/>
-          </a:xfrm>
-          <a:prstGeom prst="rect">
-            <a:avLst/>
-          </a:prstGeom>
-          <a:noFill/>
-          <a:extLst>
-            <a:ext uri="{909E8E84-426E-40DD-AFC4-6F175D3DCCD1}">
-              <a14:hiddenFill xmlns:a14="http://schemas.microsoft.com/office/drawing/2010/main">
-                <a:solidFill>
-                  <a:srgbClr val="FFFFFF"/>
-                </a:solidFill>
-              </a14:hiddenFill>
-            </a:ext>
-          </a:extLst>
-        </p:spPr>
-      </p:pic>
-      <p:graphicFrame>
-        <p:nvGraphicFramePr>
-          <p:cNvPr id="8" name="Table 7"/>
-          <p:cNvGraphicFramePr>
-            <a:graphicFrameLocks noGrp="1"/>
-          </p:cNvGraphicFramePr>
-          <p:nvPr>
-            <p:extLst>
-              <p:ext uri="{D42A27DB-BD31-4B8C-83A1-F6EECF244321}">
-                <p14:modId xmlns:p14="http://schemas.microsoft.com/office/powerpoint/2010/main" val="915966529"/>
-              </p:ext>
-            </p:extLst>
-          </p:nvPr>
-        </p:nvGraphicFramePr>
-        <p:xfrm>
-          <a:off x="381000" y="1143000"/>
-          <a:ext cx="8305800" cy="5334000"/>
-        </p:xfrm>
-        <a:graphic>
-          <a:graphicData uri="http://schemas.openxmlformats.org/drawingml/2006/table">
-            <a:tbl>
-              <a:tblPr firstRow="1" bandRow="1">
-                <a:tableStyleId>{5C22544A-7EE6-4342-B048-85BDC9FD1C3A}</a:tableStyleId>
-              </a:tblPr>
-              <a:tblGrid>
-                <a:gridCol w="1143000"/>
-                <a:gridCol w="3048000"/>
-                <a:gridCol w="914400"/>
-                <a:gridCol w="3200400"/>
-              </a:tblGrid>
-              <a:tr h="304800">
-                <a:tc>
-                  <a:txBody>
-                    <a:bodyPr/>
-                    <a:lstStyle/>
-                    <a:p>
-                      <a:pPr algn="ctr"/>
-                      <a:r>
-                        <a:rPr lang="en-US" sz="1200" dirty="0" smtClean="0">
-                          <a:solidFill>
-                            <a:schemeClr val="tx1"/>
-                          </a:solidFill>
-                        </a:rPr>
-                        <a:t>Tool</a:t>
-                      </a:r>
-                      <a:endParaRPr lang="en-US" sz="1200" dirty="0">
-                        <a:solidFill>
-                          <a:schemeClr val="tx1"/>
-                        </a:solidFill>
-                      </a:endParaRPr>
-                    </a:p>
-                  </a:txBody>
-                  <a:tcPr anchor="ctr">
-                    <a:lnB w="28575" cap="flat" cmpd="sng" algn="ctr">
-                      <a:solidFill>
-                        <a:schemeClr val="accent1"/>
-                      </a:solidFill>
-                      <a:prstDash val="solid"/>
-                      <a:round/>
-                      <a:headEnd type="none" w="med" len="med"/>
-                      <a:tailEnd type="none" w="med" len="med"/>
-                    </a:lnB>
-                    <a:noFill/>
-                  </a:tcPr>
-                </a:tc>
-                <a:tc>
-                  <a:txBody>
-                    <a:bodyPr/>
-                    <a:lstStyle/>
-                    <a:p>
-                      <a:pPr algn="ctr"/>
-                      <a:r>
-                        <a:rPr lang="en-US" sz="1200" dirty="0" smtClean="0">
-                          <a:solidFill>
-                            <a:schemeClr val="tx1"/>
-                          </a:solidFill>
-                        </a:rPr>
-                        <a:t>Observation / Learning</a:t>
-                      </a:r>
-                      <a:endParaRPr lang="en-US" sz="1200" dirty="0">
-                        <a:solidFill>
-                          <a:schemeClr val="tx1"/>
-                        </a:solidFill>
-                      </a:endParaRPr>
-                    </a:p>
-                  </a:txBody>
-                  <a:tcPr anchor="ctr">
-                    <a:lnR w="12700" cmpd="sng">
-                      <a:noFill/>
-                    </a:lnR>
-                    <a:lnB w="28575" cap="flat" cmpd="sng" algn="ctr">
-                      <a:solidFill>
-                        <a:schemeClr val="accent1"/>
-                      </a:solidFill>
-                      <a:prstDash val="solid"/>
-                      <a:round/>
-                      <a:headEnd type="none" w="med" len="med"/>
-                      <a:tailEnd type="none" w="med" len="med"/>
-                    </a:lnB>
-                    <a:noFill/>
-                  </a:tcPr>
-                </a:tc>
-                <a:tc>
-                  <a:txBody>
-                    <a:bodyPr/>
-                    <a:lstStyle/>
-                    <a:p>
-                      <a:pPr algn="ctr"/>
-                      <a:endParaRPr lang="en-US" sz="1200" dirty="0">
-                        <a:solidFill>
-                          <a:schemeClr val="tx1"/>
-                        </a:solidFill>
-                      </a:endParaRPr>
-                    </a:p>
-                  </a:txBody>
-                  <a:tcPr anchor="ctr">
-                    <a:lnL w="12700" cmpd="sng">
-                      <a:noFill/>
-                    </a:lnL>
-                    <a:lnR w="12700" cmpd="sng">
-                      <a:noFill/>
-                    </a:lnR>
-                    <a:lnT w="12700" cmpd="sng">
-                      <a:noFill/>
-                    </a:lnT>
-                    <a:lnB w="28575" cap="flat" cmpd="sng" algn="ctr">
-                      <a:noFill/>
-                      <a:prstDash val="solid"/>
-                      <a:round/>
-                      <a:headEnd type="none" w="med" len="med"/>
-                      <a:tailEnd type="none" w="med" len="med"/>
-                    </a:lnB>
-                    <a:lnTlToBr w="12700" cmpd="sng">
-                      <a:noFill/>
-                      <a:prstDash val="solid"/>
-                    </a:lnTlToBr>
-                    <a:lnBlToTr w="12700" cmpd="sng">
-                      <a:noFill/>
-                      <a:prstDash val="solid"/>
-                    </a:lnBlToTr>
-                    <a:noFill/>
-                  </a:tcPr>
-                </a:tc>
-                <a:tc>
-                  <a:txBody>
-                    <a:bodyPr/>
-                    <a:lstStyle/>
-                    <a:p>
-                      <a:pPr algn="ctr"/>
-                      <a:r>
-                        <a:rPr lang="en-US" sz="1200" dirty="0" smtClean="0">
-                          <a:solidFill>
-                            <a:schemeClr val="tx1"/>
-                          </a:solidFill>
-                        </a:rPr>
-                        <a:t>Changes</a:t>
-                      </a:r>
-                      <a:endParaRPr lang="en-US" sz="1200" dirty="0">
-                        <a:solidFill>
-                          <a:schemeClr val="tx1"/>
-                        </a:solidFill>
-                      </a:endParaRPr>
-                    </a:p>
-                  </a:txBody>
-                  <a:tcPr anchor="ctr">
-                    <a:lnL w="12700" cmpd="sng">
-                      <a:noFill/>
-                    </a:lnL>
-                    <a:lnB w="28575" cap="flat" cmpd="sng" algn="ctr">
-                      <a:solidFill>
-                        <a:schemeClr val="accent1"/>
-                      </a:solidFill>
-                      <a:prstDash val="solid"/>
-                      <a:round/>
-                      <a:headEnd type="none" w="med" len="med"/>
-                      <a:tailEnd type="none" w="med" len="med"/>
-                    </a:lnB>
-                    <a:noFill/>
-                  </a:tcPr>
-                </a:tc>
-              </a:tr>
-              <a:tr h="0">
-                <a:tc>
-                  <a:txBody>
-                    <a:bodyPr/>
-                    <a:lstStyle/>
-                    <a:p>
-                      <a:endParaRPr lang="en-US" sz="400" dirty="0">
-                        <a:solidFill>
-                          <a:schemeClr val="tx1"/>
-                        </a:solidFill>
-                      </a:endParaRPr>
-                    </a:p>
-                  </a:txBody>
-                  <a:tcPr>
-                    <a:lnT w="28575" cap="flat" cmpd="sng" algn="ctr">
-                      <a:solidFill>
-                        <a:schemeClr val="accent1"/>
-                      </a:solidFill>
-                      <a:prstDash val="solid"/>
-                      <a:round/>
-                      <a:headEnd type="none" w="med" len="med"/>
-                      <a:tailEnd type="none" w="med" len="med"/>
-                    </a:lnT>
-                    <a:lnB w="12700" cap="flat" cmpd="sng" algn="ctr">
-                      <a:noFill/>
-                      <a:prstDash val="solid"/>
-                      <a:round/>
-                      <a:headEnd type="none" w="med" len="med"/>
-                      <a:tailEnd type="none" w="med" len="med"/>
-                    </a:lnB>
-                    <a:noFill/>
-                  </a:tcPr>
-                </a:tc>
-                <a:tc>
-                  <a:txBody>
-                    <a:bodyPr/>
-                    <a:lstStyle/>
-                    <a:p>
-                      <a:endParaRPr lang="en-US" sz="400" dirty="0">
-                        <a:solidFill>
-                          <a:schemeClr val="tx1"/>
-                        </a:solidFill>
-                      </a:endParaRPr>
-                    </a:p>
-                  </a:txBody>
-                  <a:tcPr>
-                    <a:lnR w="12700" cmpd="sng">
-                      <a:noFill/>
-                    </a:lnR>
-                    <a:lnT w="28575" cap="flat" cmpd="sng" algn="ctr">
-                      <a:solidFill>
-                        <a:schemeClr val="accent1"/>
-                      </a:solidFill>
-                      <a:prstDash val="solid"/>
-                      <a:round/>
-                      <a:headEnd type="none" w="med" len="med"/>
-                      <a:tailEnd type="none" w="med" len="med"/>
-                    </a:lnT>
-                    <a:lnB w="12700" cap="flat" cmpd="sng" algn="ctr">
-                      <a:noFill/>
-                      <a:prstDash val="solid"/>
-                      <a:round/>
-                      <a:headEnd type="none" w="med" len="med"/>
-                      <a:tailEnd type="none" w="med" len="med"/>
-                    </a:lnB>
-                    <a:noFill/>
-                  </a:tcPr>
-                </a:tc>
-                <a:tc>
-                  <a:txBody>
-                    <a:bodyPr/>
-                    <a:lstStyle/>
-                    <a:p>
-                      <a:endParaRPr lang="en-US" sz="400" b="0" dirty="0">
-                        <a:solidFill>
-                          <a:schemeClr val="tx1"/>
-                        </a:solidFill>
-                      </a:endParaRPr>
-                    </a:p>
-                  </a:txBody>
-                  <a:tcPr>
-                    <a:lnL w="12700" cmpd="sng">
-                      <a:noFill/>
-                    </a:lnL>
-                    <a:lnR w="12700" cmpd="sng">
-                      <a:noFill/>
-                    </a:lnR>
-                    <a:lnT w="28575" cap="flat" cmpd="sng" algn="ctr">
-                      <a:noFill/>
-                      <a:prstDash val="solid"/>
-                      <a:round/>
-                      <a:headEnd type="none" w="med" len="med"/>
-                      <a:tailEnd type="none" w="med" len="med"/>
-                    </a:lnT>
-                    <a:lnB w="12700" cap="flat" cmpd="sng" algn="ctr">
-                      <a:noFill/>
-                      <a:prstDash val="solid"/>
-                      <a:round/>
-                      <a:headEnd type="none" w="med" len="med"/>
-                      <a:tailEnd type="none" w="med" len="med"/>
-                    </a:lnB>
-                    <a:lnTlToBr w="12700" cmpd="sng">
-                      <a:noFill/>
-                      <a:prstDash val="solid"/>
-                    </a:lnTlToBr>
-                    <a:lnBlToTr w="12700" cmpd="sng">
-                      <a:noFill/>
-                      <a:prstDash val="solid"/>
-                    </a:lnBlToTr>
-                    <a:noFill/>
-                  </a:tcPr>
-                </a:tc>
-                <a:tc>
-                  <a:txBody>
-                    <a:bodyPr/>
-                    <a:lstStyle/>
-                    <a:p>
-                      <a:endParaRPr lang="en-US" sz="400" b="0" dirty="0">
-                        <a:solidFill>
-                          <a:schemeClr val="tx1"/>
-                        </a:solidFill>
-                      </a:endParaRPr>
-                    </a:p>
-                  </a:txBody>
-                  <a:tcPr>
-                    <a:lnL w="12700" cmpd="sng">
-                      <a:noFill/>
-                    </a:lnL>
-                    <a:lnT w="28575" cap="flat" cmpd="sng" algn="ctr">
-                      <a:solidFill>
-                        <a:schemeClr val="accent1"/>
-                      </a:solidFill>
-                      <a:prstDash val="solid"/>
-                      <a:round/>
-                      <a:headEnd type="none" w="med" len="med"/>
-                      <a:tailEnd type="none" w="med" len="med"/>
-                    </a:lnT>
-                    <a:lnB w="12700" cap="flat" cmpd="sng" algn="ctr">
-                      <a:noFill/>
-                      <a:prstDash val="solid"/>
-                      <a:round/>
-                      <a:headEnd type="none" w="med" len="med"/>
-                      <a:tailEnd type="none" w="med" len="med"/>
-                    </a:lnB>
-                    <a:noFill/>
-                  </a:tcPr>
-                </a:tc>
-              </a:tr>
-              <a:tr h="867881">
-                <a:tc rowSpan="3">
-                  <a:txBody>
-                    <a:bodyPr/>
-                    <a:lstStyle/>
-                    <a:p>
-                      <a:r>
-                        <a:rPr lang="en-US" sz="1200" b="1" dirty="0" smtClean="0">
-                          <a:solidFill>
-                            <a:schemeClr val="bg2"/>
-                          </a:solidFill>
-                        </a:rPr>
-                        <a:t>Jobs</a:t>
-                      </a:r>
-                      <a:r>
-                        <a:rPr lang="en-US" sz="1200" b="1" baseline="0" dirty="0" smtClean="0">
-                          <a:solidFill>
-                            <a:schemeClr val="bg2"/>
-                          </a:solidFill>
-                        </a:rPr>
-                        <a:t> Explorer</a:t>
-                      </a:r>
-                      <a:endParaRPr lang="en-US" sz="1200" b="1" dirty="0">
-                        <a:solidFill>
-                          <a:schemeClr val="bg2"/>
-                        </a:solidFill>
-                      </a:endParaRPr>
-                    </a:p>
-                  </a:txBody>
-                  <a:tcPr anchor="ctr">
-                    <a:lnT w="12700" cap="flat" cmpd="sng" algn="ctr">
-                      <a:noFill/>
-                      <a:prstDash val="solid"/>
-                      <a:round/>
-                      <a:headEnd type="none" w="med" len="med"/>
-                      <a:tailEnd type="none" w="med" len="med"/>
-                    </a:lnT>
-                    <a:lnB w="28575" cap="flat" cmpd="sng" algn="ctr">
-                      <a:solidFill>
-                        <a:schemeClr val="bg1"/>
-                      </a:solidFill>
-                      <a:prstDash val="solid"/>
-                      <a:round/>
-                      <a:headEnd type="none" w="med" len="med"/>
-                      <a:tailEnd type="none" w="med" len="med"/>
-                    </a:lnB>
-                    <a:solidFill>
-                      <a:schemeClr val="accent3"/>
-                    </a:solidFill>
-                  </a:tcPr>
-                </a:tc>
-                <a:tc>
-                  <a:txBody>
-                    <a:bodyPr/>
-                    <a:lstStyle/>
-                    <a:p>
-                      <a:r>
-                        <a:rPr lang="en-US" sz="1200" dirty="0" smtClean="0">
-                          <a:solidFill>
-                            <a:schemeClr val="tx1"/>
-                          </a:solidFill>
-                        </a:rPr>
-                        <a:t>Lesson #1</a:t>
-                      </a:r>
-                      <a:endParaRPr lang="en-US" sz="1200" dirty="0">
-                        <a:solidFill>
-                          <a:schemeClr val="tx1"/>
-                        </a:solidFill>
-                      </a:endParaRPr>
-                    </a:p>
-                  </a:txBody>
-                  <a:tcPr>
-                    <a:lnR w="12700" cmpd="sng">
-                      <a:noFill/>
-                    </a:lnR>
-                    <a:lnT w="12700" cap="flat" cmpd="sng" algn="ctr">
-                      <a:noFill/>
-                      <a:prstDash val="solid"/>
-                      <a:round/>
-                      <a:headEnd type="none" w="med" len="med"/>
-                      <a:tailEnd type="none" w="med" len="med"/>
-                    </a:lnT>
-                    <a:lnB w="12700" cap="flat" cmpd="sng" algn="ctr">
-                      <a:solidFill>
-                        <a:schemeClr val="bg2">
-                          <a:lumMod val="85000"/>
-                        </a:schemeClr>
-                      </a:solidFill>
-                      <a:prstDash val="dash"/>
-                      <a:round/>
-                      <a:headEnd type="none" w="med" len="med"/>
-                      <a:tailEnd type="none" w="med" len="med"/>
-                    </a:lnB>
-                    <a:noFill/>
-                  </a:tcPr>
-                </a:tc>
-                <a:tc>
-                  <a:txBody>
-                    <a:bodyPr/>
-                    <a:lstStyle/>
-                    <a:p>
-                      <a:pPr marL="228600" indent="-228600">
-                        <a:buFont typeface="Arial" panose="020B0604020202020204" pitchFamily="34" charset="0"/>
-                        <a:buChar char="•"/>
-                      </a:pPr>
-                      <a:endParaRPr lang="en-US" sz="1200" baseline="0" dirty="0" smtClean="0">
-                        <a:solidFill>
-                          <a:schemeClr val="tx1"/>
-                        </a:solidFill>
-                      </a:endParaRPr>
-                    </a:p>
-                  </a:txBody>
-                  <a:tcPr>
-                    <a:lnL w="12700" cmpd="sng">
-                      <a:noFill/>
-                    </a:lnL>
-                    <a:lnR w="12700" cmpd="sng">
-                      <a:noFill/>
-                    </a:lnR>
-                    <a:lnT w="12700" cap="flat" cmpd="sng" algn="ctr">
-                      <a:noFill/>
-                      <a:prstDash val="solid"/>
-                      <a:round/>
-                      <a:headEnd type="none" w="med" len="med"/>
-                      <a:tailEnd type="none" w="med" len="med"/>
-                    </a:lnT>
-                    <a:lnB w="12700" cap="flat" cmpd="sng" algn="ctr">
-                      <a:noFill/>
-                      <a:prstDash val="dash"/>
-                      <a:round/>
-                      <a:headEnd type="none" w="med" len="med"/>
-                      <a:tailEnd type="none" w="med" len="med"/>
-                    </a:lnB>
-                    <a:lnTlToBr w="12700" cmpd="sng">
-                      <a:noFill/>
-                      <a:prstDash val="solid"/>
-                    </a:lnTlToBr>
-                    <a:lnBlToTr w="12700" cmpd="sng">
-                      <a:noFill/>
-                      <a:prstDash val="solid"/>
-                    </a:lnBlToTr>
-                    <a:noFill/>
-                  </a:tcPr>
-                </a:tc>
-                <a:tc>
-                  <a:txBody>
-                    <a:bodyPr/>
-                    <a:lstStyle/>
-                    <a:p>
-                      <a:pPr marL="228600" indent="-228600">
-                        <a:buFont typeface="Arial" panose="020B0604020202020204" pitchFamily="34" charset="0"/>
-                        <a:buChar char="•"/>
-                      </a:pPr>
-                      <a:r>
-                        <a:rPr lang="en-US" sz="1200" baseline="0" dirty="0" smtClean="0">
-                          <a:solidFill>
-                            <a:schemeClr val="tx1"/>
-                          </a:solidFill>
-                        </a:rPr>
-                        <a:t>Add commentary</a:t>
-                      </a:r>
-                    </a:p>
-                    <a:p>
-                      <a:pPr marL="228600" indent="-228600">
-                        <a:buFont typeface="Arial" panose="020B0604020202020204" pitchFamily="34" charset="0"/>
-                        <a:buChar char="•"/>
-                      </a:pPr>
-                      <a:r>
-                        <a:rPr lang="en-US" sz="1200" baseline="0" dirty="0" smtClean="0">
-                          <a:solidFill>
-                            <a:schemeClr val="tx1"/>
-                          </a:solidFill>
-                        </a:rPr>
-                        <a:t>Add Commentary</a:t>
-                      </a:r>
-                    </a:p>
-                  </a:txBody>
-                  <a:tcPr>
-                    <a:lnL w="12700" cmpd="sng">
-                      <a:noFill/>
-                    </a:lnL>
-                    <a:lnT w="12700" cap="flat" cmpd="sng" algn="ctr">
-                      <a:noFill/>
-                      <a:prstDash val="solid"/>
-                      <a:round/>
-                      <a:headEnd type="none" w="med" len="med"/>
-                      <a:tailEnd type="none" w="med" len="med"/>
-                    </a:lnT>
-                    <a:lnB w="12700" cap="flat" cmpd="sng" algn="ctr">
-                      <a:solidFill>
-                        <a:schemeClr val="bg2">
-                          <a:lumMod val="85000"/>
-                        </a:schemeClr>
-                      </a:solidFill>
-                      <a:prstDash val="dash"/>
-                      <a:round/>
-                      <a:headEnd type="none" w="med" len="med"/>
-                      <a:tailEnd type="none" w="med" len="med"/>
-                    </a:lnB>
-                    <a:noFill/>
-                  </a:tcPr>
-                </a:tc>
-              </a:tr>
-              <a:tr h="808185">
-                <a:tc vMerge="1">
-                  <a:txBody>
-                    <a:bodyPr/>
-                    <a:lstStyle/>
-                    <a:p>
-                      <a:endParaRPr lang="en-US" sz="1200" dirty="0">
-                        <a:solidFill>
-                          <a:schemeClr val="tx1"/>
-                        </a:solidFill>
-                      </a:endParaRPr>
-                    </a:p>
-                  </a:txBody>
-                  <a:tcPr>
-                    <a:lnT w="12700" cap="flat" cmpd="sng" algn="ctr">
-                      <a:solidFill>
-                        <a:schemeClr val="bg2">
-                          <a:lumMod val="85000"/>
-                        </a:schemeClr>
-                      </a:solidFill>
-                      <a:prstDash val="dash"/>
-                      <a:round/>
-                      <a:headEnd type="none" w="med" len="med"/>
-                      <a:tailEnd type="none" w="med" len="med"/>
-                    </a:lnT>
-                    <a:lnB w="12700" cap="flat" cmpd="sng" algn="ctr">
-                      <a:solidFill>
-                        <a:schemeClr val="bg2">
-                          <a:lumMod val="85000"/>
-                        </a:schemeClr>
-                      </a:solidFill>
-                      <a:prstDash val="dash"/>
-                      <a:round/>
-                      <a:headEnd type="none" w="med" len="med"/>
-                      <a:tailEnd type="none" w="med" len="med"/>
-                    </a:lnB>
-                    <a:solidFill>
-                      <a:schemeClr val="accent3">
-                        <a:lumMod val="20000"/>
-                        <a:lumOff val="80000"/>
-                      </a:schemeClr>
-                    </a:solidFill>
-                  </a:tcPr>
-                </a:tc>
-                <a:tc>
-                  <a:txBody>
-                    <a:bodyPr/>
-                    <a:lstStyle/>
-                    <a:p>
-                      <a:r>
-                        <a:rPr lang="en-US" sz="1200" dirty="0" smtClean="0">
-                          <a:solidFill>
-                            <a:schemeClr val="tx1"/>
-                          </a:solidFill>
-                        </a:rPr>
-                        <a:t>Lesson #2</a:t>
-                      </a:r>
-                      <a:endParaRPr lang="en-US" sz="1200" dirty="0">
-                        <a:solidFill>
-                          <a:schemeClr val="tx1"/>
-                        </a:solidFill>
-                      </a:endParaRPr>
-                    </a:p>
-                  </a:txBody>
-                  <a:tcPr>
-                    <a:lnR w="12700" cmpd="sng">
-                      <a:noFill/>
-                    </a:lnR>
-                    <a:lnT w="12700" cap="flat" cmpd="sng" algn="ctr">
-                      <a:solidFill>
-                        <a:schemeClr val="bg2">
-                          <a:lumMod val="85000"/>
-                        </a:schemeClr>
-                      </a:solidFill>
-                      <a:prstDash val="dash"/>
-                      <a:round/>
-                      <a:headEnd type="none" w="med" len="med"/>
-                      <a:tailEnd type="none" w="med" len="med"/>
-                    </a:lnT>
-                    <a:lnB w="12700" cap="flat" cmpd="sng" algn="ctr">
-                      <a:solidFill>
-                        <a:schemeClr val="bg2">
-                          <a:lumMod val="85000"/>
-                        </a:schemeClr>
-                      </a:solidFill>
-                      <a:prstDash val="dash"/>
-                      <a:round/>
-                      <a:headEnd type="none" w="med" len="med"/>
-                      <a:tailEnd type="none" w="med" len="med"/>
-                    </a:lnB>
-                    <a:noFill/>
-                  </a:tcPr>
-                </a:tc>
-                <a:tc>
-                  <a:txBody>
-                    <a:bodyPr/>
-                    <a:lstStyle/>
-                    <a:p>
-                      <a:pPr marL="228600" indent="-228600">
-                        <a:buFont typeface="Arial" panose="020B0604020202020204" pitchFamily="34" charset="0"/>
-                        <a:buChar char="•"/>
-                      </a:pPr>
-                      <a:endParaRPr lang="en-US" sz="1200" baseline="0" dirty="0" smtClean="0">
-                        <a:solidFill>
-                          <a:schemeClr val="tx1"/>
-                        </a:solidFill>
-                      </a:endParaRPr>
-                    </a:p>
-                  </a:txBody>
-                  <a:tcPr>
-                    <a:lnL w="12700" cmpd="sng">
-                      <a:noFill/>
-                    </a:lnL>
-                    <a:lnR w="12700" cmpd="sng">
-                      <a:noFill/>
-                    </a:lnR>
-                    <a:lnT w="12700" cap="flat" cmpd="sng" algn="ctr">
-                      <a:noFill/>
-                      <a:prstDash val="dash"/>
-                      <a:round/>
-                      <a:headEnd type="none" w="med" len="med"/>
-                      <a:tailEnd type="none" w="med" len="med"/>
-                    </a:lnT>
-                    <a:lnB w="12700" cap="flat" cmpd="sng" algn="ctr">
-                      <a:noFill/>
-                      <a:prstDash val="dash"/>
-                      <a:round/>
-                      <a:headEnd type="none" w="med" len="med"/>
-                      <a:tailEnd type="none" w="med" len="med"/>
-                    </a:lnB>
-                    <a:lnTlToBr w="12700" cmpd="sng">
-                      <a:noFill/>
-                      <a:prstDash val="solid"/>
-                    </a:lnTlToBr>
-                    <a:lnBlToTr w="12700" cmpd="sng">
-                      <a:noFill/>
-                      <a:prstDash val="solid"/>
-                    </a:lnBlToTr>
-                    <a:noFill/>
-                  </a:tcPr>
-                </a:tc>
-                <a:tc>
-                  <a:txBody>
-                    <a:bodyPr/>
-                    <a:lstStyle/>
-                    <a:p>
-                      <a:pPr marL="228600" indent="-228600">
-                        <a:buFont typeface="Arial" panose="020B0604020202020204" pitchFamily="34" charset="0"/>
-                        <a:buChar char="•"/>
-                      </a:pPr>
-                      <a:r>
-                        <a:rPr lang="en-US" sz="1200" baseline="0" dirty="0" smtClean="0">
-                          <a:solidFill>
-                            <a:schemeClr val="tx1"/>
-                          </a:solidFill>
-                        </a:rPr>
-                        <a:t>Add commentary</a:t>
-                      </a:r>
-                    </a:p>
-                    <a:p>
-                      <a:pPr marL="228600" indent="-228600">
-                        <a:buFont typeface="Arial" panose="020B0604020202020204" pitchFamily="34" charset="0"/>
-                        <a:buChar char="•"/>
-                      </a:pPr>
-                      <a:r>
-                        <a:rPr lang="en-US" sz="1200" baseline="0" dirty="0" smtClean="0">
-                          <a:solidFill>
-                            <a:schemeClr val="tx1"/>
-                          </a:solidFill>
-                        </a:rPr>
-                        <a:t>Add Commentary</a:t>
-                      </a:r>
-                    </a:p>
-                  </a:txBody>
-                  <a:tcPr>
-                    <a:lnL w="12700" cmpd="sng">
-                      <a:noFill/>
-                    </a:lnL>
-                    <a:lnT w="12700" cap="flat" cmpd="sng" algn="ctr">
-                      <a:solidFill>
-                        <a:schemeClr val="bg2">
-                          <a:lumMod val="85000"/>
-                        </a:schemeClr>
-                      </a:solidFill>
-                      <a:prstDash val="dash"/>
-                      <a:round/>
-                      <a:headEnd type="none" w="med" len="med"/>
-                      <a:tailEnd type="none" w="med" len="med"/>
-                    </a:lnT>
-                    <a:lnB w="12700" cap="flat" cmpd="sng" algn="ctr">
-                      <a:solidFill>
-                        <a:schemeClr val="bg2">
-                          <a:lumMod val="85000"/>
-                        </a:schemeClr>
-                      </a:solidFill>
-                      <a:prstDash val="dash"/>
-                      <a:round/>
-                      <a:headEnd type="none" w="med" len="med"/>
-                      <a:tailEnd type="none" w="med" len="med"/>
-                    </a:lnB>
-                    <a:noFill/>
-                  </a:tcPr>
-                </a:tc>
-              </a:tr>
-              <a:tr h="844922">
-                <a:tc vMerge="1">
-                  <a:txBody>
-                    <a:bodyPr/>
-                    <a:lstStyle/>
-                    <a:p>
-                      <a:endParaRPr lang="en-US" sz="1200" b="1" dirty="0">
-                        <a:solidFill>
-                          <a:schemeClr val="bg2"/>
-                        </a:solidFill>
-                      </a:endParaRPr>
-                    </a:p>
-                  </a:txBody>
-                  <a:tcPr anchor="ctr">
-                    <a:lnT w="12700" cap="flat" cmpd="sng" algn="ctr">
-                      <a:solidFill>
-                        <a:schemeClr val="bg2">
-                          <a:lumMod val="85000"/>
-                        </a:schemeClr>
-                      </a:solidFill>
-                      <a:prstDash val="dash"/>
-                      <a:round/>
-                      <a:headEnd type="none" w="med" len="med"/>
-                      <a:tailEnd type="none" w="med" len="med"/>
-                    </a:lnT>
-                    <a:lnB w="12700" cap="flat" cmpd="sng" algn="ctr">
-                      <a:solidFill>
-                        <a:schemeClr val="bg2">
-                          <a:lumMod val="85000"/>
-                        </a:schemeClr>
-                      </a:solidFill>
-                      <a:prstDash val="dash"/>
-                      <a:round/>
-                      <a:headEnd type="none" w="med" len="med"/>
-                      <a:tailEnd type="none" w="med" len="med"/>
-                    </a:lnB>
-                    <a:solidFill>
-                      <a:schemeClr val="accent3"/>
-                    </a:solidFill>
-                  </a:tcPr>
-                </a:tc>
-                <a:tc>
-                  <a:txBody>
-                    <a:bodyPr/>
-                    <a:lstStyle/>
-                    <a:p>
-                      <a:r>
-                        <a:rPr lang="en-US" sz="1200" dirty="0" smtClean="0">
-                          <a:solidFill>
-                            <a:schemeClr val="tx1"/>
-                          </a:solidFill>
-                        </a:rPr>
-                        <a:t>Lesson #2</a:t>
-                      </a:r>
-                      <a:endParaRPr lang="en-US" sz="1200" dirty="0">
-                        <a:solidFill>
-                          <a:schemeClr val="tx1"/>
-                        </a:solidFill>
-                      </a:endParaRPr>
-                    </a:p>
-                  </a:txBody>
-                  <a:tcPr>
-                    <a:lnR w="12700" cmpd="sng">
-                      <a:noFill/>
-                    </a:lnR>
-                    <a:lnT w="12700" cap="flat" cmpd="sng" algn="ctr">
-                      <a:solidFill>
-                        <a:schemeClr val="bg2">
-                          <a:lumMod val="85000"/>
-                        </a:schemeClr>
-                      </a:solidFill>
-                      <a:prstDash val="dash"/>
-                      <a:round/>
-                      <a:headEnd type="none" w="med" len="med"/>
-                      <a:tailEnd type="none" w="med" len="med"/>
-                    </a:lnT>
-                    <a:lnB w="12700" cap="flat" cmpd="sng" algn="ctr">
-                      <a:solidFill>
-                        <a:schemeClr val="bg2">
-                          <a:lumMod val="85000"/>
-                        </a:schemeClr>
-                      </a:solidFill>
-                      <a:prstDash val="dash"/>
-                      <a:round/>
-                      <a:headEnd type="none" w="med" len="med"/>
-                      <a:tailEnd type="none" w="med" len="med"/>
-                    </a:lnB>
-                    <a:noFill/>
-                  </a:tcPr>
-                </a:tc>
-                <a:tc>
-                  <a:txBody>
-                    <a:bodyPr/>
-                    <a:lstStyle/>
-                    <a:p>
-                      <a:pPr marL="228600" indent="-228600">
-                        <a:buFont typeface="Arial" panose="020B0604020202020204" pitchFamily="34" charset="0"/>
-                        <a:buChar char="•"/>
-                      </a:pPr>
-                      <a:endParaRPr lang="en-US" sz="1200" baseline="0" dirty="0" smtClean="0">
-                        <a:solidFill>
-                          <a:schemeClr val="tx1"/>
-                        </a:solidFill>
-                      </a:endParaRPr>
-                    </a:p>
-                  </a:txBody>
-                  <a:tcPr>
-                    <a:lnL w="12700" cmpd="sng">
-                      <a:noFill/>
-                    </a:lnL>
-                    <a:lnR w="12700" cmpd="sng">
-                      <a:noFill/>
-                    </a:lnR>
-                    <a:lnT w="12700" cap="flat" cmpd="sng" algn="ctr">
-                      <a:noFill/>
-                      <a:prstDash val="dash"/>
-                      <a:round/>
-                      <a:headEnd type="none" w="med" len="med"/>
-                      <a:tailEnd type="none" w="med" len="med"/>
-                    </a:lnT>
-                    <a:lnB w="12700" cap="flat" cmpd="sng" algn="ctr">
-                      <a:solidFill>
-                        <a:schemeClr val="bg2">
-                          <a:lumMod val="85000"/>
-                        </a:schemeClr>
-                      </a:solidFill>
-                      <a:prstDash val="dash"/>
-                      <a:round/>
-                      <a:headEnd type="none" w="med" len="med"/>
-                      <a:tailEnd type="none" w="med" len="med"/>
-                    </a:lnB>
-                    <a:lnTlToBr w="12700" cmpd="sng">
-                      <a:noFill/>
-                      <a:prstDash val="solid"/>
-                    </a:lnTlToBr>
-                    <a:lnBlToTr w="12700" cmpd="sng">
-                      <a:noFill/>
-                      <a:prstDash val="solid"/>
-                    </a:lnBlToTr>
-                    <a:noFill/>
-                  </a:tcPr>
-                </a:tc>
-                <a:tc>
-                  <a:txBody>
-                    <a:bodyPr/>
-                    <a:lstStyle/>
-                    <a:p>
-                      <a:pPr marL="228600" indent="-228600">
-                        <a:buFont typeface="Arial" panose="020B0604020202020204" pitchFamily="34" charset="0"/>
-                        <a:buChar char="•"/>
-                      </a:pPr>
-                      <a:r>
-                        <a:rPr lang="en-US" sz="1200" baseline="0" dirty="0" smtClean="0">
-                          <a:solidFill>
-                            <a:schemeClr val="tx1"/>
-                          </a:solidFill>
-                        </a:rPr>
-                        <a:t>Add commentary</a:t>
-                      </a:r>
-                    </a:p>
-                    <a:p>
-                      <a:pPr marL="228600" indent="-228600">
-                        <a:buFont typeface="Arial" panose="020B0604020202020204" pitchFamily="34" charset="0"/>
-                        <a:buChar char="•"/>
-                      </a:pPr>
-                      <a:r>
-                        <a:rPr lang="en-US" sz="1200" baseline="0" dirty="0" smtClean="0">
-                          <a:solidFill>
-                            <a:schemeClr val="tx1"/>
-                          </a:solidFill>
-                        </a:rPr>
-                        <a:t>Add Commentary</a:t>
-                      </a:r>
-                    </a:p>
-                  </a:txBody>
-                  <a:tcPr>
-                    <a:lnL w="12700" cmpd="sng">
-                      <a:noFill/>
-                    </a:lnL>
-                    <a:lnT w="12700" cap="flat" cmpd="sng" algn="ctr">
-                      <a:solidFill>
-                        <a:schemeClr val="bg2">
-                          <a:lumMod val="85000"/>
-                        </a:schemeClr>
-                      </a:solidFill>
-                      <a:prstDash val="dash"/>
-                      <a:round/>
-                      <a:headEnd type="none" w="med" len="med"/>
-                      <a:tailEnd type="none" w="med" len="med"/>
-                    </a:lnT>
-                    <a:lnB w="12700" cap="flat" cmpd="sng" algn="ctr">
-                      <a:solidFill>
-                        <a:schemeClr val="bg2">
-                          <a:lumMod val="85000"/>
-                        </a:schemeClr>
-                      </a:solidFill>
-                      <a:prstDash val="dash"/>
-                      <a:round/>
-                      <a:headEnd type="none" w="med" len="med"/>
-                      <a:tailEnd type="none" w="med" len="med"/>
-                    </a:lnB>
-                    <a:noFill/>
-                  </a:tcPr>
-                </a:tc>
-              </a:tr>
-              <a:tr h="918393">
-                <a:tc rowSpan="3">
-                  <a:txBody>
-                    <a:bodyPr/>
-                    <a:lstStyle/>
-                    <a:p>
-                      <a:r>
-                        <a:rPr lang="en-US" sz="1200" b="1" dirty="0" smtClean="0">
-                          <a:solidFill>
-                            <a:schemeClr val="bg2"/>
-                          </a:solidFill>
-                        </a:rPr>
-                        <a:t>BLS Comparison</a:t>
-                      </a:r>
-                      <a:endParaRPr lang="en-US" sz="1200" b="1" dirty="0">
-                        <a:solidFill>
-                          <a:schemeClr val="bg2"/>
-                        </a:solidFill>
-                      </a:endParaRPr>
-                    </a:p>
-                  </a:txBody>
-                  <a:tcPr anchor="ctr">
-                    <a:lnT w="28575" cap="flat" cmpd="sng" algn="ctr">
-                      <a:solidFill>
-                        <a:schemeClr val="bg1"/>
-                      </a:solidFill>
-                      <a:prstDash val="solid"/>
-                      <a:round/>
-                      <a:headEnd type="none" w="med" len="med"/>
-                      <a:tailEnd type="none" w="med" len="med"/>
-                    </a:lnT>
-                    <a:solidFill>
-                      <a:schemeClr val="accent1"/>
-                    </a:solidFill>
-                  </a:tcPr>
-                </a:tc>
-                <a:tc>
-                  <a:txBody>
-                    <a:bodyPr/>
-                    <a:lstStyle/>
-                    <a:p>
-                      <a:r>
-                        <a:rPr lang="en-US" sz="1200" dirty="0" smtClean="0">
-                          <a:solidFill>
-                            <a:schemeClr val="tx1"/>
-                          </a:solidFill>
-                        </a:rPr>
-                        <a:t>Lesson #1</a:t>
-                      </a:r>
-                      <a:endParaRPr lang="en-US" sz="1200" dirty="0">
-                        <a:solidFill>
-                          <a:schemeClr val="tx1"/>
-                        </a:solidFill>
-                      </a:endParaRPr>
-                    </a:p>
-                  </a:txBody>
-                  <a:tcPr>
-                    <a:lnR w="12700" cmpd="sng">
-                      <a:noFill/>
-                    </a:lnR>
-                    <a:lnT w="12700" cap="flat" cmpd="sng" algn="ctr">
-                      <a:solidFill>
-                        <a:schemeClr val="bg2">
-                          <a:lumMod val="85000"/>
-                        </a:schemeClr>
-                      </a:solidFill>
-                      <a:prstDash val="dash"/>
-                      <a:round/>
-                      <a:headEnd type="none" w="med" len="med"/>
-                      <a:tailEnd type="none" w="med" len="med"/>
-                    </a:lnT>
-                    <a:lnB w="12700" cap="flat" cmpd="sng" algn="ctr">
-                      <a:solidFill>
-                        <a:schemeClr val="bg2">
-                          <a:lumMod val="85000"/>
-                        </a:schemeClr>
-                      </a:solidFill>
-                      <a:prstDash val="dash"/>
-                      <a:round/>
-                      <a:headEnd type="none" w="med" len="med"/>
-                      <a:tailEnd type="none" w="med" len="med"/>
-                    </a:lnB>
-                    <a:noFill/>
-                  </a:tcPr>
-                </a:tc>
-                <a:tc>
-                  <a:txBody>
-                    <a:bodyPr/>
-                    <a:lstStyle/>
-                    <a:p>
-                      <a:pPr marL="228600" indent="-228600">
-                        <a:buFont typeface="Arial" panose="020B0604020202020204" pitchFamily="34" charset="0"/>
-                        <a:buChar char="•"/>
-                      </a:pPr>
-                      <a:endParaRPr lang="en-US" sz="1200" baseline="0" dirty="0" smtClean="0">
-                        <a:solidFill>
-                          <a:schemeClr val="tx1"/>
-                        </a:solidFill>
-                      </a:endParaRPr>
-                    </a:p>
-                  </a:txBody>
-                  <a:tcPr>
-                    <a:lnL w="12700" cmpd="sng">
-                      <a:noFill/>
-                    </a:lnL>
-                    <a:lnR w="12700" cmpd="sng">
-                      <a:noFill/>
-                    </a:lnR>
-                    <a:lnT w="12700" cap="flat" cmpd="sng" algn="ctr">
-                      <a:solidFill>
-                        <a:schemeClr val="bg2">
-                          <a:lumMod val="85000"/>
-                        </a:schemeClr>
-                      </a:solidFill>
-                      <a:prstDash val="dash"/>
-                      <a:round/>
-                      <a:headEnd type="none" w="med" len="med"/>
-                      <a:tailEnd type="none" w="med" len="med"/>
-                    </a:lnT>
-                    <a:lnB w="12700" cap="flat" cmpd="sng" algn="ctr">
-                      <a:noFill/>
-                      <a:prstDash val="dash"/>
-                      <a:round/>
-                      <a:headEnd type="none" w="med" len="med"/>
-                      <a:tailEnd type="none" w="med" len="med"/>
-                    </a:lnB>
-                    <a:lnTlToBr w="12700" cmpd="sng">
-                      <a:noFill/>
-                      <a:prstDash val="solid"/>
-                    </a:lnTlToBr>
-                    <a:lnBlToTr w="12700" cmpd="sng">
-                      <a:noFill/>
-                      <a:prstDash val="solid"/>
-                    </a:lnBlToTr>
-                    <a:noFill/>
-                  </a:tcPr>
-                </a:tc>
-                <a:tc>
-                  <a:txBody>
-                    <a:bodyPr/>
-                    <a:lstStyle/>
-                    <a:p>
-                      <a:pPr marL="228600" indent="-228600">
-                        <a:buFont typeface="Arial" panose="020B0604020202020204" pitchFamily="34" charset="0"/>
-                        <a:buChar char="•"/>
-                      </a:pPr>
-                      <a:r>
-                        <a:rPr lang="en-US" sz="1200" baseline="0" dirty="0" smtClean="0">
-                          <a:solidFill>
-                            <a:schemeClr val="tx1"/>
-                          </a:solidFill>
-                        </a:rPr>
-                        <a:t>Add commentary</a:t>
-                      </a:r>
-                    </a:p>
-                    <a:p>
-                      <a:pPr marL="228600" indent="-228600">
-                        <a:buFont typeface="Arial" panose="020B0604020202020204" pitchFamily="34" charset="0"/>
-                        <a:buChar char="•"/>
-                      </a:pPr>
-                      <a:r>
-                        <a:rPr lang="en-US" sz="1200" baseline="0" dirty="0" smtClean="0">
-                          <a:solidFill>
-                            <a:schemeClr val="tx1"/>
-                          </a:solidFill>
-                        </a:rPr>
-                        <a:t>Add Commentary</a:t>
-                      </a:r>
-                    </a:p>
-                  </a:txBody>
-                  <a:tcPr>
-                    <a:lnL w="12700" cmpd="sng">
-                      <a:noFill/>
-                    </a:lnL>
-                    <a:lnT w="12700" cap="flat" cmpd="sng" algn="ctr">
-                      <a:solidFill>
-                        <a:schemeClr val="bg2">
-                          <a:lumMod val="85000"/>
-                        </a:schemeClr>
-                      </a:solidFill>
-                      <a:prstDash val="dash"/>
-                      <a:round/>
-                      <a:headEnd type="none" w="med" len="med"/>
-                      <a:tailEnd type="none" w="med" len="med"/>
-                    </a:lnT>
-                    <a:lnB w="12700" cap="flat" cmpd="sng" algn="ctr">
-                      <a:solidFill>
-                        <a:schemeClr val="bg2">
-                          <a:lumMod val="85000"/>
-                        </a:schemeClr>
-                      </a:solidFill>
-                      <a:prstDash val="dash"/>
-                      <a:round/>
-                      <a:headEnd type="none" w="med" len="med"/>
-                      <a:tailEnd type="none" w="med" len="med"/>
-                    </a:lnB>
-                    <a:noFill/>
-                  </a:tcPr>
-                </a:tc>
-              </a:tr>
-              <a:tr h="619915">
-                <a:tc vMerge="1">
-                  <a:txBody>
-                    <a:bodyPr/>
-                    <a:lstStyle/>
-                    <a:p>
-                      <a:endParaRPr lang="en-US" sz="1200" dirty="0">
-                        <a:solidFill>
-                          <a:schemeClr val="tx1"/>
-                        </a:solidFill>
-                      </a:endParaRPr>
-                    </a:p>
-                  </a:txBody>
-                  <a:tcPr>
-                    <a:lnT w="12700" cap="flat" cmpd="sng" algn="ctr">
-                      <a:solidFill>
-                        <a:schemeClr val="bg2">
-                          <a:lumMod val="85000"/>
-                        </a:schemeClr>
-                      </a:solidFill>
-                      <a:prstDash val="dash"/>
-                      <a:round/>
-                      <a:headEnd type="none" w="med" len="med"/>
-                      <a:tailEnd type="none" w="med" len="med"/>
-                    </a:lnT>
-                    <a:lnB w="12700" cap="flat" cmpd="sng" algn="ctr">
-                      <a:solidFill>
-                        <a:schemeClr val="bg2">
-                          <a:lumMod val="85000"/>
-                        </a:schemeClr>
-                      </a:solidFill>
-                      <a:prstDash val="dash"/>
-                      <a:round/>
-                      <a:headEnd type="none" w="med" len="med"/>
-                      <a:tailEnd type="none" w="med" len="med"/>
-                    </a:lnB>
-                    <a:noFill/>
-                  </a:tcPr>
-                </a:tc>
-                <a:tc>
-                  <a:txBody>
-                    <a:bodyPr/>
-                    <a:lstStyle/>
-                    <a:p>
-                      <a:r>
-                        <a:rPr lang="en-US" sz="1200" dirty="0" smtClean="0">
-                          <a:solidFill>
-                            <a:schemeClr val="tx1"/>
-                          </a:solidFill>
-                        </a:rPr>
-                        <a:t>Lesson #2</a:t>
-                      </a:r>
-                      <a:endParaRPr lang="en-US" sz="1200" dirty="0">
-                        <a:solidFill>
-                          <a:schemeClr val="tx1"/>
-                        </a:solidFill>
-                      </a:endParaRPr>
-                    </a:p>
-                  </a:txBody>
-                  <a:tcPr>
-                    <a:lnR w="12700" cmpd="sng">
-                      <a:noFill/>
-                    </a:lnR>
-                    <a:lnT w="12700" cap="flat" cmpd="sng" algn="ctr">
-                      <a:solidFill>
-                        <a:schemeClr val="bg2">
-                          <a:lumMod val="85000"/>
-                        </a:schemeClr>
-                      </a:solidFill>
-                      <a:prstDash val="dash"/>
-                      <a:round/>
-                      <a:headEnd type="none" w="med" len="med"/>
-                      <a:tailEnd type="none" w="med" len="med"/>
-                    </a:lnT>
-                    <a:lnB w="12700" cap="flat" cmpd="sng" algn="ctr">
-                      <a:solidFill>
-                        <a:schemeClr val="bg2">
-                          <a:lumMod val="85000"/>
-                        </a:schemeClr>
-                      </a:solidFill>
-                      <a:prstDash val="dash"/>
-                      <a:round/>
-                      <a:headEnd type="none" w="med" len="med"/>
-                      <a:tailEnd type="none" w="med" len="med"/>
-                    </a:lnB>
-                    <a:noFill/>
-                  </a:tcPr>
-                </a:tc>
-                <a:tc>
-                  <a:txBody>
-                    <a:bodyPr/>
-                    <a:lstStyle/>
-                    <a:p>
-                      <a:pPr marL="228600" indent="-228600">
-                        <a:buFont typeface="Arial" panose="020B0604020202020204" pitchFamily="34" charset="0"/>
-                        <a:buChar char="•"/>
-                      </a:pPr>
-                      <a:endParaRPr lang="en-US" sz="1200" baseline="0" dirty="0" smtClean="0">
-                        <a:solidFill>
-                          <a:schemeClr val="tx1"/>
-                        </a:solidFill>
-                      </a:endParaRPr>
-                    </a:p>
-                  </a:txBody>
-                  <a:tcPr>
-                    <a:lnL w="12700" cmpd="sng">
-                      <a:noFill/>
-                    </a:lnL>
-                    <a:lnR w="12700" cmpd="sng">
-                      <a:noFill/>
-                    </a:lnR>
-                    <a:lnT w="12700" cap="flat" cmpd="sng" algn="ctr">
-                      <a:noFill/>
-                      <a:prstDash val="dash"/>
-                      <a:round/>
-                      <a:headEnd type="none" w="med" len="med"/>
-                      <a:tailEnd type="none" w="med" len="med"/>
-                    </a:lnT>
-                    <a:lnB w="12700" cap="flat" cmpd="sng" algn="ctr">
-                      <a:noFill/>
-                      <a:prstDash val="dash"/>
-                      <a:round/>
-                      <a:headEnd type="none" w="med" len="med"/>
-                      <a:tailEnd type="none" w="med" len="med"/>
-                    </a:lnB>
-                    <a:lnTlToBr w="12700" cmpd="sng">
-                      <a:noFill/>
-                      <a:prstDash val="solid"/>
-                    </a:lnTlToBr>
-                    <a:lnBlToTr w="12700" cmpd="sng">
-                      <a:noFill/>
-                      <a:prstDash val="solid"/>
-                    </a:lnBlToTr>
-                    <a:noFill/>
-                  </a:tcPr>
-                </a:tc>
-                <a:tc>
-                  <a:txBody>
-                    <a:bodyPr/>
-                    <a:lstStyle/>
-                    <a:p>
-                      <a:pPr marL="228600" indent="-228600">
-                        <a:buFont typeface="Arial" panose="020B0604020202020204" pitchFamily="34" charset="0"/>
-                        <a:buChar char="•"/>
-                      </a:pPr>
-                      <a:r>
-                        <a:rPr lang="en-US" sz="1200" baseline="0" dirty="0" smtClean="0">
-                          <a:solidFill>
-                            <a:schemeClr val="tx1"/>
-                          </a:solidFill>
-                        </a:rPr>
-                        <a:t>Add commentary</a:t>
-                      </a:r>
-                    </a:p>
-                    <a:p>
-                      <a:pPr marL="228600" indent="-228600">
-                        <a:buFont typeface="Arial" panose="020B0604020202020204" pitchFamily="34" charset="0"/>
-                        <a:buChar char="•"/>
-                      </a:pPr>
-                      <a:r>
-                        <a:rPr lang="en-US" sz="1200" baseline="0" dirty="0" smtClean="0">
-                          <a:solidFill>
-                            <a:schemeClr val="tx1"/>
-                          </a:solidFill>
-                        </a:rPr>
-                        <a:t>Add Commentary</a:t>
-                      </a:r>
-                    </a:p>
-                  </a:txBody>
-                  <a:tcPr>
-                    <a:lnL w="12700" cmpd="sng">
-                      <a:noFill/>
-                    </a:lnL>
-                    <a:lnT w="12700" cap="flat" cmpd="sng" algn="ctr">
-                      <a:solidFill>
-                        <a:schemeClr val="bg2">
-                          <a:lumMod val="85000"/>
-                        </a:schemeClr>
-                      </a:solidFill>
-                      <a:prstDash val="dash"/>
-                      <a:round/>
-                      <a:headEnd type="none" w="med" len="med"/>
-                      <a:tailEnd type="none" w="med" len="med"/>
-                    </a:lnT>
-                    <a:lnB w="12700" cap="flat" cmpd="sng" algn="ctr">
-                      <a:solidFill>
-                        <a:schemeClr val="bg2">
-                          <a:lumMod val="85000"/>
-                        </a:schemeClr>
-                      </a:solidFill>
-                      <a:prstDash val="dash"/>
-                      <a:round/>
-                      <a:headEnd type="none" w="med" len="med"/>
-                      <a:tailEnd type="none" w="med" len="med"/>
-                    </a:lnB>
-                    <a:noFill/>
-                  </a:tcPr>
-                </a:tc>
-              </a:tr>
-              <a:tr h="817504">
-                <a:tc vMerge="1">
-                  <a:txBody>
-                    <a:bodyPr/>
-                    <a:lstStyle/>
-                    <a:p>
-                      <a:endParaRPr lang="en-US" sz="1200" dirty="0">
-                        <a:solidFill>
-                          <a:schemeClr val="tx1"/>
-                        </a:solidFill>
-                      </a:endParaRPr>
-                    </a:p>
-                  </a:txBody>
-                  <a:tcPr>
-                    <a:lnT w="12700" cap="flat" cmpd="sng" algn="ctr">
-                      <a:solidFill>
-                        <a:schemeClr val="bg2">
-                          <a:lumMod val="85000"/>
-                        </a:schemeClr>
-                      </a:solidFill>
-                      <a:prstDash val="dash"/>
-                      <a:round/>
-                      <a:headEnd type="none" w="med" len="med"/>
-                      <a:tailEnd type="none" w="med" len="med"/>
-                    </a:lnT>
-                    <a:noFill/>
-                  </a:tcPr>
-                </a:tc>
-                <a:tc>
-                  <a:txBody>
-                    <a:bodyPr/>
-                    <a:lstStyle/>
-                    <a:p>
-                      <a:r>
-                        <a:rPr lang="en-US" sz="1200" dirty="0" smtClean="0">
-                          <a:solidFill>
-                            <a:schemeClr val="tx1"/>
-                          </a:solidFill>
-                        </a:rPr>
-                        <a:t>Lesson #3</a:t>
-                      </a:r>
-                      <a:endParaRPr lang="en-US" sz="1200" dirty="0">
-                        <a:solidFill>
-                          <a:schemeClr val="bg1">
-                            <a:lumMod val="50000"/>
-                          </a:schemeClr>
-                        </a:solidFill>
-                      </a:endParaRPr>
-                    </a:p>
-                  </a:txBody>
-                  <a:tcPr>
-                    <a:lnR w="12700" cmpd="sng">
-                      <a:noFill/>
-                    </a:lnR>
-                    <a:lnT w="12700" cap="flat" cmpd="sng" algn="ctr">
-                      <a:solidFill>
-                        <a:schemeClr val="bg2">
-                          <a:lumMod val="85000"/>
-                        </a:schemeClr>
-                      </a:solidFill>
-                      <a:prstDash val="dash"/>
-                      <a:round/>
-                      <a:headEnd type="none" w="med" len="med"/>
-                      <a:tailEnd type="none" w="med" len="med"/>
-                    </a:lnT>
-                    <a:noFill/>
-                  </a:tcPr>
-                </a:tc>
-                <a:tc>
-                  <a:txBody>
-                    <a:bodyPr/>
-                    <a:lstStyle/>
-                    <a:p>
-                      <a:pPr marL="228600" indent="-228600">
-                        <a:buFont typeface="Arial" panose="020B0604020202020204" pitchFamily="34" charset="0"/>
-                        <a:buChar char="•"/>
-                      </a:pPr>
-                      <a:endParaRPr lang="en-US" sz="1200" baseline="0" dirty="0" smtClean="0">
-                        <a:solidFill>
-                          <a:schemeClr val="tx1"/>
-                        </a:solidFill>
-                      </a:endParaRPr>
-                    </a:p>
-                  </a:txBody>
-                  <a:tcPr>
-                    <a:lnL w="12700" cmpd="sng">
-                      <a:noFill/>
-                    </a:lnL>
-                    <a:lnR w="12700" cmpd="sng">
-                      <a:noFill/>
-                    </a:lnR>
-                    <a:lnT w="12700" cap="flat" cmpd="sng" algn="ctr">
-                      <a:noFill/>
-                      <a:prstDash val="dash"/>
-                      <a:round/>
-                      <a:headEnd type="none" w="med" len="med"/>
-                      <a:tailEnd type="none" w="med" len="med"/>
-                    </a:lnT>
-                    <a:lnB w="12700" cmpd="sng">
-                      <a:noFill/>
-                    </a:lnB>
-                    <a:lnTlToBr w="12700" cmpd="sng">
-                      <a:noFill/>
-                      <a:prstDash val="solid"/>
-                    </a:lnTlToBr>
-                    <a:lnBlToTr w="12700" cmpd="sng">
-                      <a:noFill/>
-                      <a:prstDash val="solid"/>
-                    </a:lnBlToTr>
-                    <a:noFill/>
-                  </a:tcPr>
-                </a:tc>
-                <a:tc>
-                  <a:txBody>
-                    <a:bodyPr/>
-                    <a:lstStyle/>
-                    <a:p>
-                      <a:pPr marL="228600" indent="-228600">
-                        <a:buFont typeface="Arial" panose="020B0604020202020204" pitchFamily="34" charset="0"/>
-                        <a:buChar char="•"/>
-                      </a:pPr>
-                      <a:r>
-                        <a:rPr lang="en-US" sz="1200" baseline="0" dirty="0" smtClean="0">
-                          <a:solidFill>
-                            <a:schemeClr val="tx1"/>
-                          </a:solidFill>
-                        </a:rPr>
-                        <a:t>Add commentary</a:t>
-                      </a:r>
-                    </a:p>
-                    <a:p>
-                      <a:pPr marL="228600" indent="-228600">
-                        <a:buFont typeface="Arial" panose="020B0604020202020204" pitchFamily="34" charset="0"/>
-                        <a:buChar char="•"/>
-                      </a:pPr>
-                      <a:r>
-                        <a:rPr lang="en-US" sz="1200" baseline="0" dirty="0" smtClean="0">
-                          <a:solidFill>
-                            <a:schemeClr val="tx1"/>
-                          </a:solidFill>
-                        </a:rPr>
-                        <a:t>Add Commentary</a:t>
-                      </a:r>
-                    </a:p>
-                  </a:txBody>
-                  <a:tcPr>
-                    <a:lnL w="12700" cmpd="sng">
-                      <a:noFill/>
-                    </a:lnL>
-                    <a:lnT w="12700" cap="flat" cmpd="sng" algn="ctr">
-                      <a:solidFill>
-                        <a:schemeClr val="bg2">
-                          <a:lumMod val="85000"/>
-                        </a:schemeClr>
-                      </a:solidFill>
-                      <a:prstDash val="dash"/>
-                      <a:round/>
-                      <a:headEnd type="none" w="med" len="med"/>
-                      <a:tailEnd type="none" w="med" len="med"/>
-                    </a:lnT>
-                    <a:noFill/>
-                  </a:tcPr>
-                </a:tc>
-              </a:tr>
-            </a:tbl>
-          </a:graphicData>
-        </a:graphic>
-      </p:graphicFrame>
-      <p:sp>
-        <p:nvSpPr>
-          <p:cNvPr id="5" name="Isosceles Triangle 4"/>
-          <p:cNvSpPr/>
-          <p:nvPr/>
-        </p:nvSpPr>
-        <p:spPr>
-          <a:xfrm rot="5400000">
-            <a:off x="3962400" y="2514600"/>
-            <a:ext cx="2133600" cy="304800"/>
-          </a:xfrm>
-          <a:prstGeom prst="triangle">
-            <a:avLst/>
-          </a:prstGeom>
-          <a:solidFill>
-            <a:schemeClr val="bg2">
-              <a:lumMod val="85000"/>
-            </a:schemeClr>
+            <a:srgbClr val="FFFF00"/>
           </a:solidFill>
           <a:ln>
             <a:noFill/>
@@ -31985,62 +32991,26 @@
           <a:lstStyle/>
           <a:p>
             <a:pPr algn="ctr"/>
-            <a:endParaRPr lang="en-US"/>
-          </a:p>
-        </p:txBody>
-      </p:sp>
-      <p:sp>
-        <p:nvSpPr>
-          <p:cNvPr id="10" name="Isosceles Triangle 9"/>
-          <p:cNvSpPr/>
-          <p:nvPr/>
-        </p:nvSpPr>
-        <p:spPr>
-          <a:xfrm rot="5400000">
-            <a:off x="3962400" y="5105400"/>
-            <a:ext cx="2133600" cy="304800"/>
-          </a:xfrm>
-          <a:prstGeom prst="triangle">
-            <a:avLst/>
-          </a:prstGeom>
-          <a:solidFill>
-            <a:schemeClr val="bg2">
-              <a:lumMod val="85000"/>
-            </a:schemeClr>
-          </a:solidFill>
-          <a:ln>
-            <a:noFill/>
-          </a:ln>
-        </p:spPr>
-        <p:style>
-          <a:lnRef idx="2">
-            <a:schemeClr val="accent1">
-              <a:shade val="50000"/>
-            </a:schemeClr>
-          </a:lnRef>
-          <a:fillRef idx="1">
-            <a:schemeClr val="accent1"/>
-          </a:fillRef>
-          <a:effectRef idx="0">
-            <a:schemeClr val="accent1"/>
-          </a:effectRef>
-          <a:fontRef idx="minor">
-            <a:schemeClr val="lt1"/>
-          </a:fontRef>
-        </p:style>
-        <p:txBody>
-          <a:bodyPr rtlCol="0" anchor="ctr"/>
-          <a:lstStyle/>
-          <a:p>
-            <a:pPr algn="ctr"/>
-            <a:endParaRPr lang="en-US"/>
+            <a:r>
+              <a:rPr lang="en-US" dirty="0" smtClean="0">
+                <a:solidFill>
+                  <a:schemeClr val="tx1"/>
+                </a:solidFill>
+              </a:rPr>
+              <a:t>AV / RR</a:t>
+            </a:r>
+            <a:endParaRPr lang="en-US" dirty="0">
+              <a:solidFill>
+                <a:schemeClr val="tx1"/>
+              </a:solidFill>
+            </a:endParaRPr>
           </a:p>
         </p:txBody>
       </p:sp>
     </p:spTree>
     <p:extLst>
       <p:ext uri="{BB962C8B-B14F-4D97-AF65-F5344CB8AC3E}">
-        <p14:creationId xmlns:p14="http://schemas.microsoft.com/office/powerpoint/2010/main" val="2671370458"/>
+        <p14:creationId xmlns:p14="http://schemas.microsoft.com/office/powerpoint/2010/main" val="2734341276"/>
       </p:ext>
     </p:extLst>
   </p:cSld>
@@ -32054,11 +33024,17 @@
 <p:tagLst xmlns:a="http://schemas.openxmlformats.org/drawingml/2006/main" xmlns:r="http://schemas.openxmlformats.org/officeDocument/2006/relationships" xmlns:p="http://schemas.openxmlformats.org/presentationml/2006/main">
   <p:tag name="THINKCELLPRESENTATIONDONOTDELETE" val="&lt;?xml version=&quot;1.0&quot; encoding=&quot;UTF-16&quot; standalone=&quot;yes&quot;?&gt;&lt;root reqver=&quot;23045&quot;&gt;&lt;version val=&quot;24164&quot;/&gt;&lt;CPresentation id=&quot;1&quot;&gt;&lt;m_precDefaultNumber&gt;&lt;m_bNumberIsYear val=&quot;1&quot;/&gt;&lt;m_chMinusSymbol&gt;-&lt;/m_chMinusSymbol&gt;&lt;m_chDecimalSymbol17909&gt;.&lt;/m_chDecimalSymbol17909&gt;&lt;m_nGroupingDigits17909 val=&quot;3&quot;/&gt;&lt;m_chGroupingSymbol17909&gt;,&lt;/m_chGroupingSymbol17909&gt;&lt;m_yearfmt&gt;&lt;begin val=&quot;0&quot;/&gt;&lt;end val=&quot;4&quot;/&gt;&lt;/m_yearfmt&gt;&lt;/m_precDefaultNumber&gt;&lt;m_precDefaultPercent&gt;&lt;m_bNumberIsYear val=&quot;1&quot;/&gt;&lt;m_chMinusSymbol&gt;-&lt;/m_chMinusSymbol&gt;&lt;m_nDecimalDigits17909 val=&quot;0&quot;/&gt;&lt;m_chDecimalSymbol17909&gt;.&lt;/m_chDecimalSymbol17909&gt;&lt;m_nGroupingDigits17909 val=&quot;3&quot;/&gt;&lt;m_chGroupingSymbol17909&gt;,&lt;/m_chGroupingSymbol17909&gt;&lt;m_strSuffix17909&gt;%&lt;/m_strSuffix17909&gt;&lt;m_yearfmt&gt;&lt;begin val=&quot;0&quot;/&gt;&lt;end val=&quot;4&quot;/&gt;&lt;/m_yearfmt&gt;&lt;/m_precDefaultPercent&gt;&lt;m_precDefaultDate&gt;&lt;m_bNumberIsYear val=&quot;0&quot;/&gt;&lt;m_strFormatTime&gt;%#m/%#d/%Y&lt;/m_strFormatTime&gt;&lt;m_yearfmt&gt;&lt;begin val=&quot;0&quot;/&gt;&lt;end val=&quot;0&quot;/&gt;&lt;/m_yearfmt&gt;&lt;/m_precDefaultDate&gt;&lt;m_precDefaultYear&gt;&lt;m_yearfmt&gt;&lt;begin val=&quot;0&quot;/&gt;&lt;end val=&quot;4&quot;/&gt;&lt;/m_yearfmt&gt;&lt;/m_precDefaultYear&gt;&lt;m_precDefaultQuarter&gt;&lt;m_yearfmt&gt;&lt;begin val=&quot;0&quot;/&gt;&lt;end val=&quot;4&quot;/&gt;&lt;/m_yearfmt&gt;&lt;/m_precDefaultQuarter&gt;&lt;m_precDefaultMonth&gt;&lt;m_yearfmt&gt;&lt;begin val=&quot;0&quot;/&gt;&lt;end val=&quot;4&quot;/&gt;&lt;/m_yearfmt&gt;&lt;/m_precDefaultMonth&gt;&lt;m_precDefaultWeek&gt;&lt;m_yearfmt&gt;&lt;begin val=&quot;0&quot;/&gt;&lt;end val=&quot;4&quot;/&gt;&lt;/m_yearfmt&gt;&lt;/m_precDefaultWeek&gt;&lt;m_precDefaultDay&gt;&lt;m_yearfmt&gt;&lt;begin val=&quot;0&quot;/&gt;&lt;end val=&quot;4&quot;/&gt;&lt;/m_yearfmt&gt;&lt;/m_precDefaultDay&gt;&lt;m_mruColor&gt;&lt;m_vecMRU length=&quot;0&quot;/&gt;&lt;/m_mruColor&gt;&lt;m_eweekdayFirstOfWeek val=&quot;1&quot;/&gt;&lt;m_eweekdayFirstOfWorkweek val=&quot;2&quot;/&gt;&lt;m_eweekdayFirstOfWeekend val=&quot;7&quot;/&gt;&lt;/CPresentation&gt;&lt;/root&gt;"/>
   <p:tag name="THINKCELLUNDODONOTDELETE" val="0"/>
-  <p:tag name="ENGAGE" val="{&quot;SavedSwatch&quot;:&quot;-16748873|-8341960|-3468525|-2064878|-9539986|Markido&quot;,&quot;Id&quot;:&quot;57a7784036413152d0f89e14&quot;,&quot;SmartGridHorizontal&quot;:0,&quot;LinkedExcelSources&quot;:{},&quot;LinkedProjectSources&quot;:{},&quot;FlowConfig&quot;:{&quot;Canvas&quot;:{&quot;Slide&quot;:-1,&quot;Width&quot;:0,&quot;Height&quot;:0},&quot;Timeline&quot;:{&quot;Actions&quot;:[]}}}"/>
+  <p:tag name="ENGAGE" val="{&quot;SavedSwatch&quot;:&quot;-16748873|-8341960|-3468525|-2064878|-9539986|Markido&quot;,&quot;Id&quot;:&quot;57a79faf3641316fb4359528&quot;,&quot;SmartGridHorizontal&quot;:0,&quot;LinkedExcelSources&quot;:{},&quot;LinkedProjectSources&quot;:{},&quot;FlowConfig&quot;:{&quot;Canvas&quot;:{&quot;Slide&quot;:-1,&quot;Width&quot;:0,&quot;Height&quot;:0},&quot;Timeline&quot;:{&quot;Actions&quot;:[]}}}"/>
 </p:tagLst>
 </file>
 
 <file path=ppt/tags/tag10.xml><?xml version="1.0" encoding="utf-8"?>
+<p:tagLst xmlns:a="http://schemas.openxmlformats.org/drawingml/2006/main" xmlns:r="http://schemas.openxmlformats.org/officeDocument/2006/relationships" xmlns:p="http://schemas.openxmlformats.org/presentationml/2006/main">
+  <p:tag name="THINKCELLSHAPEDONOTDELETE" val="thinkcellActiveDocDoNotDelete"/>
+</p:tagLst>
+</file>
+
+<file path=ppt/tags/tag11.xml><?xml version="1.0" encoding="utf-8"?>
 <p:tagLst xmlns:a="http://schemas.openxmlformats.org/drawingml/2006/main" xmlns:r="http://schemas.openxmlformats.org/officeDocument/2006/relationships" xmlns:p="http://schemas.openxmlformats.org/presentationml/2006/main">
   <p:tag name="THINKCELLSHAPEDONOTDELETE" val="thinkcellActiveDocDoNotDelete"/>
 </p:tagLst>
